--- a/doc/manuscript/tables_figures/tree_rings_figs.pptx
+++ b/doc/manuscript/tables_figures/tree_rings_figs.pptx
@@ -198,7 +198,7 @@
           <a:p>
             <a:fld id="{F70F5402-B2D4-AF48-9284-8FD064B6E26D}" type="datetimeFigureOut">
               <a:rPr lang="en-US" smtClean="0"/>
-              <a:t>9/3/2021</a:t>
+              <a:t>9/17/21</a:t>
             </a:fld>
             <a:endParaRPr lang="en-US"/>
           </a:p>
@@ -684,7 +684,7 @@
           <a:p>
             <a:fld id="{7323833B-5180-444D-893E-57F1CEBFA0E4}" type="datetimeFigureOut">
               <a:rPr lang="en-US" smtClean="0"/>
-              <a:t>9/3/2021</a:t>
+              <a:t>9/17/21</a:t>
             </a:fld>
             <a:endParaRPr lang="en-US"/>
           </a:p>
@@ -854,7 +854,7 @@
           <a:p>
             <a:fld id="{7323833B-5180-444D-893E-57F1CEBFA0E4}" type="datetimeFigureOut">
               <a:rPr lang="en-US" smtClean="0"/>
-              <a:t>9/3/2021</a:t>
+              <a:t>9/17/21</a:t>
             </a:fld>
             <a:endParaRPr lang="en-US"/>
           </a:p>
@@ -1034,7 +1034,7 @@
           <a:p>
             <a:fld id="{7323833B-5180-444D-893E-57F1CEBFA0E4}" type="datetimeFigureOut">
               <a:rPr lang="en-US" smtClean="0"/>
-              <a:t>9/3/2021</a:t>
+              <a:t>9/17/21</a:t>
             </a:fld>
             <a:endParaRPr lang="en-US"/>
           </a:p>
@@ -1204,7 +1204,7 @@
           <a:p>
             <a:fld id="{7323833B-5180-444D-893E-57F1CEBFA0E4}" type="datetimeFigureOut">
               <a:rPr lang="en-US" smtClean="0"/>
-              <a:t>9/3/2021</a:t>
+              <a:t>9/17/21</a:t>
             </a:fld>
             <a:endParaRPr lang="en-US"/>
           </a:p>
@@ -1448,7 +1448,7 @@
           <a:p>
             <a:fld id="{7323833B-5180-444D-893E-57F1CEBFA0E4}" type="datetimeFigureOut">
               <a:rPr lang="en-US" smtClean="0"/>
-              <a:t>9/3/2021</a:t>
+              <a:t>9/17/21</a:t>
             </a:fld>
             <a:endParaRPr lang="en-US"/>
           </a:p>
@@ -1680,7 +1680,7 @@
           <a:p>
             <a:fld id="{7323833B-5180-444D-893E-57F1CEBFA0E4}" type="datetimeFigureOut">
               <a:rPr lang="en-US" smtClean="0"/>
-              <a:t>9/3/2021</a:t>
+              <a:t>9/17/21</a:t>
             </a:fld>
             <a:endParaRPr lang="en-US"/>
           </a:p>
@@ -2047,7 +2047,7 @@
           <a:p>
             <a:fld id="{7323833B-5180-444D-893E-57F1CEBFA0E4}" type="datetimeFigureOut">
               <a:rPr lang="en-US" smtClean="0"/>
-              <a:t>9/3/2021</a:t>
+              <a:t>9/17/21</a:t>
             </a:fld>
             <a:endParaRPr lang="en-US"/>
           </a:p>
@@ -2165,7 +2165,7 @@
           <a:p>
             <a:fld id="{7323833B-5180-444D-893E-57F1CEBFA0E4}" type="datetimeFigureOut">
               <a:rPr lang="en-US" smtClean="0"/>
-              <a:t>9/3/2021</a:t>
+              <a:t>9/17/21</a:t>
             </a:fld>
             <a:endParaRPr lang="en-US"/>
           </a:p>
@@ -2260,7 +2260,7 @@
           <a:p>
             <a:fld id="{7323833B-5180-444D-893E-57F1CEBFA0E4}" type="datetimeFigureOut">
               <a:rPr lang="en-US" smtClean="0"/>
-              <a:t>9/3/2021</a:t>
+              <a:t>9/17/21</a:t>
             </a:fld>
             <a:endParaRPr lang="en-US"/>
           </a:p>
@@ -2537,7 +2537,7 @@
           <a:p>
             <a:fld id="{7323833B-5180-444D-893E-57F1CEBFA0E4}" type="datetimeFigureOut">
               <a:rPr lang="en-US" smtClean="0"/>
-              <a:t>9/3/2021</a:t>
+              <a:t>9/17/21</a:t>
             </a:fld>
             <a:endParaRPr lang="en-US"/>
           </a:p>
@@ -2794,7 +2794,7 @@
           <a:p>
             <a:fld id="{7323833B-5180-444D-893E-57F1CEBFA0E4}" type="datetimeFigureOut">
               <a:rPr lang="en-US" smtClean="0"/>
-              <a:t>9/3/2021</a:t>
+              <a:t>9/17/21</a:t>
             </a:fld>
             <a:endParaRPr lang="en-US"/>
           </a:p>
@@ -3007,7 +3007,7 @@
           <a:p>
             <a:fld id="{7323833B-5180-444D-893E-57F1CEBFA0E4}" type="datetimeFigureOut">
               <a:rPr lang="en-US" smtClean="0"/>
-              <a:t>9/3/2021</a:t>
+              <a:t>9/17/21</a:t>
             </a:fld>
             <a:endParaRPr lang="en-US"/>
           </a:p>
@@ -3412,6 +3412,64 @@
           <a:chExt cx="0" cy="0"/>
         </a:xfrm>
       </p:grpSpPr>
+      <p:pic>
+        <p:nvPicPr>
+          <p:cNvPr id="5" name="Picture 4" descr="Chart&#10;&#10;Description automatically generated with medium confidence">
+            <a:extLst>
+              <a:ext uri="{FF2B5EF4-FFF2-40B4-BE49-F238E27FC236}">
+                <a16:creationId xmlns:a16="http://schemas.microsoft.com/office/drawing/2014/main" id="{89C9B684-7F6D-4465-B33A-1B08B094F8FD}"/>
+              </a:ext>
+            </a:extLst>
+          </p:cNvPr>
+          <p:cNvPicPr>
+            <a:picLocks noChangeAspect="1"/>
+          </p:cNvPicPr>
+          <p:nvPr/>
+        </p:nvPicPr>
+        <p:blipFill rotWithShape="1">
+          <a:blip r:embed="rId2"/>
+          <a:srcRect l="13507" t="3731" r="4676" b="7911"/>
+          <a:stretch/>
+        </p:blipFill>
+        <p:spPr>
+          <a:xfrm>
+            <a:off x="982999" y="635260"/>
+            <a:ext cx="2887252" cy="6236208"/>
+          </a:xfrm>
+          <a:prstGeom prst="rect">
+            <a:avLst/>
+          </a:prstGeom>
+        </p:spPr>
+      </p:pic>
+      <p:pic>
+        <p:nvPicPr>
+          <p:cNvPr id="3" name="Picture 2" descr="Graphical user interface, application&#10;&#10;Description automatically generated">
+            <a:extLst>
+              <a:ext uri="{FF2B5EF4-FFF2-40B4-BE49-F238E27FC236}">
+                <a16:creationId xmlns:a16="http://schemas.microsoft.com/office/drawing/2014/main" id="{F16A0BFB-92C3-4433-B8EA-3788BF295A29}"/>
+              </a:ext>
+            </a:extLst>
+          </p:cNvPr>
+          <p:cNvPicPr>
+            <a:picLocks noChangeAspect="1"/>
+          </p:cNvPicPr>
+          <p:nvPr/>
+        </p:nvPicPr>
+        <p:blipFill rotWithShape="1">
+          <a:blip r:embed="rId3"/>
+          <a:srcRect l="12636" t="3836" r="4049" b="8060"/>
+          <a:stretch/>
+        </p:blipFill>
+        <p:spPr>
+          <a:xfrm>
+            <a:off x="3427793" y="639832"/>
+            <a:ext cx="2944252" cy="6227064"/>
+          </a:xfrm>
+          <a:prstGeom prst="rect">
+            <a:avLst/>
+          </a:prstGeom>
+        </p:spPr>
+      </p:pic>
       <p:sp>
         <p:nvSpPr>
           <p:cNvPr id="8" name="TextBox 7">
@@ -3426,7 +3484,7 @@
         </p:nvSpPr>
         <p:spPr>
           <a:xfrm>
-            <a:off x="3705093" y="355596"/>
+            <a:off x="3542560" y="350687"/>
             <a:ext cx="2238459" cy="246221"/>
           </a:xfrm>
           <a:prstGeom prst="rect">
@@ -3877,41 +3935,12 @@
           </a:fontRef>
         </p:style>
       </p:cxnSp>
-      <p:pic>
-        <p:nvPicPr>
-          <p:cNvPr id="5" name="Picture 4" descr="Chart&#10;&#10;Description automatically generated with medium confidence">
+      <p:grpSp>
+        <p:nvGrpSpPr>
+          <p:cNvPr id="2" name="Group 1">
             <a:extLst>
               <a:ext uri="{FF2B5EF4-FFF2-40B4-BE49-F238E27FC236}">
-                <a16:creationId xmlns:a16="http://schemas.microsoft.com/office/drawing/2014/main" id="{89C9B684-7F6D-4465-B33A-1B08B094F8FD}"/>
-              </a:ext>
-            </a:extLst>
-          </p:cNvPr>
-          <p:cNvPicPr>
-            <a:picLocks noChangeAspect="1"/>
-          </p:cNvPicPr>
-          <p:nvPr/>
-        </p:nvPicPr>
-        <p:blipFill rotWithShape="1">
-          <a:blip r:embed="rId2"/>
-          <a:srcRect l="13507" t="3731" r="4676" b="7911"/>
-          <a:stretch/>
-        </p:blipFill>
-        <p:spPr>
-          <a:xfrm>
-            <a:off x="982999" y="635260"/>
-            <a:ext cx="2887252" cy="6236208"/>
-          </a:xfrm>
-          <a:prstGeom prst="rect">
-            <a:avLst/>
-          </a:prstGeom>
-        </p:spPr>
-      </p:pic>
-      <p:grpSp>
-        <p:nvGrpSpPr>
-          <p:cNvPr id="12" name="Group 11">
-            <a:extLst>
-              <a:ext uri="{FF2B5EF4-FFF2-40B4-BE49-F238E27FC236}">
-                <a16:creationId xmlns:a16="http://schemas.microsoft.com/office/drawing/2014/main" id="{55359A5D-1832-410D-B3EF-6E441B59CB3C}"/>
+                <a16:creationId xmlns:a16="http://schemas.microsoft.com/office/drawing/2014/main" id="{7272C4D2-5726-1346-A44C-E94545B3BFC9}"/>
               </a:ext>
             </a:extLst>
           </p:cNvPr>
@@ -3920,18 +3949,18 @@
         </p:nvGrpSpPr>
         <p:grpSpPr>
           <a:xfrm>
-            <a:off x="3893899" y="649828"/>
-            <a:ext cx="3421090" cy="6227064"/>
-            <a:chOff x="3345230" y="649828"/>
-            <a:chExt cx="3421090" cy="6227064"/>
+            <a:off x="5730035" y="6186454"/>
+            <a:ext cx="912787" cy="680442"/>
+            <a:chOff x="5922424" y="6188740"/>
+            <a:chExt cx="912787" cy="680442"/>
           </a:xfrm>
         </p:grpSpPr>
         <p:pic>
           <p:nvPicPr>
-            <p:cNvPr id="3" name="Picture 2" descr="Graphical user interface, application&#10;&#10;Description automatically generated">
+            <p:cNvPr id="6" name="Picture 5">
               <a:extLst>
                 <a:ext uri="{FF2B5EF4-FFF2-40B4-BE49-F238E27FC236}">
-                  <a16:creationId xmlns:a16="http://schemas.microsoft.com/office/drawing/2014/main" id="{F16A0BFB-92C3-4433-B8EA-3788BF295A29}"/>
+                  <a16:creationId xmlns:a16="http://schemas.microsoft.com/office/drawing/2014/main" id="{7E699592-9803-6747-A3BB-399D23EC5A2E}"/>
                 </a:ext>
               </a:extLst>
             </p:cNvPr>
@@ -3940,133 +3969,83 @@
             </p:cNvPicPr>
             <p:nvPr/>
           </p:nvPicPr>
-          <p:blipFill rotWithShape="1">
-            <a:blip r:embed="rId3"/>
-            <a:srcRect l="12636" t="3836" r="4049" b="8060"/>
-            <a:stretch/>
+          <p:blipFill>
+            <a:blip r:embed="rId4"/>
+            <a:stretch>
+              <a:fillRect/>
+            </a:stretch>
           </p:blipFill>
           <p:spPr>
             <a:xfrm>
-              <a:off x="3345230" y="649828"/>
-              <a:ext cx="2944252" cy="6227064"/>
+              <a:off x="5922424" y="6188740"/>
+              <a:ext cx="912787" cy="680442"/>
             </a:xfrm>
             <a:prstGeom prst="rect">
               <a:avLst/>
             </a:prstGeom>
           </p:spPr>
         </p:pic>
-        <p:grpSp>
-          <p:nvGrpSpPr>
-            <p:cNvPr id="11" name="Group 10">
+        <p:sp>
+          <p:nvSpPr>
+            <p:cNvPr id="10" name="Rectangle 9">
               <a:extLst>
                 <a:ext uri="{FF2B5EF4-FFF2-40B4-BE49-F238E27FC236}">
-                  <a16:creationId xmlns:a16="http://schemas.microsoft.com/office/drawing/2014/main" id="{5E46737E-EA16-498E-85EE-1A6654A38DA5}"/>
+                  <a16:creationId xmlns:a16="http://schemas.microsoft.com/office/drawing/2014/main" id="{57B0B757-D8A9-4B35-8645-BEA6F05100E7}"/>
                 </a:ext>
               </a:extLst>
             </p:cNvPr>
-            <p:cNvGrpSpPr/>
+            <p:cNvSpPr/>
             <p:nvPr/>
-          </p:nvGrpSpPr>
-          <p:grpSpPr>
+          </p:nvSpPr>
+          <p:spPr>
             <a:xfrm>
-              <a:off x="5853533" y="6196450"/>
-              <a:ext cx="912787" cy="680442"/>
-              <a:chOff x="5853533" y="6196450"/>
-              <a:chExt cx="912787" cy="680442"/>
+              <a:off x="6172419" y="6490907"/>
+              <a:ext cx="129989" cy="121278"/>
             </a:xfrm>
-          </p:grpSpPr>
-          <p:pic>
-            <p:nvPicPr>
-              <p:cNvPr id="6" name="Picture 5">
-                <a:extLst>
-                  <a:ext uri="{FF2B5EF4-FFF2-40B4-BE49-F238E27FC236}">
-                    <a16:creationId xmlns:a16="http://schemas.microsoft.com/office/drawing/2014/main" id="{7E699592-9803-6747-A3BB-399D23EC5A2E}"/>
-                  </a:ext>
-                </a:extLst>
-              </p:cNvPr>
-              <p:cNvPicPr>
-                <a:picLocks noChangeAspect="1"/>
-              </p:cNvPicPr>
-              <p:nvPr/>
-            </p:nvPicPr>
-            <p:blipFill>
-              <a:blip r:embed="rId4"/>
-              <a:stretch>
-                <a:fillRect/>
-              </a:stretch>
-            </p:blipFill>
-            <p:spPr>
-              <a:xfrm>
-                <a:off x="5853533" y="6196450"/>
-                <a:ext cx="912787" cy="680442"/>
-              </a:xfrm>
-              <a:prstGeom prst="rect">
-                <a:avLst/>
-              </a:prstGeom>
-            </p:spPr>
-          </p:pic>
-          <p:sp>
-            <p:nvSpPr>
-              <p:cNvPr id="10" name="Rectangle 9">
-                <a:extLst>
-                  <a:ext uri="{FF2B5EF4-FFF2-40B4-BE49-F238E27FC236}">
-                    <a16:creationId xmlns:a16="http://schemas.microsoft.com/office/drawing/2014/main" id="{57B0B757-D8A9-4B35-8645-BEA6F05100E7}"/>
-                  </a:ext>
-                </a:extLst>
-              </p:cNvPr>
-              <p:cNvSpPr/>
-              <p:nvPr/>
-            </p:nvSpPr>
-            <p:spPr>
-              <a:xfrm>
-                <a:off x="6089856" y="6500903"/>
-                <a:ext cx="129989" cy="121278"/>
-              </a:xfrm>
-              <a:prstGeom prst="rect">
-                <a:avLst/>
-              </a:prstGeom>
+            <a:prstGeom prst="rect">
+              <a:avLst/>
+            </a:prstGeom>
+            <a:solidFill>
+              <a:schemeClr val="bg1"/>
+            </a:solidFill>
+            <a:ln>
               <a:solidFill>
                 <a:schemeClr val="bg1"/>
               </a:solidFill>
-              <a:ln>
-                <a:solidFill>
-                  <a:schemeClr val="bg1"/>
-                </a:solidFill>
-              </a:ln>
-            </p:spPr>
-            <p:style>
-              <a:lnRef idx="2">
-                <a:schemeClr val="accent1">
-                  <a:shade val="50000"/>
-                </a:schemeClr>
-              </a:lnRef>
-              <a:fillRef idx="1">
-                <a:schemeClr val="accent1"/>
-              </a:fillRef>
-              <a:effectRef idx="0">
-                <a:schemeClr val="accent1"/>
-              </a:effectRef>
-              <a:fontRef idx="minor">
-                <a:schemeClr val="lt1"/>
-              </a:fontRef>
-            </p:style>
-            <p:txBody>
-              <a:bodyPr rtlCol="0" anchor="ctr"/>
-              <a:lstStyle/>
-              <a:p>
-                <a:pPr algn="ctr"/>
-                <a:r>
-                  <a:rPr lang="en-US" sz="900" dirty="0">
-                    <a:solidFill>
-                      <a:schemeClr val="tx1"/>
-                    </a:solidFill>
-                  </a:rPr>
-                  <a:t>*</a:t>
-                </a:r>
-              </a:p>
-            </p:txBody>
-          </p:sp>
-        </p:grpSp>
+            </a:ln>
+          </p:spPr>
+          <p:style>
+            <a:lnRef idx="2">
+              <a:schemeClr val="accent1">
+                <a:shade val="50000"/>
+              </a:schemeClr>
+            </a:lnRef>
+            <a:fillRef idx="1">
+              <a:schemeClr val="accent1"/>
+            </a:fillRef>
+            <a:effectRef idx="0">
+              <a:schemeClr val="accent1"/>
+            </a:effectRef>
+            <a:fontRef idx="minor">
+              <a:schemeClr val="lt1"/>
+            </a:fontRef>
+          </p:style>
+          <p:txBody>
+            <a:bodyPr rtlCol="0" anchor="ctr"/>
+            <a:lstStyle/>
+            <a:p>
+              <a:pPr algn="ctr"/>
+              <a:r>
+                <a:rPr lang="en-US" sz="900" dirty="0">
+                  <a:solidFill>
+                    <a:schemeClr val="tx1"/>
+                  </a:solidFill>
+                </a:rPr>
+                <a:t>*</a:t>
+              </a:r>
+            </a:p>
+          </p:txBody>
+        </p:sp>
       </p:grpSp>
     </p:spTree>
     <p:extLst>
@@ -4098,35 +4077,6 @@
           <a:chExt cx="0" cy="0"/>
         </a:xfrm>
       </p:grpSpPr>
-      <p:pic>
-        <p:nvPicPr>
-          <p:cNvPr id="10" name="Picture 9" descr="A picture containing graphical user interface&#10;&#10;Description automatically generated">
-            <a:extLst>
-              <a:ext uri="{FF2B5EF4-FFF2-40B4-BE49-F238E27FC236}">
-                <a16:creationId xmlns:a16="http://schemas.microsoft.com/office/drawing/2014/main" id="{EB2F46B6-B327-4284-B472-0ADF5F798DA3}"/>
-              </a:ext>
-            </a:extLst>
-          </p:cNvPr>
-          <p:cNvPicPr>
-            <a:picLocks noChangeAspect="1"/>
-          </p:cNvPicPr>
-          <p:nvPr/>
-        </p:nvPicPr>
-        <p:blipFill rotWithShape="1">
-          <a:blip r:embed="rId3"/>
-          <a:srcRect l="12148" t="3122" r="5494" b="8176"/>
-          <a:stretch/>
-        </p:blipFill>
-        <p:spPr>
-          <a:xfrm>
-            <a:off x="3705093" y="559227"/>
-            <a:ext cx="2852628" cy="6144768"/>
-          </a:xfrm>
-          <a:prstGeom prst="rect">
-            <a:avLst/>
-          </a:prstGeom>
-        </p:spPr>
-      </p:pic>
       <p:sp>
         <p:nvSpPr>
           <p:cNvPr id="8" name="TextBox 7">
@@ -4141,7 +4091,7 @@
         </p:nvSpPr>
         <p:spPr>
           <a:xfrm>
-            <a:off x="3705093" y="355596"/>
+            <a:off x="3299740" y="355596"/>
             <a:ext cx="2238459" cy="246221"/>
           </a:xfrm>
           <a:prstGeom prst="rect">
@@ -4423,36 +4373,6 @@
       </p:sp>
       <p:pic>
         <p:nvPicPr>
-          <p:cNvPr id="6" name="Picture 5">
-            <a:extLst>
-              <a:ext uri="{FF2B5EF4-FFF2-40B4-BE49-F238E27FC236}">
-                <a16:creationId xmlns:a16="http://schemas.microsoft.com/office/drawing/2014/main" id="{7E699592-9803-6747-A3BB-399D23EC5A2E}"/>
-              </a:ext>
-            </a:extLst>
-          </p:cNvPr>
-          <p:cNvPicPr>
-            <a:picLocks noChangeAspect="1"/>
-          </p:cNvPicPr>
-          <p:nvPr/>
-        </p:nvPicPr>
-        <p:blipFill>
-          <a:blip r:embed="rId4"/>
-          <a:stretch>
-            <a:fillRect/>
-          </a:stretch>
-        </p:blipFill>
-        <p:spPr>
-          <a:xfrm>
-            <a:off x="6051909" y="6196450"/>
-            <a:ext cx="912787" cy="680442"/>
-          </a:xfrm>
-          <a:prstGeom prst="rect">
-            <a:avLst/>
-          </a:prstGeom>
-        </p:spPr>
-      </p:pic>
-      <p:pic>
-        <p:nvPicPr>
           <p:cNvPr id="12" name="Picture 11" descr="Chart&#10;&#10;Description automatically generated with medium confidence">
             <a:extLst>
               <a:ext uri="{FF2B5EF4-FFF2-40B4-BE49-F238E27FC236}">
@@ -4466,13 +4386,13 @@
           <p:nvPr/>
         </p:nvPicPr>
         <p:blipFill rotWithShape="1">
-          <a:blip r:embed="rId5"/>
+          <a:blip r:embed="rId3"/>
           <a:srcRect l="12674" t="3605" r="4302" b="8256"/>
           <a:stretch/>
         </p:blipFill>
         <p:spPr>
           <a:xfrm>
-            <a:off x="806091" y="558376"/>
+            <a:off x="966348" y="558376"/>
             <a:ext cx="2894040" cy="6144768"/>
           </a:xfrm>
           <a:prstGeom prst="rect">
@@ -4480,72 +4400,147 @@
           </a:prstGeom>
         </p:spPr>
       </p:pic>
-      <p:sp>
-        <p:nvSpPr>
-          <p:cNvPr id="13" name="Rectangle 12">
+      <p:pic>
+        <p:nvPicPr>
+          <p:cNvPr id="10" name="Picture 9" descr="A picture containing graphical user interface&#10;&#10;Description automatically generated">
             <a:extLst>
               <a:ext uri="{FF2B5EF4-FFF2-40B4-BE49-F238E27FC236}">
-                <a16:creationId xmlns:a16="http://schemas.microsoft.com/office/drawing/2014/main" id="{7195AB2C-CCD6-46C6-9888-28C6956DD7CA}"/>
+                <a16:creationId xmlns:a16="http://schemas.microsoft.com/office/drawing/2014/main" id="{EB2F46B6-B327-4284-B472-0ADF5F798DA3}"/>
               </a:ext>
             </a:extLst>
           </p:cNvPr>
-          <p:cNvSpPr/>
+          <p:cNvPicPr>
+            <a:picLocks noChangeAspect="1"/>
+          </p:cNvPicPr>
           <p:nvPr/>
-        </p:nvSpPr>
+        </p:nvPicPr>
+        <p:blipFill rotWithShape="1">
+          <a:blip r:embed="rId4"/>
+          <a:srcRect l="12148" t="3122" r="5494" b="8176"/>
+          <a:stretch/>
+        </p:blipFill>
         <p:spPr>
           <a:xfrm>
-            <a:off x="6273421" y="6509983"/>
-            <a:ext cx="168323" cy="109182"/>
+            <a:off x="3313165" y="534897"/>
+            <a:ext cx="2852628" cy="6144768"/>
           </a:xfrm>
           <a:prstGeom prst="rect">
             <a:avLst/>
           </a:prstGeom>
-          <a:solidFill>
-            <a:schemeClr val="bg1"/>
-          </a:solidFill>
-          <a:ln>
+        </p:spPr>
+      </p:pic>
+      <p:grpSp>
+        <p:nvGrpSpPr>
+          <p:cNvPr id="14" name="Group 13">
+            <a:extLst>
+              <a:ext uri="{FF2B5EF4-FFF2-40B4-BE49-F238E27FC236}">
+                <a16:creationId xmlns:a16="http://schemas.microsoft.com/office/drawing/2014/main" id="{C71D9C81-2CDC-0845-8F78-2B540C874A74}"/>
+              </a:ext>
+            </a:extLst>
+          </p:cNvPr>
+          <p:cNvGrpSpPr/>
+          <p:nvPr/>
+        </p:nvGrpSpPr>
+        <p:grpSpPr>
+          <a:xfrm>
+            <a:off x="5630547" y="6022702"/>
+            <a:ext cx="912787" cy="680442"/>
+            <a:chOff x="5922424" y="6188740"/>
+            <a:chExt cx="912787" cy="680442"/>
+          </a:xfrm>
+        </p:grpSpPr>
+        <p:pic>
+          <p:nvPicPr>
+            <p:cNvPr id="15" name="Picture 14">
+              <a:extLst>
+                <a:ext uri="{FF2B5EF4-FFF2-40B4-BE49-F238E27FC236}">
+                  <a16:creationId xmlns:a16="http://schemas.microsoft.com/office/drawing/2014/main" id="{734A9B20-B9BE-C048-85BC-4D6865AE6D01}"/>
+                </a:ext>
+              </a:extLst>
+            </p:cNvPr>
+            <p:cNvPicPr>
+              <a:picLocks noChangeAspect="1"/>
+            </p:cNvPicPr>
+            <p:nvPr/>
+          </p:nvPicPr>
+          <p:blipFill>
+            <a:blip r:embed="rId5"/>
+            <a:stretch>
+              <a:fillRect/>
+            </a:stretch>
+          </p:blipFill>
+          <p:spPr>
+            <a:xfrm>
+              <a:off x="5922424" y="6188740"/>
+              <a:ext cx="912787" cy="680442"/>
+            </a:xfrm>
+            <a:prstGeom prst="rect">
+              <a:avLst/>
+            </a:prstGeom>
+          </p:spPr>
+        </p:pic>
+        <p:sp>
+          <p:nvSpPr>
+            <p:cNvPr id="16" name="Rectangle 15">
+              <a:extLst>
+                <a:ext uri="{FF2B5EF4-FFF2-40B4-BE49-F238E27FC236}">
+                  <a16:creationId xmlns:a16="http://schemas.microsoft.com/office/drawing/2014/main" id="{CD6E4E81-4536-F24B-86D6-24D3C0A52C4B}"/>
+                </a:ext>
+              </a:extLst>
+            </p:cNvPr>
+            <p:cNvSpPr/>
+            <p:nvPr/>
+          </p:nvSpPr>
+          <p:spPr>
+            <a:xfrm>
+              <a:off x="6172419" y="6490907"/>
+              <a:ext cx="129989" cy="121278"/>
+            </a:xfrm>
+            <a:prstGeom prst="rect">
+              <a:avLst/>
+            </a:prstGeom>
             <a:solidFill>
               <a:schemeClr val="bg1"/>
             </a:solidFill>
-          </a:ln>
-        </p:spPr>
-        <p:style>
-          <a:lnRef idx="2">
-            <a:schemeClr val="accent1">
-              <a:shade val="50000"/>
-            </a:schemeClr>
-          </a:lnRef>
-          <a:fillRef idx="1">
-            <a:schemeClr val="accent1"/>
-          </a:fillRef>
-          <a:effectRef idx="0">
-            <a:schemeClr val="accent1"/>
-          </a:effectRef>
-          <a:fontRef idx="minor">
-            <a:schemeClr val="lt1"/>
-          </a:fontRef>
-        </p:style>
-        <p:txBody>
-          <a:bodyPr rtlCol="0" anchor="ctr"/>
-          <a:lstStyle/>
-          <a:p>
-            <a:pPr algn="ctr"/>
-            <a:r>
-              <a:rPr lang="en-US" sz="1600" dirty="0">
-                <a:solidFill>
-                  <a:schemeClr val="tx1"/>
-                </a:solidFill>
-              </a:rPr>
-              <a:t>*</a:t>
-            </a:r>
-            <a:endParaRPr lang="en-US" dirty="0">
+            <a:ln>
               <a:solidFill>
-                <a:schemeClr val="tx1"/>
+                <a:schemeClr val="bg1"/>
               </a:solidFill>
-            </a:endParaRPr>
-          </a:p>
-        </p:txBody>
-      </p:sp>
+            </a:ln>
+          </p:spPr>
+          <p:style>
+            <a:lnRef idx="2">
+              <a:schemeClr val="accent1">
+                <a:shade val="50000"/>
+              </a:schemeClr>
+            </a:lnRef>
+            <a:fillRef idx="1">
+              <a:schemeClr val="accent1"/>
+            </a:fillRef>
+            <a:effectRef idx="0">
+              <a:schemeClr val="accent1"/>
+            </a:effectRef>
+            <a:fontRef idx="minor">
+              <a:schemeClr val="lt1"/>
+            </a:fontRef>
+          </p:style>
+          <p:txBody>
+            <a:bodyPr rtlCol="0" anchor="ctr"/>
+            <a:lstStyle/>
+            <a:p>
+              <a:pPr algn="ctr"/>
+              <a:r>
+                <a:rPr lang="en-US" sz="900" dirty="0">
+                  <a:solidFill>
+                    <a:schemeClr val="tx1"/>
+                  </a:solidFill>
+                </a:rPr>
+                <a:t>*</a:t>
+              </a:r>
+            </a:p>
+          </p:txBody>
+        </p:sp>
+      </p:grpSp>
     </p:spTree>
     <p:extLst>
       <p:ext uri="{BB962C8B-B14F-4D97-AF65-F5344CB8AC3E}">

--- a/doc/manuscript/tables_figures/tree_rings_figs.pptx
+++ b/doc/manuscript/tables_figures/tree_rings_figs.pptx
@@ -198,7 +198,7 @@
           <a:p>
             <a:fld id="{F70F5402-B2D4-AF48-9284-8FD064B6E26D}" type="datetimeFigureOut">
               <a:rPr lang="en-US" smtClean="0"/>
-              <a:t>9/17/21</a:t>
+              <a:t>9/20/2021</a:t>
             </a:fld>
             <a:endParaRPr lang="en-US"/>
           </a:p>
@@ -684,7 +684,7 @@
           <a:p>
             <a:fld id="{7323833B-5180-444D-893E-57F1CEBFA0E4}" type="datetimeFigureOut">
               <a:rPr lang="en-US" smtClean="0"/>
-              <a:t>9/17/21</a:t>
+              <a:t>9/20/2021</a:t>
             </a:fld>
             <a:endParaRPr lang="en-US"/>
           </a:p>
@@ -854,7 +854,7 @@
           <a:p>
             <a:fld id="{7323833B-5180-444D-893E-57F1CEBFA0E4}" type="datetimeFigureOut">
               <a:rPr lang="en-US" smtClean="0"/>
-              <a:t>9/17/21</a:t>
+              <a:t>9/20/2021</a:t>
             </a:fld>
             <a:endParaRPr lang="en-US"/>
           </a:p>
@@ -1034,7 +1034,7 @@
           <a:p>
             <a:fld id="{7323833B-5180-444D-893E-57F1CEBFA0E4}" type="datetimeFigureOut">
               <a:rPr lang="en-US" smtClean="0"/>
-              <a:t>9/17/21</a:t>
+              <a:t>9/20/2021</a:t>
             </a:fld>
             <a:endParaRPr lang="en-US"/>
           </a:p>
@@ -1204,7 +1204,7 @@
           <a:p>
             <a:fld id="{7323833B-5180-444D-893E-57F1CEBFA0E4}" type="datetimeFigureOut">
               <a:rPr lang="en-US" smtClean="0"/>
-              <a:t>9/17/21</a:t>
+              <a:t>9/20/2021</a:t>
             </a:fld>
             <a:endParaRPr lang="en-US"/>
           </a:p>
@@ -1448,7 +1448,7 @@
           <a:p>
             <a:fld id="{7323833B-5180-444D-893E-57F1CEBFA0E4}" type="datetimeFigureOut">
               <a:rPr lang="en-US" smtClean="0"/>
-              <a:t>9/17/21</a:t>
+              <a:t>9/20/2021</a:t>
             </a:fld>
             <a:endParaRPr lang="en-US"/>
           </a:p>
@@ -1680,7 +1680,7 @@
           <a:p>
             <a:fld id="{7323833B-5180-444D-893E-57F1CEBFA0E4}" type="datetimeFigureOut">
               <a:rPr lang="en-US" smtClean="0"/>
-              <a:t>9/17/21</a:t>
+              <a:t>9/20/2021</a:t>
             </a:fld>
             <a:endParaRPr lang="en-US"/>
           </a:p>
@@ -2047,7 +2047,7 @@
           <a:p>
             <a:fld id="{7323833B-5180-444D-893E-57F1CEBFA0E4}" type="datetimeFigureOut">
               <a:rPr lang="en-US" smtClean="0"/>
-              <a:t>9/17/21</a:t>
+              <a:t>9/20/2021</a:t>
             </a:fld>
             <a:endParaRPr lang="en-US"/>
           </a:p>
@@ -2165,7 +2165,7 @@
           <a:p>
             <a:fld id="{7323833B-5180-444D-893E-57F1CEBFA0E4}" type="datetimeFigureOut">
               <a:rPr lang="en-US" smtClean="0"/>
-              <a:t>9/17/21</a:t>
+              <a:t>9/20/2021</a:t>
             </a:fld>
             <a:endParaRPr lang="en-US"/>
           </a:p>
@@ -2260,7 +2260,7 @@
           <a:p>
             <a:fld id="{7323833B-5180-444D-893E-57F1CEBFA0E4}" type="datetimeFigureOut">
               <a:rPr lang="en-US" smtClean="0"/>
-              <a:t>9/17/21</a:t>
+              <a:t>9/20/2021</a:t>
             </a:fld>
             <a:endParaRPr lang="en-US"/>
           </a:p>
@@ -2537,7 +2537,7 @@
           <a:p>
             <a:fld id="{7323833B-5180-444D-893E-57F1CEBFA0E4}" type="datetimeFigureOut">
               <a:rPr lang="en-US" smtClean="0"/>
-              <a:t>9/17/21</a:t>
+              <a:t>9/20/2021</a:t>
             </a:fld>
             <a:endParaRPr lang="en-US"/>
           </a:p>
@@ -2794,7 +2794,7 @@
           <a:p>
             <a:fld id="{7323833B-5180-444D-893E-57F1CEBFA0E4}" type="datetimeFigureOut">
               <a:rPr lang="en-US" smtClean="0"/>
-              <a:t>9/17/21</a:t>
+              <a:t>9/20/2021</a:t>
             </a:fld>
             <a:endParaRPr lang="en-US"/>
           </a:p>
@@ -3007,7 +3007,7 @@
           <a:p>
             <a:fld id="{7323833B-5180-444D-893E-57F1CEBFA0E4}" type="datetimeFigureOut">
               <a:rPr lang="en-US" smtClean="0"/>
-              <a:t>9/17/21</a:t>
+              <a:t>9/20/2021</a:t>
             </a:fld>
             <a:endParaRPr lang="en-US"/>
           </a:p>
@@ -3414,10 +3414,10 @@
       </p:grpSpPr>
       <p:pic>
         <p:nvPicPr>
-          <p:cNvPr id="5" name="Picture 4" descr="Chart&#10;&#10;Description automatically generated with medium confidence">
+          <p:cNvPr id="12" name="Picture 11" descr="Chart&#10;&#10;Description automatically generated with medium confidence">
             <a:extLst>
               <a:ext uri="{FF2B5EF4-FFF2-40B4-BE49-F238E27FC236}">
-                <a16:creationId xmlns:a16="http://schemas.microsoft.com/office/drawing/2014/main" id="{89C9B684-7F6D-4465-B33A-1B08B094F8FD}"/>
+                <a16:creationId xmlns:a16="http://schemas.microsoft.com/office/drawing/2014/main" id="{1E9AD601-D291-439C-8AC8-283E3699812A}"/>
               </a:ext>
             </a:extLst>
           </p:cNvPr>
@@ -3428,13 +3428,13 @@
         </p:nvPicPr>
         <p:blipFill rotWithShape="1">
           <a:blip r:embed="rId2"/>
-          <a:srcRect l="13507" t="3731" r="4676" b="7911"/>
+          <a:srcRect l="1" r="18917"/>
           <a:stretch/>
         </p:blipFill>
         <p:spPr>
           <a:xfrm>
-            <a:off x="982999" y="635260"/>
-            <a:ext cx="2887252" cy="6236208"/>
+            <a:off x="730106" y="373691"/>
+            <a:ext cx="2706199" cy="6675120"/>
           </a:xfrm>
           <a:prstGeom prst="rect">
             <a:avLst/>
@@ -3443,10 +3443,10 @@
       </p:pic>
       <p:pic>
         <p:nvPicPr>
-          <p:cNvPr id="3" name="Picture 2" descr="Graphical user interface, application&#10;&#10;Description automatically generated">
+          <p:cNvPr id="9" name="Picture 8" descr="Graphical user interface, application&#10;&#10;Description automatically generated">
             <a:extLst>
               <a:ext uri="{FF2B5EF4-FFF2-40B4-BE49-F238E27FC236}">
-                <a16:creationId xmlns:a16="http://schemas.microsoft.com/office/drawing/2014/main" id="{F16A0BFB-92C3-4433-B8EA-3788BF295A29}"/>
+                <a16:creationId xmlns:a16="http://schemas.microsoft.com/office/drawing/2014/main" id="{0F8AB4F6-A775-44B0-8CF9-A55A46455721}"/>
               </a:ext>
             </a:extLst>
           </p:cNvPr>
@@ -3457,13 +3457,13 @@
         </p:nvPicPr>
         <p:blipFill rotWithShape="1">
           <a:blip r:embed="rId3"/>
-          <a:srcRect l="12636" t="3836" r="4049" b="8060"/>
+          <a:srcRect l="11129"/>
           <a:stretch/>
         </p:blipFill>
         <p:spPr>
           <a:xfrm>
-            <a:off x="3427793" y="639832"/>
-            <a:ext cx="2944252" cy="6227064"/>
+            <a:off x="3615961" y="350686"/>
+            <a:ext cx="2966120" cy="6675120"/>
           </a:xfrm>
           <a:prstGeom prst="rect">
             <a:avLst/>
@@ -3484,7 +3484,7 @@
         </p:nvSpPr>
         <p:spPr>
           <a:xfrm>
-            <a:off x="3542560" y="350687"/>
+            <a:off x="3801511" y="350687"/>
             <a:ext cx="2238459" cy="246221"/>
           </a:xfrm>
           <a:prstGeom prst="rect">
@@ -3738,7 +3738,7 @@
         </p:nvSpPr>
         <p:spPr>
           <a:xfrm>
-            <a:off x="1225151" y="350687"/>
+            <a:off x="1293844" y="350686"/>
             <a:ext cx="1831340" cy="246221"/>
           </a:xfrm>
           <a:prstGeom prst="rect">
@@ -3778,7 +3778,7 @@
         </p:nvSpPr>
         <p:spPr>
           <a:xfrm rot="16200000">
-            <a:off x="532282" y="1621653"/>
+            <a:off x="736010" y="1583937"/>
             <a:ext cx="638692" cy="215444"/>
           </a:xfrm>
           <a:prstGeom prst="rect">
@@ -3815,7 +3815,7 @@
         </p:nvSpPr>
         <p:spPr>
           <a:xfrm rot="16200000">
-            <a:off x="670795" y="5263415"/>
+            <a:off x="896430" y="4976762"/>
             <a:ext cx="361665" cy="215444"/>
           </a:xfrm>
           <a:prstGeom prst="rect">
@@ -3852,8 +3852,8 @@
         </p:nvSpPr>
         <p:spPr>
           <a:xfrm>
-            <a:off x="1215256" y="5350300"/>
-            <a:ext cx="1988516" cy="52464"/>
+            <a:off x="1334078" y="5084485"/>
+            <a:ext cx="1988516" cy="91949"/>
           </a:xfrm>
           <a:prstGeom prst="rect">
             <a:avLst/>
@@ -3908,8 +3908,8 @@
         </p:nvCxnSpPr>
         <p:spPr>
           <a:xfrm>
-            <a:off x="941399" y="5350300"/>
-            <a:ext cx="0" cy="52464"/>
+            <a:off x="1184984" y="5061660"/>
+            <a:ext cx="0" cy="124987"/>
           </a:xfrm>
           <a:prstGeom prst="line">
             <a:avLst/>
@@ -3949,7 +3949,7 @@
         </p:nvGrpSpPr>
         <p:grpSpPr>
           <a:xfrm>
-            <a:off x="5730035" y="6186454"/>
+            <a:off x="5848950" y="5925071"/>
             <a:ext cx="912787" cy="680442"/>
             <a:chOff x="5922424" y="6188740"/>
             <a:chExt cx="912787" cy="680442"/>
@@ -4046,6 +4046,413 @@
             </a:p>
           </p:txBody>
         </p:sp>
+      </p:grpSp>
+      <p:sp>
+        <p:nvSpPr>
+          <p:cNvPr id="22" name="Rectangle 21">
+            <a:extLst>
+              <a:ext uri="{FF2B5EF4-FFF2-40B4-BE49-F238E27FC236}">
+                <a16:creationId xmlns:a16="http://schemas.microsoft.com/office/drawing/2014/main" id="{61B39488-4569-4FF4-B2C5-F34665AF8C38}"/>
+              </a:ext>
+            </a:extLst>
+          </p:cNvPr>
+          <p:cNvSpPr/>
+          <p:nvPr/>
+        </p:nvSpPr>
+        <p:spPr>
+          <a:xfrm>
+            <a:off x="1342734" y="1555596"/>
+            <a:ext cx="1988516" cy="368908"/>
+          </a:xfrm>
+          <a:prstGeom prst="rect">
+            <a:avLst/>
+          </a:prstGeom>
+          <a:noFill/>
+          <a:ln>
+            <a:solidFill>
+              <a:schemeClr val="tx1"/>
+            </a:solidFill>
+          </a:ln>
+        </p:spPr>
+        <p:style>
+          <a:lnRef idx="2">
+            <a:schemeClr val="accent1">
+              <a:shade val="50000"/>
+            </a:schemeClr>
+          </a:lnRef>
+          <a:fillRef idx="1">
+            <a:schemeClr val="accent1"/>
+          </a:fillRef>
+          <a:effectRef idx="0">
+            <a:schemeClr val="accent1"/>
+          </a:effectRef>
+          <a:fontRef idx="minor">
+            <a:schemeClr val="lt1"/>
+          </a:fontRef>
+        </p:style>
+        <p:txBody>
+          <a:bodyPr rtlCol="0" anchor="ctr"/>
+          <a:lstStyle/>
+          <a:p>
+            <a:pPr algn="ctr"/>
+            <a:endParaRPr lang="en-US" sz="1000">
+              <a:latin typeface="Helvetica" pitchFamily="2" charset="0"/>
+            </a:endParaRPr>
+          </a:p>
+        </p:txBody>
+      </p:sp>
+      <p:cxnSp>
+        <p:nvCxnSpPr>
+          <p:cNvPr id="23" name="Straight Connector 22">
+            <a:extLst>
+              <a:ext uri="{FF2B5EF4-FFF2-40B4-BE49-F238E27FC236}">
+                <a16:creationId xmlns:a16="http://schemas.microsoft.com/office/drawing/2014/main" id="{A5C94895-9583-4DFF-BF17-330AF4F1BDA6}"/>
+              </a:ext>
+            </a:extLst>
+          </p:cNvPr>
+          <p:cNvCxnSpPr>
+            <a:cxnSpLocks/>
+          </p:cNvCxnSpPr>
+          <p:nvPr/>
+        </p:nvCxnSpPr>
+        <p:spPr>
+          <a:xfrm>
+            <a:off x="1132680" y="1600195"/>
+            <a:ext cx="0" cy="352122"/>
+          </a:xfrm>
+          <a:prstGeom prst="line">
+            <a:avLst/>
+          </a:prstGeom>
+          <a:ln w="12700">
+            <a:solidFill>
+              <a:schemeClr val="tx1"/>
+            </a:solidFill>
+          </a:ln>
+        </p:spPr>
+        <p:style>
+          <a:lnRef idx="1">
+            <a:schemeClr val="accent1"/>
+          </a:lnRef>
+          <a:fillRef idx="0">
+            <a:schemeClr val="accent1"/>
+          </a:fillRef>
+          <a:effectRef idx="0">
+            <a:schemeClr val="accent1"/>
+          </a:effectRef>
+          <a:fontRef idx="minor">
+            <a:schemeClr val="tx1"/>
+          </a:fontRef>
+        </p:style>
+      </p:cxnSp>
+      <p:grpSp>
+        <p:nvGrpSpPr>
+          <p:cNvPr id="30" name="Group 29">
+            <a:extLst>
+              <a:ext uri="{FF2B5EF4-FFF2-40B4-BE49-F238E27FC236}">
+                <a16:creationId xmlns:a16="http://schemas.microsoft.com/office/drawing/2014/main" id="{5AC72661-DFB0-4C21-A257-E3973BD4B5FE}"/>
+              </a:ext>
+            </a:extLst>
+          </p:cNvPr>
+          <p:cNvGrpSpPr/>
+          <p:nvPr/>
+        </p:nvGrpSpPr>
+        <p:grpSpPr>
+          <a:xfrm>
+            <a:off x="3490156" y="5240055"/>
+            <a:ext cx="2337892" cy="680442"/>
+            <a:chOff x="984703" y="4847806"/>
+            <a:chExt cx="2337892" cy="361665"/>
+          </a:xfrm>
+        </p:grpSpPr>
+        <p:sp>
+          <p:nvSpPr>
+            <p:cNvPr id="31" name="TextBox 30">
+              <a:extLst>
+                <a:ext uri="{FF2B5EF4-FFF2-40B4-BE49-F238E27FC236}">
+                  <a16:creationId xmlns:a16="http://schemas.microsoft.com/office/drawing/2014/main" id="{23E2B1AC-636C-4FF0-9606-A1E403F5786D}"/>
+                </a:ext>
+              </a:extLst>
+            </p:cNvPr>
+            <p:cNvSpPr txBox="1"/>
+            <p:nvPr/>
+          </p:nvSpPr>
+          <p:spPr>
+            <a:xfrm rot="16200000">
+              <a:off x="911592" y="4920917"/>
+              <a:ext cx="361665" cy="215444"/>
+            </a:xfrm>
+            <a:prstGeom prst="rect">
+              <a:avLst/>
+            </a:prstGeom>
+            <a:noFill/>
+          </p:spPr>
+          <p:txBody>
+            <a:bodyPr wrap="square" rtlCol="0">
+              <a:spAutoFit/>
+            </a:bodyPr>
+            <a:lstStyle/>
+            <a:p>
+              <a:r>
+                <a:rPr lang="en-US" sz="800" dirty="0">
+                  <a:latin typeface="Helvetica" pitchFamily="2" charset="0"/>
+                </a:rPr>
+                <a:t>HF</a:t>
+              </a:r>
+            </a:p>
+          </p:txBody>
+        </p:sp>
+        <p:sp>
+          <p:nvSpPr>
+            <p:cNvPr id="32" name="Rectangle 31">
+              <a:extLst>
+                <a:ext uri="{FF2B5EF4-FFF2-40B4-BE49-F238E27FC236}">
+                  <a16:creationId xmlns:a16="http://schemas.microsoft.com/office/drawing/2014/main" id="{13190E83-3FBA-4422-829B-3A1E63E6D433}"/>
+                </a:ext>
+              </a:extLst>
+            </p:cNvPr>
+            <p:cNvSpPr/>
+            <p:nvPr/>
+          </p:nvSpPr>
+          <p:spPr>
+            <a:xfrm>
+              <a:off x="1334079" y="5084485"/>
+              <a:ext cx="1988516" cy="78979"/>
+            </a:xfrm>
+            <a:prstGeom prst="rect">
+              <a:avLst/>
+            </a:prstGeom>
+            <a:noFill/>
+            <a:ln>
+              <a:solidFill>
+                <a:schemeClr val="tx1"/>
+              </a:solidFill>
+            </a:ln>
+          </p:spPr>
+          <p:style>
+            <a:lnRef idx="2">
+              <a:schemeClr val="accent1">
+                <a:shade val="50000"/>
+              </a:schemeClr>
+            </a:lnRef>
+            <a:fillRef idx="1">
+              <a:schemeClr val="accent1"/>
+            </a:fillRef>
+            <a:effectRef idx="0">
+              <a:schemeClr val="accent1"/>
+            </a:effectRef>
+            <a:fontRef idx="minor">
+              <a:schemeClr val="lt1"/>
+            </a:fontRef>
+          </p:style>
+          <p:txBody>
+            <a:bodyPr rtlCol="0" anchor="ctr"/>
+            <a:lstStyle/>
+            <a:p>
+              <a:pPr algn="ctr"/>
+              <a:endParaRPr lang="en-US" sz="1000">
+                <a:latin typeface="Helvetica" pitchFamily="2" charset="0"/>
+              </a:endParaRPr>
+            </a:p>
+          </p:txBody>
+        </p:sp>
+        <p:cxnSp>
+          <p:nvCxnSpPr>
+            <p:cNvPr id="33" name="Straight Connector 32">
+              <a:extLst>
+                <a:ext uri="{FF2B5EF4-FFF2-40B4-BE49-F238E27FC236}">
+                  <a16:creationId xmlns:a16="http://schemas.microsoft.com/office/drawing/2014/main" id="{DE73E591-2CBA-45FF-B2DC-EA1EDC8F7A30}"/>
+                </a:ext>
+              </a:extLst>
+            </p:cNvPr>
+            <p:cNvCxnSpPr>
+              <a:cxnSpLocks/>
+            </p:cNvCxnSpPr>
+            <p:nvPr/>
+          </p:nvCxnSpPr>
+          <p:spPr>
+            <a:xfrm>
+              <a:off x="1165214" y="5084485"/>
+              <a:ext cx="5129" cy="100949"/>
+            </a:xfrm>
+            <a:prstGeom prst="line">
+              <a:avLst/>
+            </a:prstGeom>
+            <a:ln w="12700">
+              <a:solidFill>
+                <a:schemeClr val="tx1"/>
+              </a:solidFill>
+            </a:ln>
+          </p:spPr>
+          <p:style>
+            <a:lnRef idx="1">
+              <a:schemeClr val="accent1"/>
+            </a:lnRef>
+            <a:fillRef idx="0">
+              <a:schemeClr val="accent1"/>
+            </a:fillRef>
+            <a:effectRef idx="0">
+              <a:schemeClr val="accent1"/>
+            </a:effectRef>
+            <a:fontRef idx="minor">
+              <a:schemeClr val="tx1"/>
+            </a:fontRef>
+          </p:style>
+        </p:cxnSp>
+      </p:grpSp>
+      <p:grpSp>
+        <p:nvGrpSpPr>
+          <p:cNvPr id="37" name="Group 36">
+            <a:extLst>
+              <a:ext uri="{FF2B5EF4-FFF2-40B4-BE49-F238E27FC236}">
+                <a16:creationId xmlns:a16="http://schemas.microsoft.com/office/drawing/2014/main" id="{890F8EBC-629E-4123-9D33-91057EFE3625}"/>
+              </a:ext>
+            </a:extLst>
+          </p:cNvPr>
+          <p:cNvGrpSpPr/>
+          <p:nvPr/>
+        </p:nvGrpSpPr>
+        <p:grpSpPr>
+          <a:xfrm>
+            <a:off x="3497377" y="1552545"/>
+            <a:ext cx="2351421" cy="680442"/>
+            <a:chOff x="971174" y="4885200"/>
+            <a:chExt cx="2351421" cy="361665"/>
+          </a:xfrm>
+        </p:grpSpPr>
+        <p:sp>
+          <p:nvSpPr>
+            <p:cNvPr id="38" name="TextBox 37">
+              <a:extLst>
+                <a:ext uri="{FF2B5EF4-FFF2-40B4-BE49-F238E27FC236}">
+                  <a16:creationId xmlns:a16="http://schemas.microsoft.com/office/drawing/2014/main" id="{984FC9BB-AA43-4031-8FFA-15151497FCCE}"/>
+                </a:ext>
+              </a:extLst>
+            </p:cNvPr>
+            <p:cNvSpPr txBox="1"/>
+            <p:nvPr/>
+          </p:nvSpPr>
+          <p:spPr>
+            <a:xfrm rot="16200000">
+              <a:off x="898063" y="4958311"/>
+              <a:ext cx="361665" cy="215444"/>
+            </a:xfrm>
+            <a:prstGeom prst="rect">
+              <a:avLst/>
+            </a:prstGeom>
+            <a:noFill/>
+          </p:spPr>
+          <p:txBody>
+            <a:bodyPr wrap="square" rtlCol="0">
+              <a:spAutoFit/>
+            </a:bodyPr>
+            <a:lstStyle/>
+            <a:p>
+              <a:r>
+                <a:rPr lang="en-US" sz="800" dirty="0">
+                  <a:latin typeface="Helvetica" pitchFamily="2" charset="0"/>
+                </a:rPr>
+                <a:t>SCBI</a:t>
+              </a:r>
+            </a:p>
+          </p:txBody>
+        </p:sp>
+        <p:sp>
+          <p:nvSpPr>
+            <p:cNvPr id="39" name="Rectangle 38">
+              <a:extLst>
+                <a:ext uri="{FF2B5EF4-FFF2-40B4-BE49-F238E27FC236}">
+                  <a16:creationId xmlns:a16="http://schemas.microsoft.com/office/drawing/2014/main" id="{3EFA6C1E-126D-4643-A056-5758DB337239}"/>
+                </a:ext>
+              </a:extLst>
+            </p:cNvPr>
+            <p:cNvSpPr/>
+            <p:nvPr/>
+          </p:nvSpPr>
+          <p:spPr>
+            <a:xfrm>
+              <a:off x="1334079" y="5084485"/>
+              <a:ext cx="1988516" cy="78979"/>
+            </a:xfrm>
+            <a:prstGeom prst="rect">
+              <a:avLst/>
+            </a:prstGeom>
+            <a:noFill/>
+            <a:ln>
+              <a:solidFill>
+                <a:schemeClr val="tx1"/>
+              </a:solidFill>
+            </a:ln>
+          </p:spPr>
+          <p:style>
+            <a:lnRef idx="2">
+              <a:schemeClr val="accent1">
+                <a:shade val="50000"/>
+              </a:schemeClr>
+            </a:lnRef>
+            <a:fillRef idx="1">
+              <a:schemeClr val="accent1"/>
+            </a:fillRef>
+            <a:effectRef idx="0">
+              <a:schemeClr val="accent1"/>
+            </a:effectRef>
+            <a:fontRef idx="minor">
+              <a:schemeClr val="lt1"/>
+            </a:fontRef>
+          </p:style>
+          <p:txBody>
+            <a:bodyPr rtlCol="0" anchor="ctr"/>
+            <a:lstStyle/>
+            <a:p>
+              <a:pPr algn="ctr"/>
+              <a:endParaRPr lang="en-US" sz="1000">
+                <a:latin typeface="Helvetica" pitchFamily="2" charset="0"/>
+              </a:endParaRPr>
+            </a:p>
+          </p:txBody>
+        </p:sp>
+        <p:cxnSp>
+          <p:nvCxnSpPr>
+            <p:cNvPr id="40" name="Straight Connector 39">
+              <a:extLst>
+                <a:ext uri="{FF2B5EF4-FFF2-40B4-BE49-F238E27FC236}">
+                  <a16:creationId xmlns:a16="http://schemas.microsoft.com/office/drawing/2014/main" id="{A49E026E-3D4C-40C6-9000-1FF7FC6418C9}"/>
+                </a:ext>
+              </a:extLst>
+            </p:cNvPr>
+            <p:cNvCxnSpPr>
+              <a:cxnSpLocks/>
+            </p:cNvCxnSpPr>
+            <p:nvPr/>
+          </p:nvCxnSpPr>
+          <p:spPr>
+            <a:xfrm>
+              <a:off x="1149593" y="5073500"/>
+              <a:ext cx="5129" cy="100949"/>
+            </a:xfrm>
+            <a:prstGeom prst="line">
+              <a:avLst/>
+            </a:prstGeom>
+            <a:ln w="12700">
+              <a:solidFill>
+                <a:schemeClr val="tx1"/>
+              </a:solidFill>
+            </a:ln>
+          </p:spPr>
+          <p:style>
+            <a:lnRef idx="1">
+              <a:schemeClr val="accent1"/>
+            </a:lnRef>
+            <a:fillRef idx="0">
+              <a:schemeClr val="accent1"/>
+            </a:fillRef>
+            <a:effectRef idx="0">
+              <a:schemeClr val="accent1"/>
+            </a:effectRef>
+            <a:fontRef idx="minor">
+              <a:schemeClr val="tx1"/>
+            </a:fontRef>
+          </p:style>
+        </p:cxnSp>
       </p:grpSp>
     </p:spTree>
     <p:extLst>

--- a/doc/manuscript/tables_figures/tree_rings_figs.pptx
+++ b/doc/manuscript/tables_figures/tree_rings_figs.pptx
@@ -3412,6 +3412,60 @@
           <a:chExt cx="0" cy="0"/>
         </a:xfrm>
       </p:grpSpPr>
+      <p:sp>
+        <p:nvSpPr>
+          <p:cNvPr id="19" name="Rectangle 18">
+            <a:extLst>
+              <a:ext uri="{FF2B5EF4-FFF2-40B4-BE49-F238E27FC236}">
+                <a16:creationId xmlns:a16="http://schemas.microsoft.com/office/drawing/2014/main" id="{E8C42165-A341-4D2C-8040-C8627BE7BA19}"/>
+              </a:ext>
+            </a:extLst>
+          </p:cNvPr>
+          <p:cNvSpPr/>
+          <p:nvPr/>
+        </p:nvSpPr>
+        <p:spPr>
+          <a:xfrm>
+            <a:off x="61156" y="-99692"/>
+            <a:ext cx="6858000" cy="7769984"/>
+          </a:xfrm>
+          <a:prstGeom prst="rect">
+            <a:avLst/>
+          </a:prstGeom>
+          <a:solidFill>
+            <a:schemeClr val="bg1"/>
+          </a:solidFill>
+          <a:ln>
+            <a:solidFill>
+              <a:schemeClr val="bg1"/>
+            </a:solidFill>
+          </a:ln>
+        </p:spPr>
+        <p:style>
+          <a:lnRef idx="2">
+            <a:schemeClr val="accent1">
+              <a:shade val="50000"/>
+            </a:schemeClr>
+          </a:lnRef>
+          <a:fillRef idx="1">
+            <a:schemeClr val="accent1"/>
+          </a:fillRef>
+          <a:effectRef idx="0">
+            <a:schemeClr val="accent1"/>
+          </a:effectRef>
+          <a:fontRef idx="minor">
+            <a:schemeClr val="lt1"/>
+          </a:fontRef>
+        </p:style>
+        <p:txBody>
+          <a:bodyPr rtlCol="0" anchor="ctr"/>
+          <a:lstStyle/>
+          <a:p>
+            <a:pPr algn="ctr"/>
+            <a:endParaRPr lang="en-US"/>
+          </a:p>
+        </p:txBody>
+      </p:sp>
       <p:pic>
         <p:nvPicPr>
           <p:cNvPr id="12" name="Picture 11" descr="Chart&#10;&#10;Description automatically generated with medium confidence">
@@ -3433,7 +3487,7 @@
         </p:blipFill>
         <p:spPr>
           <a:xfrm>
-            <a:off x="730106" y="373691"/>
+            <a:off x="730106" y="128032"/>
             <a:ext cx="2706199" cy="6675120"/>
           </a:xfrm>
           <a:prstGeom prst="rect">
@@ -3462,7 +3516,7 @@
         </p:blipFill>
         <p:spPr>
           <a:xfrm>
-            <a:off x="3615961" y="350686"/>
+            <a:off x="3615961" y="105027"/>
             <a:ext cx="2966120" cy="6675120"/>
           </a:xfrm>
           <a:prstGeom prst="rect">
@@ -3470,46 +3524,6 @@
           </a:prstGeom>
         </p:spPr>
       </p:pic>
-      <p:sp>
-        <p:nvSpPr>
-          <p:cNvPr id="8" name="TextBox 7">
-            <a:extLst>
-              <a:ext uri="{FF2B5EF4-FFF2-40B4-BE49-F238E27FC236}">
-                <a16:creationId xmlns:a16="http://schemas.microsoft.com/office/drawing/2014/main" id="{B2960B18-C375-1844-B59E-B66AAF22394A}"/>
-              </a:ext>
-            </a:extLst>
-          </p:cNvPr>
-          <p:cNvSpPr txBox="1"/>
-          <p:nvPr/>
-        </p:nvSpPr>
-        <p:spPr>
-          <a:xfrm>
-            <a:off x="3801511" y="350687"/>
-            <a:ext cx="2238459" cy="246221"/>
-          </a:xfrm>
-          <a:prstGeom prst="rect">
-            <a:avLst/>
-          </a:prstGeom>
-          <a:solidFill>
-            <a:schemeClr val="bg1"/>
-          </a:solidFill>
-        </p:spPr>
-        <p:txBody>
-          <a:bodyPr wrap="square" rtlCol="0">
-            <a:spAutoFit/>
-          </a:bodyPr>
-          <a:lstStyle/>
-          <a:p>
-            <a:pPr algn="ctr"/>
-            <a:r>
-              <a:rPr lang="en-US" sz="1000" dirty="0">
-                <a:latin typeface="Helvetica" pitchFamily="2" charset="0"/>
-              </a:rPr>
-              <a:t>Diffuse porous</a:t>
-            </a:r>
-          </a:p>
-        </p:txBody>
-      </p:sp>
       <p:sp>
         <p:nvSpPr>
           <p:cNvPr id="27" name="TextBox 26">
@@ -3524,7 +3538,7 @@
         </p:nvSpPr>
         <p:spPr>
           <a:xfrm rot="16200000">
-            <a:off x="63401" y="3606333"/>
+            <a:off x="63401" y="3360674"/>
             <a:ext cx="1403921" cy="246221"/>
           </a:xfrm>
           <a:prstGeom prst="rect">
@@ -3561,7 +3575,7 @@
         </p:nvSpPr>
         <p:spPr>
           <a:xfrm rot="10800000">
-            <a:off x="279629" y="1095373"/>
+            <a:off x="279629" y="849714"/>
             <a:ext cx="362618" cy="5495925"/>
           </a:xfrm>
           <a:prstGeom prst="downArrow">
@@ -3658,7 +3672,7 @@
         </p:nvSpPr>
         <p:spPr>
           <a:xfrm>
-            <a:off x="1055356" y="1192383"/>
+            <a:off x="1055356" y="946724"/>
             <a:ext cx="278722" cy="246221"/>
           </a:xfrm>
           <a:prstGeom prst="rect">
@@ -3680,86 +3694,6 @@
                 <a:latin typeface="Helvetica" pitchFamily="2" charset="0"/>
               </a:rPr>
               <a:t>+</a:t>
-            </a:r>
-          </a:p>
-        </p:txBody>
-      </p:sp>
-      <p:sp>
-        <p:nvSpPr>
-          <p:cNvPr id="36" name="TextBox 35">
-            <a:extLst>
-              <a:ext uri="{FF2B5EF4-FFF2-40B4-BE49-F238E27FC236}">
-                <a16:creationId xmlns:a16="http://schemas.microsoft.com/office/drawing/2014/main" id="{E66F3C2C-0438-704F-8115-C4DD961551A2}"/>
-              </a:ext>
-            </a:extLst>
-          </p:cNvPr>
-          <p:cNvSpPr txBox="1"/>
-          <p:nvPr/>
-        </p:nvSpPr>
-        <p:spPr>
-          <a:xfrm>
-            <a:off x="1045622" y="7630291"/>
-            <a:ext cx="278722" cy="246221"/>
-          </a:xfrm>
-          <a:prstGeom prst="rect">
-            <a:avLst/>
-          </a:prstGeom>
-          <a:noFill/>
-        </p:spPr>
-        <p:txBody>
-          <a:bodyPr wrap="square" rtlCol="0">
-            <a:spAutoFit/>
-          </a:bodyPr>
-          <a:lstStyle/>
-          <a:p>
-            <a:r>
-              <a:rPr lang="en-US" sz="1000" dirty="0">
-                <a:solidFill>
-                  <a:schemeClr val="bg1"/>
-                </a:solidFill>
-                <a:latin typeface="Helvetica" pitchFamily="2" charset="0"/>
-              </a:rPr>
-              <a:t>-</a:t>
-            </a:r>
-          </a:p>
-        </p:txBody>
-      </p:sp>
-      <p:sp>
-        <p:nvSpPr>
-          <p:cNvPr id="7" name="TextBox 6">
-            <a:extLst>
-              <a:ext uri="{FF2B5EF4-FFF2-40B4-BE49-F238E27FC236}">
-                <a16:creationId xmlns:a16="http://schemas.microsoft.com/office/drawing/2014/main" id="{8194A473-9ED4-A64B-A417-3BC1BA03E003}"/>
-              </a:ext>
-            </a:extLst>
-          </p:cNvPr>
-          <p:cNvSpPr txBox="1"/>
-          <p:nvPr/>
-        </p:nvSpPr>
-        <p:spPr>
-          <a:xfrm>
-            <a:off x="1293844" y="350686"/>
-            <a:ext cx="1831340" cy="246221"/>
-          </a:xfrm>
-          <a:prstGeom prst="rect">
-            <a:avLst/>
-          </a:prstGeom>
-          <a:solidFill>
-            <a:schemeClr val="bg1"/>
-          </a:solidFill>
-        </p:spPr>
-        <p:txBody>
-          <a:bodyPr wrap="square" rtlCol="0">
-            <a:spAutoFit/>
-          </a:bodyPr>
-          <a:lstStyle/>
-          <a:p>
-            <a:pPr algn="ctr"/>
-            <a:r>
-              <a:rPr lang="en-US" sz="1000" dirty="0">
-                <a:latin typeface="Helvetica" pitchFamily="2" charset="0"/>
-              </a:rPr>
-              <a:t>Ring porous</a:t>
             </a:r>
           </a:p>
         </p:txBody>
@@ -3778,7 +3712,7 @@
         </p:nvSpPr>
         <p:spPr>
           <a:xfrm rot="16200000">
-            <a:off x="736010" y="1583937"/>
+            <a:off x="736010" y="1338278"/>
             <a:ext cx="638692" cy="215444"/>
           </a:xfrm>
           <a:prstGeom prst="rect">
@@ -3815,7 +3749,7 @@
         </p:nvSpPr>
         <p:spPr>
           <a:xfrm rot="16200000">
-            <a:off x="896430" y="4976762"/>
+            <a:off x="896431" y="4731103"/>
             <a:ext cx="361665" cy="215444"/>
           </a:xfrm>
           <a:prstGeom prst="rect">
@@ -3852,7 +3786,7 @@
         </p:nvSpPr>
         <p:spPr>
           <a:xfrm>
-            <a:off x="1334078" y="5084485"/>
+            <a:off x="1334078" y="4838826"/>
             <a:ext cx="1988516" cy="91949"/>
           </a:xfrm>
           <a:prstGeom prst="rect">
@@ -3886,7 +3820,7 @@
           <a:lstStyle/>
           <a:p>
             <a:pPr algn="ctr"/>
-            <a:endParaRPr lang="en-US" sz="1000">
+            <a:endParaRPr lang="en-US" sz="1000" dirty="0">
               <a:latin typeface="Helvetica" pitchFamily="2" charset="0"/>
             </a:endParaRPr>
           </a:p>
@@ -3908,7 +3842,7 @@
         </p:nvCxnSpPr>
         <p:spPr>
           <a:xfrm>
-            <a:off x="1184984" y="5061660"/>
+            <a:off x="1184984" y="4816001"/>
             <a:ext cx="0" cy="124987"/>
           </a:xfrm>
           <a:prstGeom prst="line">
@@ -3949,7 +3883,7 @@
         </p:nvGrpSpPr>
         <p:grpSpPr>
           <a:xfrm>
-            <a:off x="5848950" y="5925071"/>
+            <a:off x="5848950" y="5679412"/>
             <a:ext cx="912787" cy="680442"/>
             <a:chOff x="5922424" y="6188740"/>
             <a:chExt cx="912787" cy="680442"/>
@@ -4061,7 +3995,7 @@
         </p:nvSpPr>
         <p:spPr>
           <a:xfrm>
-            <a:off x="1342734" y="1555596"/>
+            <a:off x="1342734" y="1309937"/>
             <a:ext cx="1988516" cy="368908"/>
           </a:xfrm>
           <a:prstGeom prst="rect">
@@ -4117,7 +4051,7 @@
         </p:nvCxnSpPr>
         <p:spPr>
           <a:xfrm>
-            <a:off x="1132680" y="1600195"/>
+            <a:off x="1132680" y="1354536"/>
             <a:ext cx="0" cy="352122"/>
           </a:xfrm>
           <a:prstGeom prst="line">
@@ -4158,7 +4092,7 @@
         </p:nvGrpSpPr>
         <p:grpSpPr>
           <a:xfrm>
-            <a:off x="3490156" y="5240055"/>
+            <a:off x="3490156" y="4994396"/>
             <a:ext cx="2337892" cy="680442"/>
             <a:chOff x="984703" y="4847806"/>
             <a:chExt cx="2337892" cy="361665"/>
@@ -4313,7 +4247,7 @@
         </p:nvGrpSpPr>
         <p:grpSpPr>
           <a:xfrm>
-            <a:off x="3497377" y="1552545"/>
+            <a:off x="3497377" y="1306886"/>
             <a:ext cx="2351421" cy="680442"/>
             <a:chOff x="971174" y="4885200"/>
             <a:chExt cx="2351421" cy="361665"/>
@@ -4454,6 +4388,86 @@
           </p:style>
         </p:cxnSp>
       </p:grpSp>
+      <p:sp>
+        <p:nvSpPr>
+          <p:cNvPr id="8" name="TextBox 7">
+            <a:extLst>
+              <a:ext uri="{FF2B5EF4-FFF2-40B4-BE49-F238E27FC236}">
+                <a16:creationId xmlns:a16="http://schemas.microsoft.com/office/drawing/2014/main" id="{B2960B18-C375-1844-B59E-B66AAF22394A}"/>
+              </a:ext>
+            </a:extLst>
+          </p:cNvPr>
+          <p:cNvSpPr txBox="1"/>
+          <p:nvPr/>
+        </p:nvSpPr>
+        <p:spPr>
+          <a:xfrm>
+            <a:off x="3801511" y="105028"/>
+            <a:ext cx="2238459" cy="246221"/>
+          </a:xfrm>
+          <a:prstGeom prst="rect">
+            <a:avLst/>
+          </a:prstGeom>
+          <a:solidFill>
+            <a:schemeClr val="bg1"/>
+          </a:solidFill>
+        </p:spPr>
+        <p:txBody>
+          <a:bodyPr wrap="square" rtlCol="0">
+            <a:spAutoFit/>
+          </a:bodyPr>
+          <a:lstStyle/>
+          <a:p>
+            <a:pPr algn="ctr"/>
+            <a:r>
+              <a:rPr lang="en-US" sz="1000" dirty="0">
+                <a:latin typeface="Helvetica" pitchFamily="2" charset="0"/>
+              </a:rPr>
+              <a:t>Diffuse porous</a:t>
+            </a:r>
+          </a:p>
+        </p:txBody>
+      </p:sp>
+      <p:sp>
+        <p:nvSpPr>
+          <p:cNvPr id="7" name="TextBox 6">
+            <a:extLst>
+              <a:ext uri="{FF2B5EF4-FFF2-40B4-BE49-F238E27FC236}">
+                <a16:creationId xmlns:a16="http://schemas.microsoft.com/office/drawing/2014/main" id="{8194A473-9ED4-A64B-A417-3BC1BA03E003}"/>
+              </a:ext>
+            </a:extLst>
+          </p:cNvPr>
+          <p:cNvSpPr txBox="1"/>
+          <p:nvPr/>
+        </p:nvSpPr>
+        <p:spPr>
+          <a:xfrm>
+            <a:off x="1293844" y="105027"/>
+            <a:ext cx="1831340" cy="246221"/>
+          </a:xfrm>
+          <a:prstGeom prst="rect">
+            <a:avLst/>
+          </a:prstGeom>
+          <a:solidFill>
+            <a:schemeClr val="bg1"/>
+          </a:solidFill>
+        </p:spPr>
+        <p:txBody>
+          <a:bodyPr wrap="square" rtlCol="0">
+            <a:spAutoFit/>
+          </a:bodyPr>
+          <a:lstStyle/>
+          <a:p>
+            <a:pPr algn="ctr"/>
+            <a:r>
+              <a:rPr lang="en-US" sz="1000" dirty="0">
+                <a:latin typeface="Helvetica" pitchFamily="2" charset="0"/>
+              </a:rPr>
+              <a:t>Ring porous</a:t>
+            </a:r>
+          </a:p>
+        </p:txBody>
+      </p:sp>
     </p:spTree>
     <p:extLst>
       <p:ext uri="{BB962C8B-B14F-4D97-AF65-F5344CB8AC3E}">
@@ -4484,364 +4498,12 @@
           <a:chExt cx="0" cy="0"/>
         </a:xfrm>
       </p:grpSpPr>
-      <p:sp>
-        <p:nvSpPr>
-          <p:cNvPr id="8" name="TextBox 7">
+      <p:grpSp>
+        <p:nvGrpSpPr>
+          <p:cNvPr id="31" name="Group 30">
             <a:extLst>
               <a:ext uri="{FF2B5EF4-FFF2-40B4-BE49-F238E27FC236}">
-                <a16:creationId xmlns:a16="http://schemas.microsoft.com/office/drawing/2014/main" id="{B2960B18-C375-1844-B59E-B66AAF22394A}"/>
-              </a:ext>
-            </a:extLst>
-          </p:cNvPr>
-          <p:cNvSpPr txBox="1"/>
-          <p:nvPr/>
-        </p:nvSpPr>
-        <p:spPr>
-          <a:xfrm>
-            <a:off x="3299740" y="355596"/>
-            <a:ext cx="2238459" cy="246221"/>
-          </a:xfrm>
-          <a:prstGeom prst="rect">
-            <a:avLst/>
-          </a:prstGeom>
-          <a:solidFill>
-            <a:schemeClr val="bg1"/>
-          </a:solidFill>
-        </p:spPr>
-        <p:txBody>
-          <a:bodyPr wrap="square" rtlCol="0">
-            <a:spAutoFit/>
-          </a:bodyPr>
-          <a:lstStyle/>
-          <a:p>
-            <a:pPr algn="ctr"/>
-            <a:r>
-              <a:rPr lang="en-US" sz="1000" dirty="0">
-                <a:latin typeface="Helvetica" pitchFamily="2" charset="0"/>
-              </a:rPr>
-              <a:t>Diffuse porous</a:t>
-            </a:r>
-          </a:p>
-        </p:txBody>
-      </p:sp>
-      <p:sp>
-        <p:nvSpPr>
-          <p:cNvPr id="27" name="TextBox 26">
-            <a:extLst>
-              <a:ext uri="{FF2B5EF4-FFF2-40B4-BE49-F238E27FC236}">
-                <a16:creationId xmlns:a16="http://schemas.microsoft.com/office/drawing/2014/main" id="{B2491FE7-9723-CD46-9B89-7050774C27C9}"/>
-              </a:ext>
-            </a:extLst>
-          </p:cNvPr>
-          <p:cNvSpPr txBox="1"/>
-          <p:nvPr/>
-        </p:nvSpPr>
-        <p:spPr>
-          <a:xfrm rot="16200000">
-            <a:off x="63401" y="3606333"/>
-            <a:ext cx="1403921" cy="246221"/>
-          </a:xfrm>
-          <a:prstGeom prst="rect">
-            <a:avLst/>
-          </a:prstGeom>
-          <a:noFill/>
-        </p:spPr>
-        <p:txBody>
-          <a:bodyPr wrap="square" rtlCol="0">
-            <a:spAutoFit/>
-          </a:bodyPr>
-          <a:lstStyle/>
-          <a:p>
-            <a:r>
-              <a:rPr lang="en-US" sz="1000" b="1" dirty="0">
-                <a:latin typeface="Helvetica" pitchFamily="2" charset="0"/>
-              </a:rPr>
-              <a:t>Chronology number</a:t>
-            </a:r>
-          </a:p>
-        </p:txBody>
-      </p:sp>
-      <p:sp>
-        <p:nvSpPr>
-          <p:cNvPr id="34" name="Down Arrow 33">
-            <a:extLst>
-              <a:ext uri="{FF2B5EF4-FFF2-40B4-BE49-F238E27FC236}">
-                <a16:creationId xmlns:a16="http://schemas.microsoft.com/office/drawing/2014/main" id="{F1B13D42-2553-8148-87B1-32BA355FB23F}"/>
-              </a:ext>
-            </a:extLst>
-          </p:cNvPr>
-          <p:cNvSpPr/>
-          <p:nvPr/>
-        </p:nvSpPr>
-        <p:spPr>
-          <a:xfrm rot="10800000">
-            <a:off x="279629" y="1095373"/>
-            <a:ext cx="362618" cy="5495925"/>
-          </a:xfrm>
-          <a:prstGeom prst="downArrow">
-            <a:avLst/>
-          </a:prstGeom>
-          <a:gradFill>
-            <a:gsLst>
-              <a:gs pos="0">
-                <a:schemeClr val="accent1">
-                  <a:lumMod val="40000"/>
-                  <a:lumOff val="60000"/>
-                </a:schemeClr>
-              </a:gs>
-              <a:gs pos="100000">
-                <a:srgbClr val="C00000"/>
-              </a:gs>
-            </a:gsLst>
-            <a:lin ang="5400000" scaled="1"/>
-          </a:gradFill>
-          <a:ln>
-            <a:solidFill>
-              <a:schemeClr val="tx1"/>
-            </a:solidFill>
-          </a:ln>
-        </p:spPr>
-        <p:style>
-          <a:lnRef idx="2">
-            <a:schemeClr val="accent1">
-              <a:shade val="50000"/>
-            </a:schemeClr>
-          </a:lnRef>
-          <a:fillRef idx="1">
-            <a:schemeClr val="accent1"/>
-          </a:fillRef>
-          <a:effectRef idx="0">
-            <a:schemeClr val="accent1"/>
-          </a:effectRef>
-          <a:fontRef idx="minor">
-            <a:schemeClr val="lt1"/>
-          </a:fontRef>
-        </p:style>
-        <p:txBody>
-          <a:bodyPr vert="vert" rtlCol="0" anchor="ctr"/>
-          <a:lstStyle/>
-          <a:p>
-            <a:pPr algn="ctr"/>
-            <a:r>
-              <a:rPr lang="en-US" sz="1000" dirty="0">
-                <a:solidFill>
-                  <a:schemeClr val="bg1"/>
-                </a:solidFill>
-                <a:latin typeface="Helvetica" pitchFamily="2" charset="0"/>
-              </a:rPr>
-              <a:t>April </a:t>
-            </a:r>
-            <a:r>
-              <a:rPr lang="en-US" sz="1000" i="1" dirty="0">
-                <a:solidFill>
-                  <a:schemeClr val="bg1"/>
-                </a:solidFill>
-                <a:latin typeface="Helvetica" pitchFamily="2" charset="0"/>
-              </a:rPr>
-              <a:t>T</a:t>
-            </a:r>
-            <a:r>
-              <a:rPr lang="en-US" sz="1000" baseline="-25000" dirty="0">
-                <a:solidFill>
-                  <a:schemeClr val="bg1"/>
-                </a:solidFill>
-                <a:latin typeface="Helvetica" pitchFamily="2" charset="0"/>
-              </a:rPr>
-              <a:t>max</a:t>
-            </a:r>
-            <a:endParaRPr lang="en-US" sz="1000" dirty="0">
-              <a:solidFill>
-                <a:schemeClr val="bg1"/>
-              </a:solidFill>
-              <a:latin typeface="Helvetica" pitchFamily="2" charset="0"/>
-            </a:endParaRPr>
-          </a:p>
-        </p:txBody>
-      </p:sp>
-      <p:sp>
-        <p:nvSpPr>
-          <p:cNvPr id="35" name="TextBox 34">
-            <a:extLst>
-              <a:ext uri="{FF2B5EF4-FFF2-40B4-BE49-F238E27FC236}">
-                <a16:creationId xmlns:a16="http://schemas.microsoft.com/office/drawing/2014/main" id="{65F0C768-21DB-D44F-AEAE-24F169336050}"/>
-              </a:ext>
-            </a:extLst>
-          </p:cNvPr>
-          <p:cNvSpPr txBox="1"/>
-          <p:nvPr/>
-        </p:nvSpPr>
-        <p:spPr>
-          <a:xfrm>
-            <a:off x="1055356" y="1192383"/>
-            <a:ext cx="278722" cy="246221"/>
-          </a:xfrm>
-          <a:prstGeom prst="rect">
-            <a:avLst/>
-          </a:prstGeom>
-          <a:noFill/>
-        </p:spPr>
-        <p:txBody>
-          <a:bodyPr wrap="square" rtlCol="0">
-            <a:spAutoFit/>
-          </a:bodyPr>
-          <a:lstStyle/>
-          <a:p>
-            <a:r>
-              <a:rPr lang="en-US" sz="1000" dirty="0">
-                <a:solidFill>
-                  <a:schemeClr val="bg1"/>
-                </a:solidFill>
-                <a:latin typeface="Helvetica" pitchFamily="2" charset="0"/>
-              </a:rPr>
-              <a:t>+</a:t>
-            </a:r>
-          </a:p>
-        </p:txBody>
-      </p:sp>
-      <p:sp>
-        <p:nvSpPr>
-          <p:cNvPr id="36" name="TextBox 35">
-            <a:extLst>
-              <a:ext uri="{FF2B5EF4-FFF2-40B4-BE49-F238E27FC236}">
-                <a16:creationId xmlns:a16="http://schemas.microsoft.com/office/drawing/2014/main" id="{E66F3C2C-0438-704F-8115-C4DD961551A2}"/>
-              </a:ext>
-            </a:extLst>
-          </p:cNvPr>
-          <p:cNvSpPr txBox="1"/>
-          <p:nvPr/>
-        </p:nvSpPr>
-        <p:spPr>
-          <a:xfrm>
-            <a:off x="1045622" y="7630291"/>
-            <a:ext cx="278722" cy="246221"/>
-          </a:xfrm>
-          <a:prstGeom prst="rect">
-            <a:avLst/>
-          </a:prstGeom>
-          <a:noFill/>
-        </p:spPr>
-        <p:txBody>
-          <a:bodyPr wrap="square" rtlCol="0">
-            <a:spAutoFit/>
-          </a:bodyPr>
-          <a:lstStyle/>
-          <a:p>
-            <a:r>
-              <a:rPr lang="en-US" sz="1000" dirty="0">
-                <a:solidFill>
-                  <a:schemeClr val="bg1"/>
-                </a:solidFill>
-                <a:latin typeface="Helvetica" pitchFamily="2" charset="0"/>
-              </a:rPr>
-              <a:t>-</a:t>
-            </a:r>
-          </a:p>
-        </p:txBody>
-      </p:sp>
-      <p:sp>
-        <p:nvSpPr>
-          <p:cNvPr id="7" name="TextBox 6">
-            <a:extLst>
-              <a:ext uri="{FF2B5EF4-FFF2-40B4-BE49-F238E27FC236}">
-                <a16:creationId xmlns:a16="http://schemas.microsoft.com/office/drawing/2014/main" id="{8194A473-9ED4-A64B-A417-3BC1BA03E003}"/>
-              </a:ext>
-            </a:extLst>
-          </p:cNvPr>
-          <p:cNvSpPr txBox="1"/>
-          <p:nvPr/>
-        </p:nvSpPr>
-        <p:spPr>
-          <a:xfrm>
-            <a:off x="1225151" y="350687"/>
-            <a:ext cx="1831340" cy="246221"/>
-          </a:xfrm>
-          <a:prstGeom prst="rect">
-            <a:avLst/>
-          </a:prstGeom>
-          <a:solidFill>
-            <a:schemeClr val="bg1"/>
-          </a:solidFill>
-        </p:spPr>
-        <p:txBody>
-          <a:bodyPr wrap="square" rtlCol="0">
-            <a:spAutoFit/>
-          </a:bodyPr>
-          <a:lstStyle/>
-          <a:p>
-            <a:pPr algn="ctr"/>
-            <a:r>
-              <a:rPr lang="en-US" sz="1000" dirty="0">
-                <a:latin typeface="Helvetica" pitchFamily="2" charset="0"/>
-              </a:rPr>
-              <a:t>Ring porous</a:t>
-            </a:r>
-          </a:p>
-        </p:txBody>
-      </p:sp>
-      <p:pic>
-        <p:nvPicPr>
-          <p:cNvPr id="12" name="Picture 11" descr="Chart&#10;&#10;Description automatically generated with medium confidence">
-            <a:extLst>
-              <a:ext uri="{FF2B5EF4-FFF2-40B4-BE49-F238E27FC236}">
-                <a16:creationId xmlns:a16="http://schemas.microsoft.com/office/drawing/2014/main" id="{9C1C99C1-1886-4AE9-8944-1D8696B484C5}"/>
-              </a:ext>
-            </a:extLst>
-          </p:cNvPr>
-          <p:cNvPicPr>
-            <a:picLocks noChangeAspect="1"/>
-          </p:cNvPicPr>
-          <p:nvPr/>
-        </p:nvPicPr>
-        <p:blipFill rotWithShape="1">
-          <a:blip r:embed="rId3"/>
-          <a:srcRect l="12674" t="3605" r="4302" b="8256"/>
-          <a:stretch/>
-        </p:blipFill>
-        <p:spPr>
-          <a:xfrm>
-            <a:off x="966348" y="558376"/>
-            <a:ext cx="2894040" cy="6144768"/>
-          </a:xfrm>
-          <a:prstGeom prst="rect">
-            <a:avLst/>
-          </a:prstGeom>
-        </p:spPr>
-      </p:pic>
-      <p:pic>
-        <p:nvPicPr>
-          <p:cNvPr id="10" name="Picture 9" descr="A picture containing graphical user interface&#10;&#10;Description automatically generated">
-            <a:extLst>
-              <a:ext uri="{FF2B5EF4-FFF2-40B4-BE49-F238E27FC236}">
-                <a16:creationId xmlns:a16="http://schemas.microsoft.com/office/drawing/2014/main" id="{EB2F46B6-B327-4284-B472-0ADF5F798DA3}"/>
-              </a:ext>
-            </a:extLst>
-          </p:cNvPr>
-          <p:cNvPicPr>
-            <a:picLocks noChangeAspect="1"/>
-          </p:cNvPicPr>
-          <p:nvPr/>
-        </p:nvPicPr>
-        <p:blipFill rotWithShape="1">
-          <a:blip r:embed="rId4"/>
-          <a:srcRect l="12148" t="3122" r="5494" b="8176"/>
-          <a:stretch/>
-        </p:blipFill>
-        <p:spPr>
-          <a:xfrm>
-            <a:off x="3313165" y="534897"/>
-            <a:ext cx="2852628" cy="6144768"/>
-          </a:xfrm>
-          <a:prstGeom prst="rect">
-            <a:avLst/>
-          </a:prstGeom>
-        </p:spPr>
-      </p:pic>
-      <p:grpSp>
-        <p:nvGrpSpPr>
-          <p:cNvPr id="14" name="Group 13">
-            <a:extLst>
-              <a:ext uri="{FF2B5EF4-FFF2-40B4-BE49-F238E27FC236}">
-                <a16:creationId xmlns:a16="http://schemas.microsoft.com/office/drawing/2014/main" id="{C71D9C81-2CDC-0845-8F78-2B540C874A74}"/>
+                <a16:creationId xmlns:a16="http://schemas.microsoft.com/office/drawing/2014/main" id="{5ECB5476-59C7-4786-889C-231EAB50583A}"/>
               </a:ext>
             </a:extLst>
           </p:cNvPr>
@@ -4850,48 +4512,18 @@
         </p:nvGrpSpPr>
         <p:grpSpPr>
           <a:xfrm>
-            <a:off x="5630547" y="6022702"/>
-            <a:ext cx="912787" cy="680442"/>
-            <a:chOff x="5922424" y="6188740"/>
-            <a:chExt cx="912787" cy="680442"/>
+            <a:off x="-120977" y="59767"/>
+            <a:ext cx="7151427" cy="7937970"/>
+            <a:chOff x="-120977" y="141653"/>
+            <a:chExt cx="7151427" cy="7937970"/>
           </a:xfrm>
         </p:grpSpPr>
-        <p:pic>
-          <p:nvPicPr>
-            <p:cNvPr id="15" name="Picture 14">
+        <p:sp>
+          <p:nvSpPr>
+            <p:cNvPr id="6" name="Rectangle 5">
               <a:extLst>
                 <a:ext uri="{FF2B5EF4-FFF2-40B4-BE49-F238E27FC236}">
-                  <a16:creationId xmlns:a16="http://schemas.microsoft.com/office/drawing/2014/main" id="{734A9B20-B9BE-C048-85BC-4D6865AE6D01}"/>
-                </a:ext>
-              </a:extLst>
-            </p:cNvPr>
-            <p:cNvPicPr>
-              <a:picLocks noChangeAspect="1"/>
-            </p:cNvPicPr>
-            <p:nvPr/>
-          </p:nvPicPr>
-          <p:blipFill>
-            <a:blip r:embed="rId5"/>
-            <a:stretch>
-              <a:fillRect/>
-            </a:stretch>
-          </p:blipFill>
-          <p:spPr>
-            <a:xfrm>
-              <a:off x="5922424" y="6188740"/>
-              <a:ext cx="912787" cy="680442"/>
-            </a:xfrm>
-            <a:prstGeom prst="rect">
-              <a:avLst/>
-            </a:prstGeom>
-          </p:spPr>
-        </p:pic>
-        <p:sp>
-          <p:nvSpPr>
-            <p:cNvPr id="16" name="Rectangle 15">
-              <a:extLst>
-                <a:ext uri="{FF2B5EF4-FFF2-40B4-BE49-F238E27FC236}">
-                  <a16:creationId xmlns:a16="http://schemas.microsoft.com/office/drawing/2014/main" id="{CD6E4E81-4536-F24B-86D6-24D3C0A52C4B}"/>
+                  <a16:creationId xmlns:a16="http://schemas.microsoft.com/office/drawing/2014/main" id="{2827099A-799C-4D2C-AD9D-F9A8D8DA4D6D}"/>
                 </a:ext>
               </a:extLst>
             </p:cNvPr>
@@ -4900,8 +4532,8 @@
           </p:nvSpPr>
           <p:spPr>
             <a:xfrm>
-              <a:off x="6172419" y="6490907"/>
-              <a:ext cx="129989" cy="121278"/>
+              <a:off x="-120977" y="141653"/>
+              <a:ext cx="7151427" cy="7937970"/>
             </a:xfrm>
             <a:prstGeom prst="rect">
               <a:avLst/>
@@ -4936,17 +4568,1110 @@
             <a:lstStyle/>
             <a:p>
               <a:pPr algn="ctr"/>
+              <a:endParaRPr lang="en-US"/>
+            </a:p>
+          </p:txBody>
+        </p:sp>
+        <p:sp>
+          <p:nvSpPr>
+            <p:cNvPr id="8" name="TextBox 7">
+              <a:extLst>
+                <a:ext uri="{FF2B5EF4-FFF2-40B4-BE49-F238E27FC236}">
+                  <a16:creationId xmlns:a16="http://schemas.microsoft.com/office/drawing/2014/main" id="{B2960B18-C375-1844-B59E-B66AAF22394A}"/>
+                </a:ext>
+              </a:extLst>
+            </p:cNvPr>
+            <p:cNvSpPr txBox="1"/>
+            <p:nvPr/>
+          </p:nvSpPr>
+          <p:spPr>
+            <a:xfrm>
+              <a:off x="3532396" y="508944"/>
+              <a:ext cx="2238459" cy="246221"/>
+            </a:xfrm>
+            <a:prstGeom prst="rect">
+              <a:avLst/>
+            </a:prstGeom>
+            <a:solidFill>
+              <a:schemeClr val="bg1"/>
+            </a:solidFill>
+          </p:spPr>
+          <p:txBody>
+            <a:bodyPr wrap="square" rtlCol="0">
+              <a:spAutoFit/>
+            </a:bodyPr>
+            <a:lstStyle/>
+            <a:p>
+              <a:pPr algn="ctr"/>
               <a:r>
-                <a:rPr lang="en-US" sz="900" dirty="0">
-                  <a:solidFill>
-                    <a:schemeClr val="tx1"/>
-                  </a:solidFill>
+                <a:rPr lang="en-US" sz="1000" dirty="0">
+                  <a:latin typeface="Helvetica" pitchFamily="2" charset="0"/>
                 </a:rPr>
-                <a:t>*</a:t>
+                <a:t>Diffuse porous</a:t>
               </a:r>
             </a:p>
           </p:txBody>
         </p:sp>
+        <p:sp>
+          <p:nvSpPr>
+            <p:cNvPr id="27" name="TextBox 26">
+              <a:extLst>
+                <a:ext uri="{FF2B5EF4-FFF2-40B4-BE49-F238E27FC236}">
+                  <a16:creationId xmlns:a16="http://schemas.microsoft.com/office/drawing/2014/main" id="{B2491FE7-9723-CD46-9B89-7050774C27C9}"/>
+                </a:ext>
+              </a:extLst>
+            </p:cNvPr>
+            <p:cNvSpPr txBox="1"/>
+            <p:nvPr/>
+          </p:nvSpPr>
+          <p:spPr>
+            <a:xfrm rot="16200000">
+              <a:off x="-73534" y="3809444"/>
+              <a:ext cx="1403921" cy="246221"/>
+            </a:xfrm>
+            <a:prstGeom prst="rect">
+              <a:avLst/>
+            </a:prstGeom>
+            <a:noFill/>
+          </p:spPr>
+          <p:txBody>
+            <a:bodyPr wrap="square" rtlCol="0">
+              <a:spAutoFit/>
+            </a:bodyPr>
+            <a:lstStyle/>
+            <a:p>
+              <a:r>
+                <a:rPr lang="en-US" sz="1000" b="1" dirty="0">
+                  <a:latin typeface="Helvetica" pitchFamily="2" charset="0"/>
+                </a:rPr>
+                <a:t>Chronology number</a:t>
+              </a:r>
+            </a:p>
+          </p:txBody>
+        </p:sp>
+        <p:sp>
+          <p:nvSpPr>
+            <p:cNvPr id="34" name="Down Arrow 33">
+              <a:extLst>
+                <a:ext uri="{FF2B5EF4-FFF2-40B4-BE49-F238E27FC236}">
+                  <a16:creationId xmlns:a16="http://schemas.microsoft.com/office/drawing/2014/main" id="{F1B13D42-2553-8148-87B1-32BA355FB23F}"/>
+                </a:ext>
+              </a:extLst>
+            </p:cNvPr>
+            <p:cNvSpPr/>
+            <p:nvPr/>
+          </p:nvSpPr>
+          <p:spPr>
+            <a:xfrm rot="10800000">
+              <a:off x="142694" y="1298484"/>
+              <a:ext cx="362618" cy="5495925"/>
+            </a:xfrm>
+            <a:prstGeom prst="downArrow">
+              <a:avLst/>
+            </a:prstGeom>
+            <a:gradFill>
+              <a:gsLst>
+                <a:gs pos="0">
+                  <a:schemeClr val="accent1">
+                    <a:lumMod val="40000"/>
+                    <a:lumOff val="60000"/>
+                  </a:schemeClr>
+                </a:gs>
+                <a:gs pos="100000">
+                  <a:srgbClr val="C00000"/>
+                </a:gs>
+              </a:gsLst>
+              <a:lin ang="5400000" scaled="1"/>
+            </a:gradFill>
+            <a:ln>
+              <a:solidFill>
+                <a:schemeClr val="tx1"/>
+              </a:solidFill>
+            </a:ln>
+          </p:spPr>
+          <p:style>
+            <a:lnRef idx="2">
+              <a:schemeClr val="accent1">
+                <a:shade val="50000"/>
+              </a:schemeClr>
+            </a:lnRef>
+            <a:fillRef idx="1">
+              <a:schemeClr val="accent1"/>
+            </a:fillRef>
+            <a:effectRef idx="0">
+              <a:schemeClr val="accent1"/>
+            </a:effectRef>
+            <a:fontRef idx="minor">
+              <a:schemeClr val="lt1"/>
+            </a:fontRef>
+          </p:style>
+          <p:txBody>
+            <a:bodyPr vert="vert" rtlCol="0" anchor="ctr"/>
+            <a:lstStyle/>
+            <a:p>
+              <a:pPr algn="ctr"/>
+              <a:r>
+                <a:rPr lang="en-US" sz="1000" dirty="0">
+                  <a:solidFill>
+                    <a:schemeClr val="bg1"/>
+                  </a:solidFill>
+                  <a:latin typeface="Helvetica" pitchFamily="2" charset="0"/>
+                </a:rPr>
+                <a:t>April </a:t>
+              </a:r>
+              <a:r>
+                <a:rPr lang="en-US" sz="1000" i="1" dirty="0">
+                  <a:solidFill>
+                    <a:schemeClr val="bg1"/>
+                  </a:solidFill>
+                  <a:latin typeface="Helvetica" pitchFamily="2" charset="0"/>
+                </a:rPr>
+                <a:t>T</a:t>
+              </a:r>
+              <a:r>
+                <a:rPr lang="en-US" sz="1000" baseline="-25000" dirty="0">
+                  <a:solidFill>
+                    <a:schemeClr val="bg1"/>
+                  </a:solidFill>
+                  <a:latin typeface="Helvetica" pitchFamily="2" charset="0"/>
+                </a:rPr>
+                <a:t>max</a:t>
+              </a:r>
+              <a:endParaRPr lang="en-US" sz="1000" dirty="0">
+                <a:solidFill>
+                  <a:schemeClr val="bg1"/>
+                </a:solidFill>
+                <a:latin typeface="Helvetica" pitchFamily="2" charset="0"/>
+              </a:endParaRPr>
+            </a:p>
+          </p:txBody>
+        </p:sp>
+        <p:sp>
+          <p:nvSpPr>
+            <p:cNvPr id="35" name="TextBox 34">
+              <a:extLst>
+                <a:ext uri="{FF2B5EF4-FFF2-40B4-BE49-F238E27FC236}">
+                  <a16:creationId xmlns:a16="http://schemas.microsoft.com/office/drawing/2014/main" id="{65F0C768-21DB-D44F-AEAE-24F169336050}"/>
+                </a:ext>
+              </a:extLst>
+            </p:cNvPr>
+            <p:cNvSpPr txBox="1"/>
+            <p:nvPr/>
+          </p:nvSpPr>
+          <p:spPr>
+            <a:xfrm>
+              <a:off x="918421" y="1395494"/>
+              <a:ext cx="278722" cy="246221"/>
+            </a:xfrm>
+            <a:prstGeom prst="rect">
+              <a:avLst/>
+            </a:prstGeom>
+            <a:noFill/>
+          </p:spPr>
+          <p:txBody>
+            <a:bodyPr wrap="square" rtlCol="0">
+              <a:spAutoFit/>
+            </a:bodyPr>
+            <a:lstStyle/>
+            <a:p>
+              <a:r>
+                <a:rPr lang="en-US" sz="1000" dirty="0">
+                  <a:solidFill>
+                    <a:schemeClr val="bg1"/>
+                  </a:solidFill>
+                  <a:latin typeface="Helvetica" pitchFamily="2" charset="0"/>
+                </a:rPr>
+                <a:t>+</a:t>
+              </a:r>
+            </a:p>
+          </p:txBody>
+        </p:sp>
+        <p:sp>
+          <p:nvSpPr>
+            <p:cNvPr id="36" name="TextBox 35">
+              <a:extLst>
+                <a:ext uri="{FF2B5EF4-FFF2-40B4-BE49-F238E27FC236}">
+                  <a16:creationId xmlns:a16="http://schemas.microsoft.com/office/drawing/2014/main" id="{E66F3C2C-0438-704F-8115-C4DD961551A2}"/>
+                </a:ext>
+              </a:extLst>
+            </p:cNvPr>
+            <p:cNvSpPr txBox="1"/>
+            <p:nvPr/>
+          </p:nvSpPr>
+          <p:spPr>
+            <a:xfrm>
+              <a:off x="908687" y="7833402"/>
+              <a:ext cx="278722" cy="246221"/>
+            </a:xfrm>
+            <a:prstGeom prst="rect">
+              <a:avLst/>
+            </a:prstGeom>
+            <a:noFill/>
+          </p:spPr>
+          <p:txBody>
+            <a:bodyPr wrap="square" rtlCol="0">
+              <a:spAutoFit/>
+            </a:bodyPr>
+            <a:lstStyle/>
+            <a:p>
+              <a:r>
+                <a:rPr lang="en-US" sz="1000" dirty="0">
+                  <a:solidFill>
+                    <a:schemeClr val="bg1"/>
+                  </a:solidFill>
+                  <a:latin typeface="Helvetica" pitchFamily="2" charset="0"/>
+                </a:rPr>
+                <a:t>-</a:t>
+              </a:r>
+            </a:p>
+          </p:txBody>
+        </p:sp>
+        <p:sp>
+          <p:nvSpPr>
+            <p:cNvPr id="7" name="TextBox 6">
+              <a:extLst>
+                <a:ext uri="{FF2B5EF4-FFF2-40B4-BE49-F238E27FC236}">
+                  <a16:creationId xmlns:a16="http://schemas.microsoft.com/office/drawing/2014/main" id="{8194A473-9ED4-A64B-A417-3BC1BA03E003}"/>
+                </a:ext>
+              </a:extLst>
+            </p:cNvPr>
+            <p:cNvSpPr txBox="1"/>
+            <p:nvPr/>
+          </p:nvSpPr>
+          <p:spPr>
+            <a:xfrm>
+              <a:off x="1088216" y="553798"/>
+              <a:ext cx="1831340" cy="246221"/>
+            </a:xfrm>
+            <a:prstGeom prst="rect">
+              <a:avLst/>
+            </a:prstGeom>
+            <a:solidFill>
+              <a:schemeClr val="bg1"/>
+            </a:solidFill>
+          </p:spPr>
+          <p:txBody>
+            <a:bodyPr wrap="square" rtlCol="0">
+              <a:spAutoFit/>
+            </a:bodyPr>
+            <a:lstStyle/>
+            <a:p>
+              <a:pPr algn="ctr"/>
+              <a:r>
+                <a:rPr lang="en-US" sz="1000" dirty="0">
+                  <a:latin typeface="Helvetica" pitchFamily="2" charset="0"/>
+                </a:rPr>
+                <a:t>Ring porous</a:t>
+              </a:r>
+            </a:p>
+          </p:txBody>
+        </p:sp>
+        <p:pic>
+          <p:nvPicPr>
+            <p:cNvPr id="12" name="Picture 11" descr="Chart&#10;&#10;Description automatically generated with medium confidence">
+              <a:extLst>
+                <a:ext uri="{FF2B5EF4-FFF2-40B4-BE49-F238E27FC236}">
+                  <a16:creationId xmlns:a16="http://schemas.microsoft.com/office/drawing/2014/main" id="{9C1C99C1-1886-4AE9-8944-1D8696B484C5}"/>
+                </a:ext>
+              </a:extLst>
+            </p:cNvPr>
+            <p:cNvPicPr>
+              <a:picLocks noChangeAspect="1"/>
+            </p:cNvPicPr>
+            <p:nvPr/>
+          </p:nvPicPr>
+          <p:blipFill rotWithShape="1">
+            <a:blip r:embed="rId3"/>
+            <a:srcRect l="12674" t="3605" r="19907" b="8256"/>
+            <a:stretch/>
+          </p:blipFill>
+          <p:spPr>
+            <a:xfrm>
+              <a:off x="829413" y="761487"/>
+              <a:ext cx="2350058" cy="6144768"/>
+            </a:xfrm>
+            <a:prstGeom prst="rect">
+              <a:avLst/>
+            </a:prstGeom>
+          </p:spPr>
+        </p:pic>
+        <p:sp>
+          <p:nvSpPr>
+            <p:cNvPr id="17" name="Rectangle 16">
+              <a:extLst>
+                <a:ext uri="{FF2B5EF4-FFF2-40B4-BE49-F238E27FC236}">
+                  <a16:creationId xmlns:a16="http://schemas.microsoft.com/office/drawing/2014/main" id="{F1AB3D8F-661B-4BC4-88E1-2742AA06D2AE}"/>
+                </a:ext>
+              </a:extLst>
+            </p:cNvPr>
+            <p:cNvSpPr/>
+            <p:nvPr/>
+          </p:nvSpPr>
+          <p:spPr>
+            <a:xfrm>
+              <a:off x="1012049" y="5428622"/>
+              <a:ext cx="2081821" cy="91949"/>
+            </a:xfrm>
+            <a:prstGeom prst="rect">
+              <a:avLst/>
+            </a:prstGeom>
+            <a:noFill/>
+            <a:ln>
+              <a:solidFill>
+                <a:schemeClr val="tx1"/>
+              </a:solidFill>
+            </a:ln>
+          </p:spPr>
+          <p:style>
+            <a:lnRef idx="2">
+              <a:schemeClr val="accent1">
+                <a:shade val="50000"/>
+              </a:schemeClr>
+            </a:lnRef>
+            <a:fillRef idx="1">
+              <a:schemeClr val="accent1"/>
+            </a:fillRef>
+            <a:effectRef idx="0">
+              <a:schemeClr val="accent1"/>
+            </a:effectRef>
+            <a:fontRef idx="minor">
+              <a:schemeClr val="lt1"/>
+            </a:fontRef>
+          </p:style>
+          <p:txBody>
+            <a:bodyPr rtlCol="0" anchor="ctr"/>
+            <a:lstStyle/>
+            <a:p>
+              <a:pPr algn="ctr"/>
+              <a:endParaRPr lang="en-US" sz="1000" dirty="0">
+                <a:latin typeface="Helvetica" pitchFamily="2" charset="0"/>
+              </a:endParaRPr>
+            </a:p>
+          </p:txBody>
+        </p:sp>
+        <p:sp>
+          <p:nvSpPr>
+            <p:cNvPr id="19" name="TextBox 18">
+              <a:extLst>
+                <a:ext uri="{FF2B5EF4-FFF2-40B4-BE49-F238E27FC236}">
+                  <a16:creationId xmlns:a16="http://schemas.microsoft.com/office/drawing/2014/main" id="{D0707454-4F2C-43EC-88FB-E277C6C27CC1}"/>
+                </a:ext>
+              </a:extLst>
+            </p:cNvPr>
+            <p:cNvSpPr txBox="1"/>
+            <p:nvPr/>
+          </p:nvSpPr>
+          <p:spPr>
+            <a:xfrm rot="16200000">
+              <a:off x="609644" y="5342365"/>
+              <a:ext cx="361665" cy="215444"/>
+            </a:xfrm>
+            <a:prstGeom prst="rect">
+              <a:avLst/>
+            </a:prstGeom>
+            <a:noFill/>
+          </p:spPr>
+          <p:txBody>
+            <a:bodyPr wrap="square" rtlCol="0">
+              <a:spAutoFit/>
+            </a:bodyPr>
+            <a:lstStyle/>
+            <a:p>
+              <a:r>
+                <a:rPr lang="en-US" sz="800" dirty="0">
+                  <a:latin typeface="Helvetica" pitchFamily="2" charset="0"/>
+                </a:rPr>
+                <a:t>HF</a:t>
+              </a:r>
+            </a:p>
+          </p:txBody>
+        </p:sp>
+        <p:cxnSp>
+          <p:nvCxnSpPr>
+            <p:cNvPr id="20" name="Straight Connector 19">
+              <a:extLst>
+                <a:ext uri="{FF2B5EF4-FFF2-40B4-BE49-F238E27FC236}">
+                  <a16:creationId xmlns:a16="http://schemas.microsoft.com/office/drawing/2014/main" id="{5276D36B-91EB-4F2D-AC7D-1DA02A19A556}"/>
+                </a:ext>
+              </a:extLst>
+            </p:cNvPr>
+            <p:cNvCxnSpPr>
+              <a:cxnSpLocks/>
+            </p:cNvCxnSpPr>
+            <p:nvPr/>
+          </p:nvCxnSpPr>
+          <p:spPr>
+            <a:xfrm>
+              <a:off x="874462" y="5424664"/>
+              <a:ext cx="0" cy="124987"/>
+            </a:xfrm>
+            <a:prstGeom prst="line">
+              <a:avLst/>
+            </a:prstGeom>
+            <a:ln w="12700">
+              <a:solidFill>
+                <a:schemeClr val="tx1"/>
+              </a:solidFill>
+            </a:ln>
+          </p:spPr>
+          <p:style>
+            <a:lnRef idx="1">
+              <a:schemeClr val="accent1"/>
+            </a:lnRef>
+            <a:fillRef idx="0">
+              <a:schemeClr val="accent1"/>
+            </a:fillRef>
+            <a:effectRef idx="0">
+              <a:schemeClr val="accent1"/>
+            </a:effectRef>
+            <a:fontRef idx="minor">
+              <a:schemeClr val="tx1"/>
+            </a:fontRef>
+          </p:style>
+        </p:cxnSp>
+        <p:sp>
+          <p:nvSpPr>
+            <p:cNvPr id="22" name="TextBox 21">
+              <a:extLst>
+                <a:ext uri="{FF2B5EF4-FFF2-40B4-BE49-F238E27FC236}">
+                  <a16:creationId xmlns:a16="http://schemas.microsoft.com/office/drawing/2014/main" id="{5BBA2210-9DD6-46BE-883B-57B76580136B}"/>
+                </a:ext>
+              </a:extLst>
+            </p:cNvPr>
+            <p:cNvSpPr txBox="1"/>
+            <p:nvPr/>
+          </p:nvSpPr>
+          <p:spPr>
+            <a:xfrm rot="16200000">
+              <a:off x="3351564" y="6020484"/>
+              <a:ext cx="361665" cy="215444"/>
+            </a:xfrm>
+            <a:prstGeom prst="rect">
+              <a:avLst/>
+            </a:prstGeom>
+            <a:noFill/>
+          </p:spPr>
+          <p:txBody>
+            <a:bodyPr wrap="square" rtlCol="0">
+              <a:spAutoFit/>
+            </a:bodyPr>
+            <a:lstStyle/>
+            <a:p>
+              <a:r>
+                <a:rPr lang="en-US" sz="800" dirty="0">
+                  <a:latin typeface="Helvetica" pitchFamily="2" charset="0"/>
+                </a:rPr>
+                <a:t>HF</a:t>
+              </a:r>
+            </a:p>
+          </p:txBody>
+        </p:sp>
+        <p:sp>
+          <p:nvSpPr>
+            <p:cNvPr id="23" name="Rectangle 22">
+              <a:extLst>
+                <a:ext uri="{FF2B5EF4-FFF2-40B4-BE49-F238E27FC236}">
+                  <a16:creationId xmlns:a16="http://schemas.microsoft.com/office/drawing/2014/main" id="{55173A8E-43FB-481F-AF18-3ED7EA457849}"/>
+                </a:ext>
+              </a:extLst>
+            </p:cNvPr>
+            <p:cNvSpPr/>
+            <p:nvPr/>
+          </p:nvSpPr>
+          <p:spPr>
+            <a:xfrm>
+              <a:off x="1020150" y="1727166"/>
+              <a:ext cx="2078072" cy="434006"/>
+            </a:xfrm>
+            <a:prstGeom prst="rect">
+              <a:avLst/>
+            </a:prstGeom>
+            <a:noFill/>
+            <a:ln>
+              <a:solidFill>
+                <a:schemeClr val="tx1"/>
+              </a:solidFill>
+            </a:ln>
+          </p:spPr>
+          <p:style>
+            <a:lnRef idx="2">
+              <a:schemeClr val="accent1">
+                <a:shade val="50000"/>
+              </a:schemeClr>
+            </a:lnRef>
+            <a:fillRef idx="1">
+              <a:schemeClr val="accent1"/>
+            </a:fillRef>
+            <a:effectRef idx="0">
+              <a:schemeClr val="accent1"/>
+            </a:effectRef>
+            <a:fontRef idx="minor">
+              <a:schemeClr val="lt1"/>
+            </a:fontRef>
+          </p:style>
+          <p:txBody>
+            <a:bodyPr rtlCol="0" anchor="ctr"/>
+            <a:lstStyle/>
+            <a:p>
+              <a:pPr algn="ctr"/>
+              <a:endParaRPr lang="en-US" sz="1000">
+                <a:latin typeface="Helvetica" pitchFamily="2" charset="0"/>
+              </a:endParaRPr>
+            </a:p>
+          </p:txBody>
+        </p:sp>
+        <p:cxnSp>
+          <p:nvCxnSpPr>
+            <p:cNvPr id="24" name="Straight Connector 23">
+              <a:extLst>
+                <a:ext uri="{FF2B5EF4-FFF2-40B4-BE49-F238E27FC236}">
+                  <a16:creationId xmlns:a16="http://schemas.microsoft.com/office/drawing/2014/main" id="{111264E6-2520-49AD-82E5-092A0941ABE5}"/>
+                </a:ext>
+              </a:extLst>
+            </p:cNvPr>
+            <p:cNvCxnSpPr>
+              <a:cxnSpLocks/>
+            </p:cNvCxnSpPr>
+            <p:nvPr/>
+          </p:nvCxnSpPr>
+          <p:spPr>
+            <a:xfrm>
+              <a:off x="831545" y="1777869"/>
+              <a:ext cx="0" cy="352122"/>
+            </a:xfrm>
+            <a:prstGeom prst="line">
+              <a:avLst/>
+            </a:prstGeom>
+            <a:ln w="12700">
+              <a:solidFill>
+                <a:schemeClr val="tx1"/>
+              </a:solidFill>
+            </a:ln>
+          </p:spPr>
+          <p:style>
+            <a:lnRef idx="1">
+              <a:schemeClr val="accent1"/>
+            </a:lnRef>
+            <a:fillRef idx="0">
+              <a:schemeClr val="accent1"/>
+            </a:fillRef>
+            <a:effectRef idx="0">
+              <a:schemeClr val="accent1"/>
+            </a:effectRef>
+            <a:fontRef idx="minor">
+              <a:schemeClr val="tx1"/>
+            </a:fontRef>
+          </p:style>
+        </p:cxnSp>
+        <p:sp>
+          <p:nvSpPr>
+            <p:cNvPr id="25" name="TextBox 24">
+              <a:extLst>
+                <a:ext uri="{FF2B5EF4-FFF2-40B4-BE49-F238E27FC236}">
+                  <a16:creationId xmlns:a16="http://schemas.microsoft.com/office/drawing/2014/main" id="{AD4EB588-31C5-4B56-89C0-515E302CC901}"/>
+                </a:ext>
+              </a:extLst>
+            </p:cNvPr>
+            <p:cNvSpPr txBox="1"/>
+            <p:nvPr/>
+          </p:nvSpPr>
+          <p:spPr>
+            <a:xfrm rot="16200000">
+              <a:off x="446422" y="1734104"/>
+              <a:ext cx="638692" cy="215444"/>
+            </a:xfrm>
+            <a:prstGeom prst="rect">
+              <a:avLst/>
+            </a:prstGeom>
+            <a:noFill/>
+          </p:spPr>
+          <p:txBody>
+            <a:bodyPr wrap="square" rtlCol="0">
+              <a:spAutoFit/>
+            </a:bodyPr>
+            <a:lstStyle/>
+            <a:p>
+              <a:r>
+                <a:rPr lang="en-US" sz="800" dirty="0">
+                  <a:latin typeface="Helvetica" pitchFamily="2" charset="0"/>
+                </a:rPr>
+                <a:t>SCBI</a:t>
+              </a:r>
+            </a:p>
+          </p:txBody>
+        </p:sp>
+        <p:grpSp>
+          <p:nvGrpSpPr>
+            <p:cNvPr id="13" name="Group 12">
+              <a:extLst>
+                <a:ext uri="{FF2B5EF4-FFF2-40B4-BE49-F238E27FC236}">
+                  <a16:creationId xmlns:a16="http://schemas.microsoft.com/office/drawing/2014/main" id="{1326AFC7-7623-4CAA-8490-45E1D65B553C}"/>
+                </a:ext>
+              </a:extLst>
+            </p:cNvPr>
+            <p:cNvGrpSpPr/>
+            <p:nvPr/>
+          </p:nvGrpSpPr>
+          <p:grpSpPr>
+            <a:xfrm>
+              <a:off x="3207720" y="719875"/>
+              <a:ext cx="3438116" cy="6227992"/>
+              <a:chOff x="3424677" y="761487"/>
+              <a:chExt cx="3438116" cy="6227992"/>
+            </a:xfrm>
+          </p:grpSpPr>
+          <p:grpSp>
+            <p:nvGrpSpPr>
+              <p:cNvPr id="11" name="Group 10">
+                <a:extLst>
+                  <a:ext uri="{FF2B5EF4-FFF2-40B4-BE49-F238E27FC236}">
+                    <a16:creationId xmlns:a16="http://schemas.microsoft.com/office/drawing/2014/main" id="{B68F2675-88AD-471E-A5A1-E3FD587848D7}"/>
+                  </a:ext>
+                </a:extLst>
+              </p:cNvPr>
+              <p:cNvGrpSpPr/>
+              <p:nvPr/>
+            </p:nvGrpSpPr>
+            <p:grpSpPr>
+              <a:xfrm>
+                <a:off x="3448855" y="761487"/>
+                <a:ext cx="3413938" cy="6227992"/>
+                <a:chOff x="3448854" y="761487"/>
+                <a:chExt cx="3413938" cy="6227992"/>
+              </a:xfrm>
+            </p:grpSpPr>
+            <p:pic>
+              <p:nvPicPr>
+                <p:cNvPr id="10" name="Picture 9" descr="A picture containing graphical user interface&#10;&#10;Description automatically generated">
+                  <a:extLst>
+                    <a:ext uri="{FF2B5EF4-FFF2-40B4-BE49-F238E27FC236}">
+                      <a16:creationId xmlns:a16="http://schemas.microsoft.com/office/drawing/2014/main" id="{EB2F46B6-B327-4284-B472-0ADF5F798DA3}"/>
+                    </a:ext>
+                  </a:extLst>
+                </p:cNvPr>
+                <p:cNvPicPr>
+                  <a:picLocks noChangeAspect="1"/>
+                </p:cNvPicPr>
+                <p:nvPr/>
+              </p:nvPicPr>
+              <p:blipFill rotWithShape="1">
+                <a:blip r:embed="rId4"/>
+                <a:srcRect l="12148" t="3122" r="5494" b="8176"/>
+                <a:stretch/>
+              </p:blipFill>
+              <p:spPr>
+                <a:xfrm>
+                  <a:off x="3617352" y="761487"/>
+                  <a:ext cx="2852628" cy="6144768"/>
+                </a:xfrm>
+                <a:prstGeom prst="rect">
+                  <a:avLst/>
+                </a:prstGeom>
+              </p:spPr>
+            </p:pic>
+            <p:grpSp>
+              <p:nvGrpSpPr>
+                <p:cNvPr id="14" name="Group 13">
+                  <a:extLst>
+                    <a:ext uri="{FF2B5EF4-FFF2-40B4-BE49-F238E27FC236}">
+                      <a16:creationId xmlns:a16="http://schemas.microsoft.com/office/drawing/2014/main" id="{C71D9C81-2CDC-0845-8F78-2B540C874A74}"/>
+                    </a:ext>
+                  </a:extLst>
+                </p:cNvPr>
+                <p:cNvGrpSpPr/>
+                <p:nvPr/>
+              </p:nvGrpSpPr>
+              <p:grpSpPr>
+                <a:xfrm>
+                  <a:off x="5950005" y="6309037"/>
+                  <a:ext cx="912787" cy="680442"/>
+                  <a:chOff x="5922424" y="6188740"/>
+                  <a:chExt cx="912787" cy="680442"/>
+                </a:xfrm>
+              </p:grpSpPr>
+              <p:pic>
+                <p:nvPicPr>
+                  <p:cNvPr id="15" name="Picture 14">
+                    <a:extLst>
+                      <a:ext uri="{FF2B5EF4-FFF2-40B4-BE49-F238E27FC236}">
+                        <a16:creationId xmlns:a16="http://schemas.microsoft.com/office/drawing/2014/main" id="{734A9B20-B9BE-C048-85BC-4D6865AE6D01}"/>
+                      </a:ext>
+                    </a:extLst>
+                  </p:cNvPr>
+                  <p:cNvPicPr>
+                    <a:picLocks noChangeAspect="1"/>
+                  </p:cNvPicPr>
+                  <p:nvPr/>
+                </p:nvPicPr>
+                <p:blipFill>
+                  <a:blip r:embed="rId5"/>
+                  <a:stretch>
+                    <a:fillRect/>
+                  </a:stretch>
+                </p:blipFill>
+                <p:spPr>
+                  <a:xfrm>
+                    <a:off x="5922424" y="6188740"/>
+                    <a:ext cx="912787" cy="680442"/>
+                  </a:xfrm>
+                  <a:prstGeom prst="rect">
+                    <a:avLst/>
+                  </a:prstGeom>
+                </p:spPr>
+              </p:pic>
+              <p:sp>
+                <p:nvSpPr>
+                  <p:cNvPr id="16" name="Rectangle 15">
+                    <a:extLst>
+                      <a:ext uri="{FF2B5EF4-FFF2-40B4-BE49-F238E27FC236}">
+                        <a16:creationId xmlns:a16="http://schemas.microsoft.com/office/drawing/2014/main" id="{CD6E4E81-4536-F24B-86D6-24D3C0A52C4B}"/>
+                      </a:ext>
+                    </a:extLst>
+                  </p:cNvPr>
+                  <p:cNvSpPr/>
+                  <p:nvPr/>
+                </p:nvSpPr>
+                <p:spPr>
+                  <a:xfrm>
+                    <a:off x="6172419" y="6490907"/>
+                    <a:ext cx="129989" cy="121278"/>
+                  </a:xfrm>
+                  <a:prstGeom prst="rect">
+                    <a:avLst/>
+                  </a:prstGeom>
+                  <a:solidFill>
+                    <a:schemeClr val="bg1"/>
+                  </a:solidFill>
+                  <a:ln>
+                    <a:solidFill>
+                      <a:schemeClr val="bg1"/>
+                    </a:solidFill>
+                  </a:ln>
+                </p:spPr>
+                <p:style>
+                  <a:lnRef idx="2">
+                    <a:schemeClr val="accent1">
+                      <a:shade val="50000"/>
+                    </a:schemeClr>
+                  </a:lnRef>
+                  <a:fillRef idx="1">
+                    <a:schemeClr val="accent1"/>
+                  </a:fillRef>
+                  <a:effectRef idx="0">
+                    <a:schemeClr val="accent1"/>
+                  </a:effectRef>
+                  <a:fontRef idx="minor">
+                    <a:schemeClr val="lt1"/>
+                  </a:fontRef>
+                </p:style>
+                <p:txBody>
+                  <a:bodyPr rtlCol="0" anchor="ctr"/>
+                  <a:lstStyle/>
+                  <a:p>
+                    <a:pPr algn="ctr"/>
+                    <a:r>
+                      <a:rPr lang="en-US" sz="900" dirty="0">
+                        <a:solidFill>
+                          <a:schemeClr val="tx1"/>
+                        </a:solidFill>
+                      </a:rPr>
+                      <a:t>*</a:t>
+                    </a:r>
+                  </a:p>
+                </p:txBody>
+              </p:sp>
+            </p:grpSp>
+            <p:sp>
+              <p:nvSpPr>
+                <p:cNvPr id="18" name="Rectangle 17">
+                  <a:extLst>
+                    <a:ext uri="{FF2B5EF4-FFF2-40B4-BE49-F238E27FC236}">
+                      <a16:creationId xmlns:a16="http://schemas.microsoft.com/office/drawing/2014/main" id="{94D313B5-25D4-4FD4-A0EB-7E2027946522}"/>
+                    </a:ext>
+                  </a:extLst>
+                </p:cNvPr>
+                <p:cNvSpPr/>
+                <p:nvPr/>
+              </p:nvSpPr>
+              <p:spPr>
+                <a:xfrm>
+                  <a:off x="3817486" y="6077293"/>
+                  <a:ext cx="2063499" cy="172347"/>
+                </a:xfrm>
+                <a:prstGeom prst="rect">
+                  <a:avLst/>
+                </a:prstGeom>
+                <a:noFill/>
+                <a:ln>
+                  <a:solidFill>
+                    <a:schemeClr val="tx1"/>
+                  </a:solidFill>
+                </a:ln>
+              </p:spPr>
+              <p:style>
+                <a:lnRef idx="2">
+                  <a:schemeClr val="accent1">
+                    <a:shade val="50000"/>
+                  </a:schemeClr>
+                </a:lnRef>
+                <a:fillRef idx="1">
+                  <a:schemeClr val="accent1"/>
+                </a:fillRef>
+                <a:effectRef idx="0">
+                  <a:schemeClr val="accent1"/>
+                </a:effectRef>
+                <a:fontRef idx="minor">
+                  <a:schemeClr val="lt1"/>
+                </a:fontRef>
+              </p:style>
+              <p:txBody>
+                <a:bodyPr rtlCol="0" anchor="ctr"/>
+                <a:lstStyle/>
+                <a:p>
+                  <a:pPr algn="ctr"/>
+                  <a:endParaRPr lang="en-US" sz="1000" dirty="0">
+                    <a:latin typeface="Helvetica" pitchFamily="2" charset="0"/>
+                  </a:endParaRPr>
+                </a:p>
+              </p:txBody>
+            </p:sp>
+            <p:cxnSp>
+              <p:nvCxnSpPr>
+                <p:cNvPr id="21" name="Straight Connector 20">
+                  <a:extLst>
+                    <a:ext uri="{FF2B5EF4-FFF2-40B4-BE49-F238E27FC236}">
+                      <a16:creationId xmlns:a16="http://schemas.microsoft.com/office/drawing/2014/main" id="{9A39C502-BC8C-45C7-97B1-8E2138FD37A1}"/>
+                    </a:ext>
+                  </a:extLst>
+                </p:cNvPr>
+                <p:cNvCxnSpPr>
+                  <a:cxnSpLocks/>
+                </p:cNvCxnSpPr>
+                <p:nvPr/>
+              </p:nvCxnSpPr>
+              <p:spPr>
+                <a:xfrm>
+                  <a:off x="3617352" y="6077294"/>
+                  <a:ext cx="0" cy="152916"/>
+                </a:xfrm>
+                <a:prstGeom prst="line">
+                  <a:avLst/>
+                </a:prstGeom>
+                <a:ln w="12700">
+                  <a:solidFill>
+                    <a:schemeClr val="tx1"/>
+                  </a:solidFill>
+                </a:ln>
+              </p:spPr>
+              <p:style>
+                <a:lnRef idx="1">
+                  <a:schemeClr val="accent1"/>
+                </a:lnRef>
+                <a:fillRef idx="0">
+                  <a:schemeClr val="accent1"/>
+                </a:fillRef>
+                <a:effectRef idx="0">
+                  <a:schemeClr val="accent1"/>
+                </a:effectRef>
+                <a:fontRef idx="minor">
+                  <a:schemeClr val="tx1"/>
+                </a:fontRef>
+              </p:style>
+            </p:cxnSp>
+            <p:grpSp>
+              <p:nvGrpSpPr>
+                <p:cNvPr id="26" name="Group 25">
+                  <a:extLst>
+                    <a:ext uri="{FF2B5EF4-FFF2-40B4-BE49-F238E27FC236}">
+                      <a16:creationId xmlns:a16="http://schemas.microsoft.com/office/drawing/2014/main" id="{748DDA4F-DFDC-4F15-8E4A-D56A72AD8836}"/>
+                    </a:ext>
+                  </a:extLst>
+                </p:cNvPr>
+                <p:cNvGrpSpPr/>
+                <p:nvPr/>
+              </p:nvGrpSpPr>
+              <p:grpSpPr>
+                <a:xfrm>
+                  <a:off x="3448854" y="1820952"/>
+                  <a:ext cx="2432132" cy="680442"/>
+                  <a:chOff x="971174" y="4885200"/>
+                  <a:chExt cx="2351421" cy="361665"/>
+                </a:xfrm>
+              </p:grpSpPr>
+              <p:sp>
+                <p:nvSpPr>
+                  <p:cNvPr id="28" name="TextBox 27">
+                    <a:extLst>
+                      <a:ext uri="{FF2B5EF4-FFF2-40B4-BE49-F238E27FC236}">
+                        <a16:creationId xmlns:a16="http://schemas.microsoft.com/office/drawing/2014/main" id="{14F97EFB-148F-48D8-A67E-DBF4924CF454}"/>
+                      </a:ext>
+                    </a:extLst>
+                  </p:cNvPr>
+                  <p:cNvSpPr txBox="1"/>
+                  <p:nvPr/>
+                </p:nvSpPr>
+                <p:spPr>
+                  <a:xfrm rot="16200000">
+                    <a:off x="898063" y="4958311"/>
+                    <a:ext cx="361665" cy="215444"/>
+                  </a:xfrm>
+                  <a:prstGeom prst="rect">
+                    <a:avLst/>
+                  </a:prstGeom>
+                  <a:noFill/>
+                </p:spPr>
+                <p:txBody>
+                  <a:bodyPr wrap="square" rtlCol="0">
+                    <a:spAutoFit/>
+                  </a:bodyPr>
+                  <a:lstStyle/>
+                  <a:p>
+                    <a:r>
+                      <a:rPr lang="en-US" sz="800" dirty="0">
+                        <a:latin typeface="Helvetica" pitchFamily="2" charset="0"/>
+                      </a:rPr>
+                      <a:t>SCBI</a:t>
+                    </a:r>
+                  </a:p>
+                </p:txBody>
+              </p:sp>
+              <p:sp>
+                <p:nvSpPr>
+                  <p:cNvPr id="29" name="Rectangle 28">
+                    <a:extLst>
+                      <a:ext uri="{FF2B5EF4-FFF2-40B4-BE49-F238E27FC236}">
+                        <a16:creationId xmlns:a16="http://schemas.microsoft.com/office/drawing/2014/main" id="{E78B84E7-3CF5-40B1-8099-7777BCDF812C}"/>
+                      </a:ext>
+                    </a:extLst>
+                  </p:cNvPr>
+                  <p:cNvSpPr/>
+                  <p:nvPr/>
+                </p:nvSpPr>
+                <p:spPr>
+                  <a:xfrm>
+                    <a:off x="1334079" y="5084485"/>
+                    <a:ext cx="1988516" cy="78979"/>
+                  </a:xfrm>
+                  <a:prstGeom prst="rect">
+                    <a:avLst/>
+                  </a:prstGeom>
+                  <a:noFill/>
+                  <a:ln>
+                    <a:solidFill>
+                      <a:schemeClr val="tx1"/>
+                    </a:solidFill>
+                  </a:ln>
+                </p:spPr>
+                <p:style>
+                  <a:lnRef idx="2">
+                    <a:schemeClr val="accent1">
+                      <a:shade val="50000"/>
+                    </a:schemeClr>
+                  </a:lnRef>
+                  <a:fillRef idx="1">
+                    <a:schemeClr val="accent1"/>
+                  </a:fillRef>
+                  <a:effectRef idx="0">
+                    <a:schemeClr val="accent1"/>
+                  </a:effectRef>
+                  <a:fontRef idx="minor">
+                    <a:schemeClr val="lt1"/>
+                  </a:fontRef>
+                </p:style>
+                <p:txBody>
+                  <a:bodyPr rtlCol="0" anchor="ctr"/>
+                  <a:lstStyle/>
+                  <a:p>
+                    <a:pPr algn="ctr"/>
+                    <a:endParaRPr lang="en-US" sz="1000">
+                      <a:latin typeface="Helvetica" pitchFamily="2" charset="0"/>
+                    </a:endParaRPr>
+                  </a:p>
+                </p:txBody>
+              </p:sp>
+              <p:cxnSp>
+                <p:nvCxnSpPr>
+                  <p:cNvPr id="30" name="Straight Connector 29">
+                    <a:extLst>
+                      <a:ext uri="{FF2B5EF4-FFF2-40B4-BE49-F238E27FC236}">
+                        <a16:creationId xmlns:a16="http://schemas.microsoft.com/office/drawing/2014/main" id="{9AEA6C40-AA50-4404-8556-DAFD5BFF4747}"/>
+                      </a:ext>
+                    </a:extLst>
+                  </p:cNvPr>
+                  <p:cNvCxnSpPr>
+                    <a:cxnSpLocks/>
+                  </p:cNvCxnSpPr>
+                  <p:nvPr/>
+                </p:nvCxnSpPr>
+                <p:spPr>
+                  <a:xfrm>
+                    <a:off x="1149593" y="5073500"/>
+                    <a:ext cx="5129" cy="100949"/>
+                  </a:xfrm>
+                  <a:prstGeom prst="line">
+                    <a:avLst/>
+                  </a:prstGeom>
+                  <a:ln w="12700">
+                    <a:solidFill>
+                      <a:schemeClr val="tx1"/>
+                    </a:solidFill>
+                  </a:ln>
+                </p:spPr>
+                <p:style>
+                  <a:lnRef idx="1">
+                    <a:schemeClr val="accent1"/>
+                  </a:lnRef>
+                  <a:fillRef idx="0">
+                    <a:schemeClr val="accent1"/>
+                  </a:fillRef>
+                  <a:effectRef idx="0">
+                    <a:schemeClr val="accent1"/>
+                  </a:effectRef>
+                  <a:fontRef idx="minor">
+                    <a:schemeClr val="tx1"/>
+                  </a:fontRef>
+                </p:style>
+              </p:cxnSp>
+            </p:grpSp>
+          </p:grpSp>
+          <p:sp>
+            <p:nvSpPr>
+              <p:cNvPr id="33" name="TextBox 32">
+                <a:extLst>
+                  <a:ext uri="{FF2B5EF4-FFF2-40B4-BE49-F238E27FC236}">
+                    <a16:creationId xmlns:a16="http://schemas.microsoft.com/office/drawing/2014/main" id="{55E6B07D-1202-47E5-8A17-9DDDF5CE9668}"/>
+                  </a:ext>
+                </a:extLst>
+              </p:cNvPr>
+              <p:cNvSpPr txBox="1"/>
+              <p:nvPr/>
+            </p:nvSpPr>
+            <p:spPr>
+              <a:xfrm rot="16200000">
+                <a:off x="3351566" y="6020484"/>
+                <a:ext cx="361665" cy="215444"/>
+              </a:xfrm>
+              <a:prstGeom prst="rect">
+                <a:avLst/>
+              </a:prstGeom>
+              <a:noFill/>
+            </p:spPr>
+            <p:txBody>
+              <a:bodyPr wrap="square" rtlCol="0">
+                <a:spAutoFit/>
+              </a:bodyPr>
+              <a:lstStyle/>
+              <a:p>
+                <a:r>
+                  <a:rPr lang="en-US" sz="800" dirty="0">
+                    <a:latin typeface="Helvetica" pitchFamily="2" charset="0"/>
+                  </a:rPr>
+                  <a:t>HF</a:t>
+                </a:r>
+              </a:p>
+            </p:txBody>
+          </p:sp>
+        </p:grpSp>
       </p:grpSp>
     </p:spTree>
     <p:extLst>

--- a/doc/manuscript/tables_figures/tree_rings_figs.pptx
+++ b/doc/manuscript/tables_figures/tree_rings_figs.pptx
@@ -198,7 +198,7 @@
           <a:p>
             <a:fld id="{F70F5402-B2D4-AF48-9284-8FD064B6E26D}" type="datetimeFigureOut">
               <a:rPr lang="en-US" smtClean="0"/>
-              <a:t>9/20/2021</a:t>
+              <a:t>9/20/21</a:t>
             </a:fld>
             <a:endParaRPr lang="en-US"/>
           </a:p>
@@ -684,7 +684,7 @@
           <a:p>
             <a:fld id="{7323833B-5180-444D-893E-57F1CEBFA0E4}" type="datetimeFigureOut">
               <a:rPr lang="en-US" smtClean="0"/>
-              <a:t>9/20/2021</a:t>
+              <a:t>9/20/21</a:t>
             </a:fld>
             <a:endParaRPr lang="en-US"/>
           </a:p>
@@ -854,7 +854,7 @@
           <a:p>
             <a:fld id="{7323833B-5180-444D-893E-57F1CEBFA0E4}" type="datetimeFigureOut">
               <a:rPr lang="en-US" smtClean="0"/>
-              <a:t>9/20/2021</a:t>
+              <a:t>9/20/21</a:t>
             </a:fld>
             <a:endParaRPr lang="en-US"/>
           </a:p>
@@ -1034,7 +1034,7 @@
           <a:p>
             <a:fld id="{7323833B-5180-444D-893E-57F1CEBFA0E4}" type="datetimeFigureOut">
               <a:rPr lang="en-US" smtClean="0"/>
-              <a:t>9/20/2021</a:t>
+              <a:t>9/20/21</a:t>
             </a:fld>
             <a:endParaRPr lang="en-US"/>
           </a:p>
@@ -1204,7 +1204,7 @@
           <a:p>
             <a:fld id="{7323833B-5180-444D-893E-57F1CEBFA0E4}" type="datetimeFigureOut">
               <a:rPr lang="en-US" smtClean="0"/>
-              <a:t>9/20/2021</a:t>
+              <a:t>9/20/21</a:t>
             </a:fld>
             <a:endParaRPr lang="en-US"/>
           </a:p>
@@ -1448,7 +1448,7 @@
           <a:p>
             <a:fld id="{7323833B-5180-444D-893E-57F1CEBFA0E4}" type="datetimeFigureOut">
               <a:rPr lang="en-US" smtClean="0"/>
-              <a:t>9/20/2021</a:t>
+              <a:t>9/20/21</a:t>
             </a:fld>
             <a:endParaRPr lang="en-US"/>
           </a:p>
@@ -1680,7 +1680,7 @@
           <a:p>
             <a:fld id="{7323833B-5180-444D-893E-57F1CEBFA0E4}" type="datetimeFigureOut">
               <a:rPr lang="en-US" smtClean="0"/>
-              <a:t>9/20/2021</a:t>
+              <a:t>9/20/21</a:t>
             </a:fld>
             <a:endParaRPr lang="en-US"/>
           </a:p>
@@ -2047,7 +2047,7 @@
           <a:p>
             <a:fld id="{7323833B-5180-444D-893E-57F1CEBFA0E4}" type="datetimeFigureOut">
               <a:rPr lang="en-US" smtClean="0"/>
-              <a:t>9/20/2021</a:t>
+              <a:t>9/20/21</a:t>
             </a:fld>
             <a:endParaRPr lang="en-US"/>
           </a:p>
@@ -2165,7 +2165,7 @@
           <a:p>
             <a:fld id="{7323833B-5180-444D-893E-57F1CEBFA0E4}" type="datetimeFigureOut">
               <a:rPr lang="en-US" smtClean="0"/>
-              <a:t>9/20/2021</a:t>
+              <a:t>9/20/21</a:t>
             </a:fld>
             <a:endParaRPr lang="en-US"/>
           </a:p>
@@ -2260,7 +2260,7 @@
           <a:p>
             <a:fld id="{7323833B-5180-444D-893E-57F1CEBFA0E4}" type="datetimeFigureOut">
               <a:rPr lang="en-US" smtClean="0"/>
-              <a:t>9/20/2021</a:t>
+              <a:t>9/20/21</a:t>
             </a:fld>
             <a:endParaRPr lang="en-US"/>
           </a:p>
@@ -2537,7 +2537,7 @@
           <a:p>
             <a:fld id="{7323833B-5180-444D-893E-57F1CEBFA0E4}" type="datetimeFigureOut">
               <a:rPr lang="en-US" smtClean="0"/>
-              <a:t>9/20/2021</a:t>
+              <a:t>9/20/21</a:t>
             </a:fld>
             <a:endParaRPr lang="en-US"/>
           </a:p>
@@ -2794,7 +2794,7 @@
           <a:p>
             <a:fld id="{7323833B-5180-444D-893E-57F1CEBFA0E4}" type="datetimeFigureOut">
               <a:rPr lang="en-US" smtClean="0"/>
-              <a:t>9/20/2021</a:t>
+              <a:t>9/20/21</a:t>
             </a:fld>
             <a:endParaRPr lang="en-US"/>
           </a:p>
@@ -3007,7 +3007,7 @@
           <a:p>
             <a:fld id="{7323833B-5180-444D-893E-57F1CEBFA0E4}" type="datetimeFigureOut">
               <a:rPr lang="en-US" smtClean="0"/>
-              <a:t>9/20/2021</a:t>
+              <a:t>9/20/21</a:t>
             </a:fld>
             <a:endParaRPr lang="en-US"/>
           </a:p>
@@ -3538,7 +3538,7 @@
         </p:nvSpPr>
         <p:spPr>
           <a:xfrm rot="16200000">
-            <a:off x="63401" y="3360674"/>
+            <a:off x="279155" y="3360674"/>
             <a:ext cx="1403921" cy="246221"/>
           </a:xfrm>
           <a:prstGeom prst="rect">
@@ -3575,7 +3575,7 @@
         </p:nvSpPr>
         <p:spPr>
           <a:xfrm rot="10800000">
-            <a:off x="279629" y="849714"/>
+            <a:off x="495383" y="726426"/>
             <a:ext cx="362618" cy="5495925"/>
           </a:xfrm>
           <a:prstGeom prst="downArrow">
@@ -3883,7 +3883,7 @@
         </p:nvGrpSpPr>
         <p:grpSpPr>
           <a:xfrm>
-            <a:off x="5848950" y="5679412"/>
+            <a:off x="5848950" y="5586946"/>
             <a:ext cx="912787" cy="680442"/>
             <a:chOff x="5922424" y="6188740"/>
             <a:chExt cx="912787" cy="680442"/>
@@ -4626,7 +4626,7 @@
           </p:nvSpPr>
           <p:spPr>
             <a:xfrm rot="16200000">
-              <a:off x="-73534" y="3809444"/>
+              <a:off x="-11890" y="3809444"/>
               <a:ext cx="1403921" cy="246221"/>
             </a:xfrm>
             <a:prstGeom prst="rect">
@@ -4663,7 +4663,7 @@
           </p:nvSpPr>
           <p:spPr>
             <a:xfrm rot="10800000">
-              <a:off x="142694" y="1298484"/>
+              <a:off x="204338" y="1298484"/>
               <a:ext cx="362618" cy="5495925"/>
             </a:xfrm>
             <a:prstGeom prst="downArrow">

--- a/doc/manuscript/tables_figures/tree_rings_figs.pptx
+++ b/doc/manuscript/tables_figures/tree_rings_figs.pptx
@@ -198,7 +198,7 @@
           <a:p>
             <a:fld id="{F70F5402-B2D4-AF48-9284-8FD064B6E26D}" type="datetimeFigureOut">
               <a:rPr lang="en-US" smtClean="0"/>
-              <a:t>9/20/21</a:t>
+              <a:t>10/15/2021</a:t>
             </a:fld>
             <a:endParaRPr lang="en-US"/>
           </a:p>
@@ -684,7 +684,7 @@
           <a:p>
             <a:fld id="{7323833B-5180-444D-893E-57F1CEBFA0E4}" type="datetimeFigureOut">
               <a:rPr lang="en-US" smtClean="0"/>
-              <a:t>9/20/21</a:t>
+              <a:t>10/15/2021</a:t>
             </a:fld>
             <a:endParaRPr lang="en-US"/>
           </a:p>
@@ -854,7 +854,7 @@
           <a:p>
             <a:fld id="{7323833B-5180-444D-893E-57F1CEBFA0E4}" type="datetimeFigureOut">
               <a:rPr lang="en-US" smtClean="0"/>
-              <a:t>9/20/21</a:t>
+              <a:t>10/15/2021</a:t>
             </a:fld>
             <a:endParaRPr lang="en-US"/>
           </a:p>
@@ -1034,7 +1034,7 @@
           <a:p>
             <a:fld id="{7323833B-5180-444D-893E-57F1CEBFA0E4}" type="datetimeFigureOut">
               <a:rPr lang="en-US" smtClean="0"/>
-              <a:t>9/20/21</a:t>
+              <a:t>10/15/2021</a:t>
             </a:fld>
             <a:endParaRPr lang="en-US"/>
           </a:p>
@@ -1204,7 +1204,7 @@
           <a:p>
             <a:fld id="{7323833B-5180-444D-893E-57F1CEBFA0E4}" type="datetimeFigureOut">
               <a:rPr lang="en-US" smtClean="0"/>
-              <a:t>9/20/21</a:t>
+              <a:t>10/15/2021</a:t>
             </a:fld>
             <a:endParaRPr lang="en-US"/>
           </a:p>
@@ -1448,7 +1448,7 @@
           <a:p>
             <a:fld id="{7323833B-5180-444D-893E-57F1CEBFA0E4}" type="datetimeFigureOut">
               <a:rPr lang="en-US" smtClean="0"/>
-              <a:t>9/20/21</a:t>
+              <a:t>10/15/2021</a:t>
             </a:fld>
             <a:endParaRPr lang="en-US"/>
           </a:p>
@@ -1680,7 +1680,7 @@
           <a:p>
             <a:fld id="{7323833B-5180-444D-893E-57F1CEBFA0E4}" type="datetimeFigureOut">
               <a:rPr lang="en-US" smtClean="0"/>
-              <a:t>9/20/21</a:t>
+              <a:t>10/15/2021</a:t>
             </a:fld>
             <a:endParaRPr lang="en-US"/>
           </a:p>
@@ -2047,7 +2047,7 @@
           <a:p>
             <a:fld id="{7323833B-5180-444D-893E-57F1CEBFA0E4}" type="datetimeFigureOut">
               <a:rPr lang="en-US" smtClean="0"/>
-              <a:t>9/20/21</a:t>
+              <a:t>10/15/2021</a:t>
             </a:fld>
             <a:endParaRPr lang="en-US"/>
           </a:p>
@@ -2165,7 +2165,7 @@
           <a:p>
             <a:fld id="{7323833B-5180-444D-893E-57F1CEBFA0E4}" type="datetimeFigureOut">
               <a:rPr lang="en-US" smtClean="0"/>
-              <a:t>9/20/21</a:t>
+              <a:t>10/15/2021</a:t>
             </a:fld>
             <a:endParaRPr lang="en-US"/>
           </a:p>
@@ -2260,7 +2260,7 @@
           <a:p>
             <a:fld id="{7323833B-5180-444D-893E-57F1CEBFA0E4}" type="datetimeFigureOut">
               <a:rPr lang="en-US" smtClean="0"/>
-              <a:t>9/20/21</a:t>
+              <a:t>10/15/2021</a:t>
             </a:fld>
             <a:endParaRPr lang="en-US"/>
           </a:p>
@@ -2537,7 +2537,7 @@
           <a:p>
             <a:fld id="{7323833B-5180-444D-893E-57F1CEBFA0E4}" type="datetimeFigureOut">
               <a:rPr lang="en-US" smtClean="0"/>
-              <a:t>9/20/21</a:t>
+              <a:t>10/15/2021</a:t>
             </a:fld>
             <a:endParaRPr lang="en-US"/>
           </a:p>
@@ -2794,7 +2794,7 @@
           <a:p>
             <a:fld id="{7323833B-5180-444D-893E-57F1CEBFA0E4}" type="datetimeFigureOut">
               <a:rPr lang="en-US" smtClean="0"/>
-              <a:t>9/20/21</a:t>
+              <a:t>10/15/2021</a:t>
             </a:fld>
             <a:endParaRPr lang="en-US"/>
           </a:p>
@@ -3007,7 +3007,7 @@
           <a:p>
             <a:fld id="{7323833B-5180-444D-893E-57F1CEBFA0E4}" type="datetimeFigureOut">
               <a:rPr lang="en-US" smtClean="0"/>
-              <a:t>9/20/21</a:t>
+              <a:t>10/15/2021</a:t>
             </a:fld>
             <a:endParaRPr lang="en-US"/>
           </a:p>
@@ -3468,10 +3468,10 @@
       </p:sp>
       <p:pic>
         <p:nvPicPr>
-          <p:cNvPr id="12" name="Picture 11" descr="Chart&#10;&#10;Description automatically generated with medium confidence">
+          <p:cNvPr id="5" name="Picture 4">
             <a:extLst>
               <a:ext uri="{FF2B5EF4-FFF2-40B4-BE49-F238E27FC236}">
-                <a16:creationId xmlns:a16="http://schemas.microsoft.com/office/drawing/2014/main" id="{1E9AD601-D291-439C-8AC8-283E3699812A}"/>
+                <a16:creationId xmlns:a16="http://schemas.microsoft.com/office/drawing/2014/main" id="{73935DCE-02CD-4213-9C2B-C27FCABF6898}"/>
               </a:ext>
             </a:extLst>
           </p:cNvPr>
@@ -3482,13 +3482,13 @@
         </p:nvPicPr>
         <p:blipFill rotWithShape="1">
           <a:blip r:embed="rId2"/>
-          <a:srcRect l="1" r="18917"/>
+          <a:srcRect l="11174"/>
           <a:stretch/>
         </p:blipFill>
         <p:spPr>
           <a:xfrm>
-            <a:off x="730106" y="128032"/>
-            <a:ext cx="2706199" cy="6675120"/>
+            <a:off x="3621007" y="129785"/>
+            <a:ext cx="2964636" cy="6723603"/>
           </a:xfrm>
           <a:prstGeom prst="rect">
             <a:avLst/>
@@ -3497,10 +3497,10 @@
       </p:pic>
       <p:pic>
         <p:nvPicPr>
-          <p:cNvPr id="9" name="Picture 8" descr="Graphical user interface, application&#10;&#10;Description automatically generated">
+          <p:cNvPr id="4" name="Picture 3" descr="A picture containing graphical user interface&#10;&#10;Description automatically generated">
             <a:extLst>
               <a:ext uri="{FF2B5EF4-FFF2-40B4-BE49-F238E27FC236}">
-                <a16:creationId xmlns:a16="http://schemas.microsoft.com/office/drawing/2014/main" id="{0F8AB4F6-A775-44B0-8CF9-A55A46455721}"/>
+                <a16:creationId xmlns:a16="http://schemas.microsoft.com/office/drawing/2014/main" id="{AD3E9CCF-AA7C-4665-81E3-97F23BB565DD}"/>
               </a:ext>
             </a:extLst>
           </p:cNvPr>
@@ -3511,13 +3511,13 @@
         </p:nvPicPr>
         <p:blipFill rotWithShape="1">
           <a:blip r:embed="rId3"/>
-          <a:srcRect l="11129"/>
+          <a:srcRect l="12104" t="300" r="21330" b="226"/>
           <a:stretch/>
         </p:blipFill>
         <p:spPr>
           <a:xfrm>
-            <a:off x="3615961" y="105027"/>
-            <a:ext cx="2966120" cy="6675120"/>
+            <a:off x="1127235" y="146225"/>
+            <a:ext cx="2233389" cy="6675120"/>
           </a:xfrm>
           <a:prstGeom prst="rect">
             <a:avLst/>
@@ -3786,7 +3786,7 @@
         </p:nvSpPr>
         <p:spPr>
           <a:xfrm>
-            <a:off x="1334078" y="4838826"/>
+            <a:off x="1334078" y="4843406"/>
             <a:ext cx="1988516" cy="91949"/>
           </a:xfrm>
           <a:prstGeom prst="rect">
@@ -4092,7 +4092,7 @@
         </p:nvGrpSpPr>
         <p:grpSpPr>
           <a:xfrm>
-            <a:off x="3490156" y="4994396"/>
+            <a:off x="3503704" y="5065298"/>
             <a:ext cx="2337892" cy="680442"/>
             <a:chOff x="984703" y="4847806"/>
             <a:chExt cx="2337892" cy="361665"/>
@@ -4247,7 +4247,7 @@
         </p:nvGrpSpPr>
         <p:grpSpPr>
           <a:xfrm>
-            <a:off x="3497377" y="1306886"/>
+            <a:off x="3497377" y="1341603"/>
             <a:ext cx="2351421" cy="680442"/>
             <a:chOff x="971174" y="4885200"/>
             <a:chExt cx="2351421" cy="361665"/>
@@ -4498,12 +4498,686 @@
           <a:chExt cx="0" cy="0"/>
         </a:xfrm>
       </p:grpSpPr>
+      <p:sp>
+        <p:nvSpPr>
+          <p:cNvPr id="6" name="Rectangle 5">
+            <a:extLst>
+              <a:ext uri="{FF2B5EF4-FFF2-40B4-BE49-F238E27FC236}">
+                <a16:creationId xmlns:a16="http://schemas.microsoft.com/office/drawing/2014/main" id="{2827099A-799C-4D2C-AD9D-F9A8D8DA4D6D}"/>
+              </a:ext>
+            </a:extLst>
+          </p:cNvPr>
+          <p:cNvSpPr/>
+          <p:nvPr/>
+        </p:nvSpPr>
+        <p:spPr>
+          <a:xfrm>
+            <a:off x="-120977" y="59767"/>
+            <a:ext cx="7151427" cy="7937970"/>
+          </a:xfrm>
+          <a:prstGeom prst="rect">
+            <a:avLst/>
+          </a:prstGeom>
+          <a:solidFill>
+            <a:schemeClr val="bg1"/>
+          </a:solidFill>
+          <a:ln>
+            <a:solidFill>
+              <a:schemeClr val="bg1"/>
+            </a:solidFill>
+          </a:ln>
+        </p:spPr>
+        <p:style>
+          <a:lnRef idx="2">
+            <a:schemeClr val="accent1">
+              <a:shade val="50000"/>
+            </a:schemeClr>
+          </a:lnRef>
+          <a:fillRef idx="1">
+            <a:schemeClr val="accent1"/>
+          </a:fillRef>
+          <a:effectRef idx="0">
+            <a:schemeClr val="accent1"/>
+          </a:effectRef>
+          <a:fontRef idx="minor">
+            <a:schemeClr val="lt1"/>
+          </a:fontRef>
+        </p:style>
+        <p:txBody>
+          <a:bodyPr rtlCol="0" anchor="ctr"/>
+          <a:lstStyle/>
+          <a:p>
+            <a:pPr algn="ctr"/>
+            <a:endParaRPr lang="en-US"/>
+          </a:p>
+        </p:txBody>
+      </p:sp>
+      <p:pic>
+        <p:nvPicPr>
+          <p:cNvPr id="4" name="Picture 3" descr="Chart&#10;&#10;Description automatically generated">
+            <a:extLst>
+              <a:ext uri="{FF2B5EF4-FFF2-40B4-BE49-F238E27FC236}">
+                <a16:creationId xmlns:a16="http://schemas.microsoft.com/office/drawing/2014/main" id="{1D60A4B1-017F-4397-92EA-22C7D6266CA7}"/>
+              </a:ext>
+            </a:extLst>
+          </p:cNvPr>
+          <p:cNvPicPr>
+            <a:picLocks noChangeAspect="1"/>
+          </p:cNvPicPr>
+          <p:nvPr/>
+        </p:nvPicPr>
+        <p:blipFill rotWithShape="1">
+          <a:blip r:embed="rId3"/>
+          <a:srcRect l="12783" t="3545" r="20967" b="8122"/>
+          <a:stretch/>
+        </p:blipFill>
+        <p:spPr>
+          <a:xfrm>
+            <a:off x="879087" y="718133"/>
+            <a:ext cx="2304289" cy="6131984"/>
+          </a:xfrm>
+          <a:prstGeom prst="rect">
+            <a:avLst/>
+          </a:prstGeom>
+        </p:spPr>
+      </p:pic>
+      <p:pic>
+        <p:nvPicPr>
+          <p:cNvPr id="2" name="Picture 1">
+            <a:extLst>
+              <a:ext uri="{FF2B5EF4-FFF2-40B4-BE49-F238E27FC236}">
+                <a16:creationId xmlns:a16="http://schemas.microsoft.com/office/drawing/2014/main" id="{87DB3CF3-BB23-49EF-B6FB-6F71FE6B9BA0}"/>
+              </a:ext>
+            </a:extLst>
+          </p:cNvPr>
+          <p:cNvPicPr>
+            <a:picLocks noChangeAspect="1"/>
+          </p:cNvPicPr>
+          <p:nvPr/>
+        </p:nvPicPr>
+        <p:blipFill rotWithShape="1">
+          <a:blip r:embed="rId4"/>
+          <a:srcRect l="12192" t="3585" r="3657" b="7547"/>
+          <a:stretch/>
+        </p:blipFill>
+        <p:spPr>
+          <a:xfrm>
+            <a:off x="3400396" y="721213"/>
+            <a:ext cx="2909307" cy="6144768"/>
+          </a:xfrm>
+          <a:prstGeom prst="rect">
+            <a:avLst/>
+          </a:prstGeom>
+        </p:spPr>
+      </p:pic>
+      <p:sp>
+        <p:nvSpPr>
+          <p:cNvPr id="8" name="TextBox 7">
+            <a:extLst>
+              <a:ext uri="{FF2B5EF4-FFF2-40B4-BE49-F238E27FC236}">
+                <a16:creationId xmlns:a16="http://schemas.microsoft.com/office/drawing/2014/main" id="{B2960B18-C375-1844-B59E-B66AAF22394A}"/>
+              </a:ext>
+            </a:extLst>
+          </p:cNvPr>
+          <p:cNvSpPr txBox="1"/>
+          <p:nvPr/>
+        </p:nvSpPr>
+        <p:spPr>
+          <a:xfrm>
+            <a:off x="3532396" y="427058"/>
+            <a:ext cx="2238459" cy="246221"/>
+          </a:xfrm>
+          <a:prstGeom prst="rect">
+            <a:avLst/>
+          </a:prstGeom>
+          <a:solidFill>
+            <a:schemeClr val="bg1"/>
+          </a:solidFill>
+        </p:spPr>
+        <p:txBody>
+          <a:bodyPr wrap="square" rtlCol="0">
+            <a:spAutoFit/>
+          </a:bodyPr>
+          <a:lstStyle/>
+          <a:p>
+            <a:pPr algn="ctr"/>
+            <a:r>
+              <a:rPr lang="en-US" sz="1000" dirty="0">
+                <a:latin typeface="Helvetica" pitchFamily="2" charset="0"/>
+              </a:rPr>
+              <a:t>Diffuse porous</a:t>
+            </a:r>
+          </a:p>
+        </p:txBody>
+      </p:sp>
+      <p:sp>
+        <p:nvSpPr>
+          <p:cNvPr id="27" name="TextBox 26">
+            <a:extLst>
+              <a:ext uri="{FF2B5EF4-FFF2-40B4-BE49-F238E27FC236}">
+                <a16:creationId xmlns:a16="http://schemas.microsoft.com/office/drawing/2014/main" id="{B2491FE7-9723-CD46-9B89-7050774C27C9}"/>
+              </a:ext>
+            </a:extLst>
+          </p:cNvPr>
+          <p:cNvSpPr txBox="1"/>
+          <p:nvPr/>
+        </p:nvSpPr>
+        <p:spPr>
+          <a:xfrm rot="16200000">
+            <a:off x="-11890" y="3727558"/>
+            <a:ext cx="1403921" cy="246221"/>
+          </a:xfrm>
+          <a:prstGeom prst="rect">
+            <a:avLst/>
+          </a:prstGeom>
+          <a:noFill/>
+        </p:spPr>
+        <p:txBody>
+          <a:bodyPr wrap="square" rtlCol="0">
+            <a:spAutoFit/>
+          </a:bodyPr>
+          <a:lstStyle/>
+          <a:p>
+            <a:r>
+              <a:rPr lang="en-US" sz="1000" b="1" dirty="0">
+                <a:latin typeface="Helvetica" pitchFamily="2" charset="0"/>
+              </a:rPr>
+              <a:t>Chronology number</a:t>
+            </a:r>
+          </a:p>
+        </p:txBody>
+      </p:sp>
+      <p:sp>
+        <p:nvSpPr>
+          <p:cNvPr id="34" name="Down Arrow 33">
+            <a:extLst>
+              <a:ext uri="{FF2B5EF4-FFF2-40B4-BE49-F238E27FC236}">
+                <a16:creationId xmlns:a16="http://schemas.microsoft.com/office/drawing/2014/main" id="{F1B13D42-2553-8148-87B1-32BA355FB23F}"/>
+              </a:ext>
+            </a:extLst>
+          </p:cNvPr>
+          <p:cNvSpPr/>
+          <p:nvPr/>
+        </p:nvSpPr>
+        <p:spPr>
+          <a:xfrm rot="10800000">
+            <a:off x="204338" y="1216598"/>
+            <a:ext cx="362618" cy="5495925"/>
+          </a:xfrm>
+          <a:prstGeom prst="downArrow">
+            <a:avLst/>
+          </a:prstGeom>
+          <a:gradFill>
+            <a:gsLst>
+              <a:gs pos="0">
+                <a:schemeClr val="accent1">
+                  <a:lumMod val="40000"/>
+                  <a:lumOff val="60000"/>
+                </a:schemeClr>
+              </a:gs>
+              <a:gs pos="100000">
+                <a:srgbClr val="C00000"/>
+              </a:gs>
+            </a:gsLst>
+            <a:lin ang="5400000" scaled="1"/>
+          </a:gradFill>
+          <a:ln>
+            <a:solidFill>
+              <a:schemeClr val="tx1"/>
+            </a:solidFill>
+          </a:ln>
+        </p:spPr>
+        <p:style>
+          <a:lnRef idx="2">
+            <a:schemeClr val="accent1">
+              <a:shade val="50000"/>
+            </a:schemeClr>
+          </a:lnRef>
+          <a:fillRef idx="1">
+            <a:schemeClr val="accent1"/>
+          </a:fillRef>
+          <a:effectRef idx="0">
+            <a:schemeClr val="accent1"/>
+          </a:effectRef>
+          <a:fontRef idx="minor">
+            <a:schemeClr val="lt1"/>
+          </a:fontRef>
+        </p:style>
+        <p:txBody>
+          <a:bodyPr vert="vert" rtlCol="0" anchor="ctr"/>
+          <a:lstStyle/>
+          <a:p>
+            <a:pPr algn="ctr"/>
+            <a:r>
+              <a:rPr lang="en-US" sz="1000" dirty="0">
+                <a:solidFill>
+                  <a:schemeClr val="bg1"/>
+                </a:solidFill>
+                <a:latin typeface="Helvetica" pitchFamily="2" charset="0"/>
+              </a:rPr>
+              <a:t>April </a:t>
+            </a:r>
+            <a:r>
+              <a:rPr lang="en-US" sz="1000" i="1" dirty="0">
+                <a:solidFill>
+                  <a:schemeClr val="bg1"/>
+                </a:solidFill>
+                <a:latin typeface="Helvetica" pitchFamily="2" charset="0"/>
+              </a:rPr>
+              <a:t>T</a:t>
+            </a:r>
+            <a:r>
+              <a:rPr lang="en-US" sz="1000" baseline="-25000" dirty="0">
+                <a:solidFill>
+                  <a:schemeClr val="bg1"/>
+                </a:solidFill>
+                <a:latin typeface="Helvetica" pitchFamily="2" charset="0"/>
+              </a:rPr>
+              <a:t>max</a:t>
+            </a:r>
+            <a:endParaRPr lang="en-US" sz="1000" dirty="0">
+              <a:solidFill>
+                <a:schemeClr val="bg1"/>
+              </a:solidFill>
+              <a:latin typeface="Helvetica" pitchFamily="2" charset="0"/>
+            </a:endParaRPr>
+          </a:p>
+        </p:txBody>
+      </p:sp>
+      <p:sp>
+        <p:nvSpPr>
+          <p:cNvPr id="35" name="TextBox 34">
+            <a:extLst>
+              <a:ext uri="{FF2B5EF4-FFF2-40B4-BE49-F238E27FC236}">
+                <a16:creationId xmlns:a16="http://schemas.microsoft.com/office/drawing/2014/main" id="{65F0C768-21DB-D44F-AEAE-24F169336050}"/>
+              </a:ext>
+            </a:extLst>
+          </p:cNvPr>
+          <p:cNvSpPr txBox="1"/>
+          <p:nvPr/>
+        </p:nvSpPr>
+        <p:spPr>
+          <a:xfrm>
+            <a:off x="918421" y="1313608"/>
+            <a:ext cx="278722" cy="246221"/>
+          </a:xfrm>
+          <a:prstGeom prst="rect">
+            <a:avLst/>
+          </a:prstGeom>
+          <a:noFill/>
+        </p:spPr>
+        <p:txBody>
+          <a:bodyPr wrap="square" rtlCol="0">
+            <a:spAutoFit/>
+          </a:bodyPr>
+          <a:lstStyle/>
+          <a:p>
+            <a:r>
+              <a:rPr lang="en-US" sz="1000" dirty="0">
+                <a:solidFill>
+                  <a:schemeClr val="bg1"/>
+                </a:solidFill>
+                <a:latin typeface="Helvetica" pitchFamily="2" charset="0"/>
+              </a:rPr>
+              <a:t>+</a:t>
+            </a:r>
+          </a:p>
+        </p:txBody>
+      </p:sp>
+      <p:sp>
+        <p:nvSpPr>
+          <p:cNvPr id="36" name="TextBox 35">
+            <a:extLst>
+              <a:ext uri="{FF2B5EF4-FFF2-40B4-BE49-F238E27FC236}">
+                <a16:creationId xmlns:a16="http://schemas.microsoft.com/office/drawing/2014/main" id="{E66F3C2C-0438-704F-8115-C4DD961551A2}"/>
+              </a:ext>
+            </a:extLst>
+          </p:cNvPr>
+          <p:cNvSpPr txBox="1"/>
+          <p:nvPr/>
+        </p:nvSpPr>
+        <p:spPr>
+          <a:xfrm>
+            <a:off x="908687" y="7751516"/>
+            <a:ext cx="278722" cy="246221"/>
+          </a:xfrm>
+          <a:prstGeom prst="rect">
+            <a:avLst/>
+          </a:prstGeom>
+          <a:noFill/>
+        </p:spPr>
+        <p:txBody>
+          <a:bodyPr wrap="square" rtlCol="0">
+            <a:spAutoFit/>
+          </a:bodyPr>
+          <a:lstStyle/>
+          <a:p>
+            <a:r>
+              <a:rPr lang="en-US" sz="1000" dirty="0">
+                <a:solidFill>
+                  <a:schemeClr val="bg1"/>
+                </a:solidFill>
+                <a:latin typeface="Helvetica" pitchFamily="2" charset="0"/>
+              </a:rPr>
+              <a:t>-</a:t>
+            </a:r>
+          </a:p>
+        </p:txBody>
+      </p:sp>
+      <p:sp>
+        <p:nvSpPr>
+          <p:cNvPr id="7" name="TextBox 6">
+            <a:extLst>
+              <a:ext uri="{FF2B5EF4-FFF2-40B4-BE49-F238E27FC236}">
+                <a16:creationId xmlns:a16="http://schemas.microsoft.com/office/drawing/2014/main" id="{8194A473-9ED4-A64B-A417-3BC1BA03E003}"/>
+              </a:ext>
+            </a:extLst>
+          </p:cNvPr>
+          <p:cNvSpPr txBox="1"/>
+          <p:nvPr/>
+        </p:nvSpPr>
+        <p:spPr>
+          <a:xfrm>
+            <a:off x="1088216" y="471912"/>
+            <a:ext cx="1831340" cy="246221"/>
+          </a:xfrm>
+          <a:prstGeom prst="rect">
+            <a:avLst/>
+          </a:prstGeom>
+          <a:solidFill>
+            <a:schemeClr val="bg1"/>
+          </a:solidFill>
+        </p:spPr>
+        <p:txBody>
+          <a:bodyPr wrap="square" rtlCol="0">
+            <a:spAutoFit/>
+          </a:bodyPr>
+          <a:lstStyle/>
+          <a:p>
+            <a:pPr algn="ctr"/>
+            <a:r>
+              <a:rPr lang="en-US" sz="1000" dirty="0">
+                <a:latin typeface="Helvetica" pitchFamily="2" charset="0"/>
+              </a:rPr>
+              <a:t>Ring porous</a:t>
+            </a:r>
+          </a:p>
+        </p:txBody>
+      </p:sp>
+      <p:sp>
+        <p:nvSpPr>
+          <p:cNvPr id="17" name="Rectangle 16">
+            <a:extLst>
+              <a:ext uri="{FF2B5EF4-FFF2-40B4-BE49-F238E27FC236}">
+                <a16:creationId xmlns:a16="http://schemas.microsoft.com/office/drawing/2014/main" id="{F1AB3D8F-661B-4BC4-88E1-2742AA06D2AE}"/>
+              </a:ext>
+            </a:extLst>
+          </p:cNvPr>
+          <p:cNvSpPr/>
+          <p:nvPr/>
+        </p:nvSpPr>
+        <p:spPr>
+          <a:xfrm>
+            <a:off x="1060423" y="5365684"/>
+            <a:ext cx="2081821" cy="91949"/>
+          </a:xfrm>
+          <a:prstGeom prst="rect">
+            <a:avLst/>
+          </a:prstGeom>
+          <a:noFill/>
+          <a:ln>
+            <a:solidFill>
+              <a:schemeClr val="tx1"/>
+            </a:solidFill>
+          </a:ln>
+        </p:spPr>
+        <p:style>
+          <a:lnRef idx="2">
+            <a:schemeClr val="accent1">
+              <a:shade val="50000"/>
+            </a:schemeClr>
+          </a:lnRef>
+          <a:fillRef idx="1">
+            <a:schemeClr val="accent1"/>
+          </a:fillRef>
+          <a:effectRef idx="0">
+            <a:schemeClr val="accent1"/>
+          </a:effectRef>
+          <a:fontRef idx="minor">
+            <a:schemeClr val="lt1"/>
+          </a:fontRef>
+        </p:style>
+        <p:txBody>
+          <a:bodyPr rtlCol="0" anchor="ctr"/>
+          <a:lstStyle/>
+          <a:p>
+            <a:pPr algn="ctr"/>
+            <a:endParaRPr lang="en-US" sz="1000" dirty="0">
+              <a:latin typeface="Helvetica" pitchFamily="2" charset="0"/>
+            </a:endParaRPr>
+          </a:p>
+        </p:txBody>
+      </p:sp>
+      <p:sp>
+        <p:nvSpPr>
+          <p:cNvPr id="19" name="TextBox 18">
+            <a:extLst>
+              <a:ext uri="{FF2B5EF4-FFF2-40B4-BE49-F238E27FC236}">
+                <a16:creationId xmlns:a16="http://schemas.microsoft.com/office/drawing/2014/main" id="{D0707454-4F2C-43EC-88FB-E277C6C27CC1}"/>
+              </a:ext>
+            </a:extLst>
+          </p:cNvPr>
+          <p:cNvSpPr txBox="1"/>
+          <p:nvPr/>
+        </p:nvSpPr>
+        <p:spPr>
+          <a:xfrm rot="16200000">
+            <a:off x="609644" y="5260479"/>
+            <a:ext cx="361665" cy="215444"/>
+          </a:xfrm>
+          <a:prstGeom prst="rect">
+            <a:avLst/>
+          </a:prstGeom>
+          <a:noFill/>
+        </p:spPr>
+        <p:txBody>
+          <a:bodyPr wrap="square" rtlCol="0">
+            <a:spAutoFit/>
+          </a:bodyPr>
+          <a:lstStyle/>
+          <a:p>
+            <a:r>
+              <a:rPr lang="en-US" sz="800" dirty="0">
+                <a:latin typeface="Helvetica" pitchFamily="2" charset="0"/>
+              </a:rPr>
+              <a:t>HF</a:t>
+            </a:r>
+          </a:p>
+        </p:txBody>
+      </p:sp>
+      <p:cxnSp>
+        <p:nvCxnSpPr>
+          <p:cNvPr id="20" name="Straight Connector 19">
+            <a:extLst>
+              <a:ext uri="{FF2B5EF4-FFF2-40B4-BE49-F238E27FC236}">
+                <a16:creationId xmlns:a16="http://schemas.microsoft.com/office/drawing/2014/main" id="{5276D36B-91EB-4F2D-AC7D-1DA02A19A556}"/>
+              </a:ext>
+            </a:extLst>
+          </p:cNvPr>
+          <p:cNvCxnSpPr>
+            <a:cxnSpLocks/>
+          </p:cNvCxnSpPr>
+          <p:nvPr/>
+        </p:nvCxnSpPr>
+        <p:spPr>
+          <a:xfrm>
+            <a:off x="874462" y="5342778"/>
+            <a:ext cx="0" cy="124987"/>
+          </a:xfrm>
+          <a:prstGeom prst="line">
+            <a:avLst/>
+          </a:prstGeom>
+          <a:ln w="12700">
+            <a:solidFill>
+              <a:schemeClr val="tx1"/>
+            </a:solidFill>
+          </a:ln>
+        </p:spPr>
+        <p:style>
+          <a:lnRef idx="1">
+            <a:schemeClr val="accent1"/>
+          </a:lnRef>
+          <a:fillRef idx="0">
+            <a:schemeClr val="accent1"/>
+          </a:fillRef>
+          <a:effectRef idx="0">
+            <a:schemeClr val="accent1"/>
+          </a:effectRef>
+          <a:fontRef idx="minor">
+            <a:schemeClr val="tx1"/>
+          </a:fontRef>
+        </p:style>
+      </p:cxnSp>
+      <p:sp>
+        <p:nvSpPr>
+          <p:cNvPr id="23" name="Rectangle 22">
+            <a:extLst>
+              <a:ext uri="{FF2B5EF4-FFF2-40B4-BE49-F238E27FC236}">
+                <a16:creationId xmlns:a16="http://schemas.microsoft.com/office/drawing/2014/main" id="{55173A8E-43FB-481F-AF18-3ED7EA457849}"/>
+              </a:ext>
+            </a:extLst>
+          </p:cNvPr>
+          <p:cNvSpPr/>
+          <p:nvPr/>
+        </p:nvSpPr>
+        <p:spPr>
+          <a:xfrm>
+            <a:off x="1057782" y="1695983"/>
+            <a:ext cx="2078072" cy="393064"/>
+          </a:xfrm>
+          <a:prstGeom prst="rect">
+            <a:avLst/>
+          </a:prstGeom>
+          <a:noFill/>
+          <a:ln>
+            <a:solidFill>
+              <a:schemeClr val="tx1"/>
+            </a:solidFill>
+          </a:ln>
+        </p:spPr>
+        <p:style>
+          <a:lnRef idx="2">
+            <a:schemeClr val="accent1">
+              <a:shade val="50000"/>
+            </a:schemeClr>
+          </a:lnRef>
+          <a:fillRef idx="1">
+            <a:schemeClr val="accent1"/>
+          </a:fillRef>
+          <a:effectRef idx="0">
+            <a:schemeClr val="accent1"/>
+          </a:effectRef>
+          <a:fontRef idx="minor">
+            <a:schemeClr val="lt1"/>
+          </a:fontRef>
+        </p:style>
+        <p:txBody>
+          <a:bodyPr rtlCol="0" anchor="ctr"/>
+          <a:lstStyle/>
+          <a:p>
+            <a:pPr algn="ctr"/>
+            <a:endParaRPr lang="en-US" sz="1000">
+              <a:latin typeface="Helvetica" pitchFamily="2" charset="0"/>
+            </a:endParaRPr>
+          </a:p>
+        </p:txBody>
+      </p:sp>
+      <p:cxnSp>
+        <p:nvCxnSpPr>
+          <p:cNvPr id="24" name="Straight Connector 23">
+            <a:extLst>
+              <a:ext uri="{FF2B5EF4-FFF2-40B4-BE49-F238E27FC236}">
+                <a16:creationId xmlns:a16="http://schemas.microsoft.com/office/drawing/2014/main" id="{111264E6-2520-49AD-82E5-092A0941ABE5}"/>
+              </a:ext>
+            </a:extLst>
+          </p:cNvPr>
+          <p:cNvCxnSpPr>
+            <a:cxnSpLocks/>
+          </p:cNvCxnSpPr>
+          <p:nvPr/>
+        </p:nvCxnSpPr>
+        <p:spPr>
+          <a:xfrm>
+            <a:off x="831545" y="1723429"/>
+            <a:ext cx="0" cy="352122"/>
+          </a:xfrm>
+          <a:prstGeom prst="line">
+            <a:avLst/>
+          </a:prstGeom>
+          <a:ln w="12700">
+            <a:solidFill>
+              <a:schemeClr val="tx1"/>
+            </a:solidFill>
+          </a:ln>
+        </p:spPr>
+        <p:style>
+          <a:lnRef idx="1">
+            <a:schemeClr val="accent1"/>
+          </a:lnRef>
+          <a:fillRef idx="0">
+            <a:schemeClr val="accent1"/>
+          </a:fillRef>
+          <a:effectRef idx="0">
+            <a:schemeClr val="accent1"/>
+          </a:effectRef>
+          <a:fontRef idx="minor">
+            <a:schemeClr val="tx1"/>
+          </a:fontRef>
+        </p:style>
+      </p:cxnSp>
+      <p:sp>
+        <p:nvSpPr>
+          <p:cNvPr id="25" name="TextBox 24">
+            <a:extLst>
+              <a:ext uri="{FF2B5EF4-FFF2-40B4-BE49-F238E27FC236}">
+                <a16:creationId xmlns:a16="http://schemas.microsoft.com/office/drawing/2014/main" id="{AD4EB588-31C5-4B56-89C0-515E302CC901}"/>
+              </a:ext>
+            </a:extLst>
+          </p:cNvPr>
+          <p:cNvSpPr txBox="1"/>
+          <p:nvPr/>
+        </p:nvSpPr>
+        <p:spPr>
+          <a:xfrm rot="16200000">
+            <a:off x="426306" y="1704823"/>
+            <a:ext cx="638692" cy="215444"/>
+          </a:xfrm>
+          <a:prstGeom prst="rect">
+            <a:avLst/>
+          </a:prstGeom>
+          <a:noFill/>
+        </p:spPr>
+        <p:txBody>
+          <a:bodyPr wrap="square" rtlCol="0">
+            <a:spAutoFit/>
+          </a:bodyPr>
+          <a:lstStyle/>
+          <a:p>
+            <a:r>
+              <a:rPr lang="en-US" sz="800" dirty="0">
+                <a:latin typeface="Helvetica" pitchFamily="2" charset="0"/>
+              </a:rPr>
+              <a:t>SCBI</a:t>
+            </a:r>
+          </a:p>
+        </p:txBody>
+      </p:sp>
       <p:grpSp>
         <p:nvGrpSpPr>
-          <p:cNvPr id="31" name="Group 30">
+          <p:cNvPr id="14" name="Group 13">
             <a:extLst>
               <a:ext uri="{FF2B5EF4-FFF2-40B4-BE49-F238E27FC236}">
-                <a16:creationId xmlns:a16="http://schemas.microsoft.com/office/drawing/2014/main" id="{5ECB5476-59C7-4786-889C-231EAB50583A}"/>
+                <a16:creationId xmlns:a16="http://schemas.microsoft.com/office/drawing/2014/main" id="{C71D9C81-2CDC-0845-8F78-2B540C874A74}"/>
               </a:ext>
             </a:extLst>
           </p:cNvPr>
@@ -4512,18 +5186,48 @@
         </p:nvGrpSpPr>
         <p:grpSpPr>
           <a:xfrm>
-            <a:off x="-120977" y="59767"/>
-            <a:ext cx="7151427" cy="7937970"/>
-            <a:chOff x="-120977" y="141653"/>
-            <a:chExt cx="7151427" cy="7937970"/>
+            <a:off x="5733049" y="6185539"/>
+            <a:ext cx="912787" cy="680442"/>
+            <a:chOff x="5922424" y="6188740"/>
+            <a:chExt cx="912787" cy="680442"/>
           </a:xfrm>
         </p:grpSpPr>
+        <p:pic>
+          <p:nvPicPr>
+            <p:cNvPr id="15" name="Picture 14">
+              <a:extLst>
+                <a:ext uri="{FF2B5EF4-FFF2-40B4-BE49-F238E27FC236}">
+                  <a16:creationId xmlns:a16="http://schemas.microsoft.com/office/drawing/2014/main" id="{734A9B20-B9BE-C048-85BC-4D6865AE6D01}"/>
+                </a:ext>
+              </a:extLst>
+            </p:cNvPr>
+            <p:cNvPicPr>
+              <a:picLocks noChangeAspect="1"/>
+            </p:cNvPicPr>
+            <p:nvPr/>
+          </p:nvPicPr>
+          <p:blipFill>
+            <a:blip r:embed="rId5"/>
+            <a:stretch>
+              <a:fillRect/>
+            </a:stretch>
+          </p:blipFill>
+          <p:spPr>
+            <a:xfrm>
+              <a:off x="5922424" y="6188740"/>
+              <a:ext cx="912787" cy="680442"/>
+            </a:xfrm>
+            <a:prstGeom prst="rect">
+              <a:avLst/>
+            </a:prstGeom>
+          </p:spPr>
+        </p:pic>
         <p:sp>
           <p:nvSpPr>
-            <p:cNvPr id="6" name="Rectangle 5">
+            <p:cNvPr id="16" name="Rectangle 15">
               <a:extLst>
                 <a:ext uri="{FF2B5EF4-FFF2-40B4-BE49-F238E27FC236}">
-                  <a16:creationId xmlns:a16="http://schemas.microsoft.com/office/drawing/2014/main" id="{2827099A-799C-4D2C-AD9D-F9A8D8DA4D6D}"/>
+                  <a16:creationId xmlns:a16="http://schemas.microsoft.com/office/drawing/2014/main" id="{CD6E4E81-4536-F24B-86D6-24D3C0A52C4B}"/>
                 </a:ext>
               </a:extLst>
             </p:cNvPr>
@@ -4532,8 +5236,8 @@
           </p:nvSpPr>
           <p:spPr>
             <a:xfrm>
-              <a:off x="-120977" y="141653"/>
-              <a:ext cx="7151427" cy="7937970"/>
+              <a:off x="6172419" y="6490907"/>
+              <a:ext cx="129989" cy="121278"/>
             </a:xfrm>
             <a:prstGeom prst="rect">
               <a:avLst/>
@@ -4568,56 +5272,141 @@
             <a:lstStyle/>
             <a:p>
               <a:pPr algn="ctr"/>
-              <a:endParaRPr lang="en-US"/>
-            </a:p>
-          </p:txBody>
-        </p:sp>
-        <p:sp>
-          <p:nvSpPr>
-            <p:cNvPr id="8" name="TextBox 7">
-              <a:extLst>
-                <a:ext uri="{FF2B5EF4-FFF2-40B4-BE49-F238E27FC236}">
-                  <a16:creationId xmlns:a16="http://schemas.microsoft.com/office/drawing/2014/main" id="{B2960B18-C375-1844-B59E-B66AAF22394A}"/>
-                </a:ext>
-              </a:extLst>
-            </p:cNvPr>
-            <p:cNvSpPr txBox="1"/>
-            <p:nvPr/>
-          </p:nvSpPr>
-          <p:spPr>
-            <a:xfrm>
-              <a:off x="3532396" y="508944"/>
-              <a:ext cx="2238459" cy="246221"/>
-            </a:xfrm>
-            <a:prstGeom prst="rect">
-              <a:avLst/>
-            </a:prstGeom>
-            <a:solidFill>
-              <a:schemeClr val="bg1"/>
-            </a:solidFill>
-          </p:spPr>
-          <p:txBody>
-            <a:bodyPr wrap="square" rtlCol="0">
-              <a:spAutoFit/>
-            </a:bodyPr>
-            <a:lstStyle/>
-            <a:p>
-              <a:pPr algn="ctr"/>
               <a:r>
-                <a:rPr lang="en-US" sz="1000" dirty="0">
-                  <a:latin typeface="Helvetica" pitchFamily="2" charset="0"/>
+                <a:rPr lang="en-US" sz="900" dirty="0">
+                  <a:solidFill>
+                    <a:schemeClr val="tx1"/>
+                  </a:solidFill>
                 </a:rPr>
-                <a:t>Diffuse porous</a:t>
+                <a:t>*</a:t>
               </a:r>
             </a:p>
           </p:txBody>
         </p:sp>
+      </p:grpSp>
+      <p:sp>
+        <p:nvSpPr>
+          <p:cNvPr id="18" name="Rectangle 17">
+            <a:extLst>
+              <a:ext uri="{FF2B5EF4-FFF2-40B4-BE49-F238E27FC236}">
+                <a16:creationId xmlns:a16="http://schemas.microsoft.com/office/drawing/2014/main" id="{94D313B5-25D4-4FD4-A0EB-7E2027946522}"/>
+              </a:ext>
+            </a:extLst>
+          </p:cNvPr>
+          <p:cNvSpPr/>
+          <p:nvPr/>
+        </p:nvSpPr>
+        <p:spPr>
+          <a:xfrm>
+            <a:off x="3596085" y="5997044"/>
+            <a:ext cx="2063499" cy="172347"/>
+          </a:xfrm>
+          <a:prstGeom prst="rect">
+            <a:avLst/>
+          </a:prstGeom>
+          <a:noFill/>
+          <a:ln>
+            <a:solidFill>
+              <a:schemeClr val="tx1"/>
+            </a:solidFill>
+          </a:ln>
+        </p:spPr>
+        <p:style>
+          <a:lnRef idx="2">
+            <a:schemeClr val="accent1">
+              <a:shade val="50000"/>
+            </a:schemeClr>
+          </a:lnRef>
+          <a:fillRef idx="1">
+            <a:schemeClr val="accent1"/>
+          </a:fillRef>
+          <a:effectRef idx="0">
+            <a:schemeClr val="accent1"/>
+          </a:effectRef>
+          <a:fontRef idx="minor">
+            <a:schemeClr val="lt1"/>
+          </a:fontRef>
+        </p:style>
+        <p:txBody>
+          <a:bodyPr rtlCol="0" anchor="ctr"/>
+          <a:lstStyle/>
+          <a:p>
+            <a:pPr algn="ctr"/>
+            <a:endParaRPr lang="en-US" sz="1000" dirty="0">
+              <a:latin typeface="Helvetica" pitchFamily="2" charset="0"/>
+            </a:endParaRPr>
+          </a:p>
+        </p:txBody>
+      </p:sp>
+      <p:cxnSp>
+        <p:nvCxnSpPr>
+          <p:cNvPr id="21" name="Straight Connector 20">
+            <a:extLst>
+              <a:ext uri="{FF2B5EF4-FFF2-40B4-BE49-F238E27FC236}">
+                <a16:creationId xmlns:a16="http://schemas.microsoft.com/office/drawing/2014/main" id="{9A39C502-BC8C-45C7-97B1-8E2138FD37A1}"/>
+              </a:ext>
+            </a:extLst>
+          </p:cNvPr>
+          <p:cNvCxnSpPr>
+            <a:cxnSpLocks/>
+          </p:cNvCxnSpPr>
+          <p:nvPr/>
+        </p:nvCxnSpPr>
+        <p:spPr>
+          <a:xfrm>
+            <a:off x="3400396" y="5997044"/>
+            <a:ext cx="0" cy="152916"/>
+          </a:xfrm>
+          <a:prstGeom prst="line">
+            <a:avLst/>
+          </a:prstGeom>
+          <a:ln w="12700">
+            <a:solidFill>
+              <a:schemeClr val="tx1"/>
+            </a:solidFill>
+          </a:ln>
+        </p:spPr>
+        <p:style>
+          <a:lnRef idx="1">
+            <a:schemeClr val="accent1"/>
+          </a:lnRef>
+          <a:fillRef idx="0">
+            <a:schemeClr val="accent1"/>
+          </a:fillRef>
+          <a:effectRef idx="0">
+            <a:schemeClr val="accent1"/>
+          </a:effectRef>
+          <a:fontRef idx="minor">
+            <a:schemeClr val="tx1"/>
+          </a:fontRef>
+        </p:style>
+      </p:cxnSp>
+      <p:grpSp>
+        <p:nvGrpSpPr>
+          <p:cNvPr id="26" name="Group 25">
+            <a:extLst>
+              <a:ext uri="{FF2B5EF4-FFF2-40B4-BE49-F238E27FC236}">
+                <a16:creationId xmlns:a16="http://schemas.microsoft.com/office/drawing/2014/main" id="{748DDA4F-DFDC-4F15-8E4A-D56A72AD8836}"/>
+              </a:ext>
+            </a:extLst>
+          </p:cNvPr>
+          <p:cNvGrpSpPr/>
+          <p:nvPr/>
+        </p:nvGrpSpPr>
+        <p:grpSpPr>
+          <a:xfrm>
+            <a:off x="3231898" y="1735330"/>
+            <a:ext cx="2432132" cy="680442"/>
+            <a:chOff x="971174" y="4885200"/>
+            <a:chExt cx="2351421" cy="361665"/>
+          </a:xfrm>
+        </p:grpSpPr>
         <p:sp>
           <p:nvSpPr>
-            <p:cNvPr id="27" name="TextBox 26">
+            <p:cNvPr id="28" name="TextBox 27">
               <a:extLst>
                 <a:ext uri="{FF2B5EF4-FFF2-40B4-BE49-F238E27FC236}">
-                  <a16:creationId xmlns:a16="http://schemas.microsoft.com/office/drawing/2014/main" id="{B2491FE7-9723-CD46-9B89-7050774C27C9}"/>
+                  <a16:creationId xmlns:a16="http://schemas.microsoft.com/office/drawing/2014/main" id="{14F97EFB-148F-48D8-A67E-DBF4924CF454}"/>
                 </a:ext>
               </a:extLst>
             </p:cNvPr>
@@ -4626,344 +5415,7 @@
           </p:nvSpPr>
           <p:spPr>
             <a:xfrm rot="16200000">
-              <a:off x="-11890" y="3809444"/>
-              <a:ext cx="1403921" cy="246221"/>
-            </a:xfrm>
-            <a:prstGeom prst="rect">
-              <a:avLst/>
-            </a:prstGeom>
-            <a:noFill/>
-          </p:spPr>
-          <p:txBody>
-            <a:bodyPr wrap="square" rtlCol="0">
-              <a:spAutoFit/>
-            </a:bodyPr>
-            <a:lstStyle/>
-            <a:p>
-              <a:r>
-                <a:rPr lang="en-US" sz="1000" b="1" dirty="0">
-                  <a:latin typeface="Helvetica" pitchFamily="2" charset="0"/>
-                </a:rPr>
-                <a:t>Chronology number</a:t>
-              </a:r>
-            </a:p>
-          </p:txBody>
-        </p:sp>
-        <p:sp>
-          <p:nvSpPr>
-            <p:cNvPr id="34" name="Down Arrow 33">
-              <a:extLst>
-                <a:ext uri="{FF2B5EF4-FFF2-40B4-BE49-F238E27FC236}">
-                  <a16:creationId xmlns:a16="http://schemas.microsoft.com/office/drawing/2014/main" id="{F1B13D42-2553-8148-87B1-32BA355FB23F}"/>
-                </a:ext>
-              </a:extLst>
-            </p:cNvPr>
-            <p:cNvSpPr/>
-            <p:nvPr/>
-          </p:nvSpPr>
-          <p:spPr>
-            <a:xfrm rot="10800000">
-              <a:off x="204338" y="1298484"/>
-              <a:ext cx="362618" cy="5495925"/>
-            </a:xfrm>
-            <a:prstGeom prst="downArrow">
-              <a:avLst/>
-            </a:prstGeom>
-            <a:gradFill>
-              <a:gsLst>
-                <a:gs pos="0">
-                  <a:schemeClr val="accent1">
-                    <a:lumMod val="40000"/>
-                    <a:lumOff val="60000"/>
-                  </a:schemeClr>
-                </a:gs>
-                <a:gs pos="100000">
-                  <a:srgbClr val="C00000"/>
-                </a:gs>
-              </a:gsLst>
-              <a:lin ang="5400000" scaled="1"/>
-            </a:gradFill>
-            <a:ln>
-              <a:solidFill>
-                <a:schemeClr val="tx1"/>
-              </a:solidFill>
-            </a:ln>
-          </p:spPr>
-          <p:style>
-            <a:lnRef idx="2">
-              <a:schemeClr val="accent1">
-                <a:shade val="50000"/>
-              </a:schemeClr>
-            </a:lnRef>
-            <a:fillRef idx="1">
-              <a:schemeClr val="accent1"/>
-            </a:fillRef>
-            <a:effectRef idx="0">
-              <a:schemeClr val="accent1"/>
-            </a:effectRef>
-            <a:fontRef idx="minor">
-              <a:schemeClr val="lt1"/>
-            </a:fontRef>
-          </p:style>
-          <p:txBody>
-            <a:bodyPr vert="vert" rtlCol="0" anchor="ctr"/>
-            <a:lstStyle/>
-            <a:p>
-              <a:pPr algn="ctr"/>
-              <a:r>
-                <a:rPr lang="en-US" sz="1000" dirty="0">
-                  <a:solidFill>
-                    <a:schemeClr val="bg1"/>
-                  </a:solidFill>
-                  <a:latin typeface="Helvetica" pitchFamily="2" charset="0"/>
-                </a:rPr>
-                <a:t>April </a:t>
-              </a:r>
-              <a:r>
-                <a:rPr lang="en-US" sz="1000" i="1" dirty="0">
-                  <a:solidFill>
-                    <a:schemeClr val="bg1"/>
-                  </a:solidFill>
-                  <a:latin typeface="Helvetica" pitchFamily="2" charset="0"/>
-                </a:rPr>
-                <a:t>T</a:t>
-              </a:r>
-              <a:r>
-                <a:rPr lang="en-US" sz="1000" baseline="-25000" dirty="0">
-                  <a:solidFill>
-                    <a:schemeClr val="bg1"/>
-                  </a:solidFill>
-                  <a:latin typeface="Helvetica" pitchFamily="2" charset="0"/>
-                </a:rPr>
-                <a:t>max</a:t>
-              </a:r>
-              <a:endParaRPr lang="en-US" sz="1000" dirty="0">
-                <a:solidFill>
-                  <a:schemeClr val="bg1"/>
-                </a:solidFill>
-                <a:latin typeface="Helvetica" pitchFamily="2" charset="0"/>
-              </a:endParaRPr>
-            </a:p>
-          </p:txBody>
-        </p:sp>
-        <p:sp>
-          <p:nvSpPr>
-            <p:cNvPr id="35" name="TextBox 34">
-              <a:extLst>
-                <a:ext uri="{FF2B5EF4-FFF2-40B4-BE49-F238E27FC236}">
-                  <a16:creationId xmlns:a16="http://schemas.microsoft.com/office/drawing/2014/main" id="{65F0C768-21DB-D44F-AEAE-24F169336050}"/>
-                </a:ext>
-              </a:extLst>
-            </p:cNvPr>
-            <p:cNvSpPr txBox="1"/>
-            <p:nvPr/>
-          </p:nvSpPr>
-          <p:spPr>
-            <a:xfrm>
-              <a:off x="918421" y="1395494"/>
-              <a:ext cx="278722" cy="246221"/>
-            </a:xfrm>
-            <a:prstGeom prst="rect">
-              <a:avLst/>
-            </a:prstGeom>
-            <a:noFill/>
-          </p:spPr>
-          <p:txBody>
-            <a:bodyPr wrap="square" rtlCol="0">
-              <a:spAutoFit/>
-            </a:bodyPr>
-            <a:lstStyle/>
-            <a:p>
-              <a:r>
-                <a:rPr lang="en-US" sz="1000" dirty="0">
-                  <a:solidFill>
-                    <a:schemeClr val="bg1"/>
-                  </a:solidFill>
-                  <a:latin typeface="Helvetica" pitchFamily="2" charset="0"/>
-                </a:rPr>
-                <a:t>+</a:t>
-              </a:r>
-            </a:p>
-          </p:txBody>
-        </p:sp>
-        <p:sp>
-          <p:nvSpPr>
-            <p:cNvPr id="36" name="TextBox 35">
-              <a:extLst>
-                <a:ext uri="{FF2B5EF4-FFF2-40B4-BE49-F238E27FC236}">
-                  <a16:creationId xmlns:a16="http://schemas.microsoft.com/office/drawing/2014/main" id="{E66F3C2C-0438-704F-8115-C4DD961551A2}"/>
-                </a:ext>
-              </a:extLst>
-            </p:cNvPr>
-            <p:cNvSpPr txBox="1"/>
-            <p:nvPr/>
-          </p:nvSpPr>
-          <p:spPr>
-            <a:xfrm>
-              <a:off x="908687" y="7833402"/>
-              <a:ext cx="278722" cy="246221"/>
-            </a:xfrm>
-            <a:prstGeom prst="rect">
-              <a:avLst/>
-            </a:prstGeom>
-            <a:noFill/>
-          </p:spPr>
-          <p:txBody>
-            <a:bodyPr wrap="square" rtlCol="0">
-              <a:spAutoFit/>
-            </a:bodyPr>
-            <a:lstStyle/>
-            <a:p>
-              <a:r>
-                <a:rPr lang="en-US" sz="1000" dirty="0">
-                  <a:solidFill>
-                    <a:schemeClr val="bg1"/>
-                  </a:solidFill>
-                  <a:latin typeface="Helvetica" pitchFamily="2" charset="0"/>
-                </a:rPr>
-                <a:t>-</a:t>
-              </a:r>
-            </a:p>
-          </p:txBody>
-        </p:sp>
-        <p:sp>
-          <p:nvSpPr>
-            <p:cNvPr id="7" name="TextBox 6">
-              <a:extLst>
-                <a:ext uri="{FF2B5EF4-FFF2-40B4-BE49-F238E27FC236}">
-                  <a16:creationId xmlns:a16="http://schemas.microsoft.com/office/drawing/2014/main" id="{8194A473-9ED4-A64B-A417-3BC1BA03E003}"/>
-                </a:ext>
-              </a:extLst>
-            </p:cNvPr>
-            <p:cNvSpPr txBox="1"/>
-            <p:nvPr/>
-          </p:nvSpPr>
-          <p:spPr>
-            <a:xfrm>
-              <a:off x="1088216" y="553798"/>
-              <a:ext cx="1831340" cy="246221"/>
-            </a:xfrm>
-            <a:prstGeom prst="rect">
-              <a:avLst/>
-            </a:prstGeom>
-            <a:solidFill>
-              <a:schemeClr val="bg1"/>
-            </a:solidFill>
-          </p:spPr>
-          <p:txBody>
-            <a:bodyPr wrap="square" rtlCol="0">
-              <a:spAutoFit/>
-            </a:bodyPr>
-            <a:lstStyle/>
-            <a:p>
-              <a:pPr algn="ctr"/>
-              <a:r>
-                <a:rPr lang="en-US" sz="1000" dirty="0">
-                  <a:latin typeface="Helvetica" pitchFamily="2" charset="0"/>
-                </a:rPr>
-                <a:t>Ring porous</a:t>
-              </a:r>
-            </a:p>
-          </p:txBody>
-        </p:sp>
-        <p:pic>
-          <p:nvPicPr>
-            <p:cNvPr id="12" name="Picture 11" descr="Chart&#10;&#10;Description automatically generated with medium confidence">
-              <a:extLst>
-                <a:ext uri="{FF2B5EF4-FFF2-40B4-BE49-F238E27FC236}">
-                  <a16:creationId xmlns:a16="http://schemas.microsoft.com/office/drawing/2014/main" id="{9C1C99C1-1886-4AE9-8944-1D8696B484C5}"/>
-                </a:ext>
-              </a:extLst>
-            </p:cNvPr>
-            <p:cNvPicPr>
-              <a:picLocks noChangeAspect="1"/>
-            </p:cNvPicPr>
-            <p:nvPr/>
-          </p:nvPicPr>
-          <p:blipFill rotWithShape="1">
-            <a:blip r:embed="rId3"/>
-            <a:srcRect l="12674" t="3605" r="19907" b="8256"/>
-            <a:stretch/>
-          </p:blipFill>
-          <p:spPr>
-            <a:xfrm>
-              <a:off x="829413" y="761487"/>
-              <a:ext cx="2350058" cy="6144768"/>
-            </a:xfrm>
-            <a:prstGeom prst="rect">
-              <a:avLst/>
-            </a:prstGeom>
-          </p:spPr>
-        </p:pic>
-        <p:sp>
-          <p:nvSpPr>
-            <p:cNvPr id="17" name="Rectangle 16">
-              <a:extLst>
-                <a:ext uri="{FF2B5EF4-FFF2-40B4-BE49-F238E27FC236}">
-                  <a16:creationId xmlns:a16="http://schemas.microsoft.com/office/drawing/2014/main" id="{F1AB3D8F-661B-4BC4-88E1-2742AA06D2AE}"/>
-                </a:ext>
-              </a:extLst>
-            </p:cNvPr>
-            <p:cNvSpPr/>
-            <p:nvPr/>
-          </p:nvSpPr>
-          <p:spPr>
-            <a:xfrm>
-              <a:off x="1012049" y="5428622"/>
-              <a:ext cx="2081821" cy="91949"/>
-            </a:xfrm>
-            <a:prstGeom prst="rect">
-              <a:avLst/>
-            </a:prstGeom>
-            <a:noFill/>
-            <a:ln>
-              <a:solidFill>
-                <a:schemeClr val="tx1"/>
-              </a:solidFill>
-            </a:ln>
-          </p:spPr>
-          <p:style>
-            <a:lnRef idx="2">
-              <a:schemeClr val="accent1">
-                <a:shade val="50000"/>
-              </a:schemeClr>
-            </a:lnRef>
-            <a:fillRef idx="1">
-              <a:schemeClr val="accent1"/>
-            </a:fillRef>
-            <a:effectRef idx="0">
-              <a:schemeClr val="accent1"/>
-            </a:effectRef>
-            <a:fontRef idx="minor">
-              <a:schemeClr val="lt1"/>
-            </a:fontRef>
-          </p:style>
-          <p:txBody>
-            <a:bodyPr rtlCol="0" anchor="ctr"/>
-            <a:lstStyle/>
-            <a:p>
-              <a:pPr algn="ctr"/>
-              <a:endParaRPr lang="en-US" sz="1000" dirty="0">
-                <a:latin typeface="Helvetica" pitchFamily="2" charset="0"/>
-              </a:endParaRPr>
-            </a:p>
-          </p:txBody>
-        </p:sp>
-        <p:sp>
-          <p:nvSpPr>
-            <p:cNvPr id="19" name="TextBox 18">
-              <a:extLst>
-                <a:ext uri="{FF2B5EF4-FFF2-40B4-BE49-F238E27FC236}">
-                  <a16:creationId xmlns:a16="http://schemas.microsoft.com/office/drawing/2014/main" id="{D0707454-4F2C-43EC-88FB-E277C6C27CC1}"/>
-                </a:ext>
-              </a:extLst>
-            </p:cNvPr>
-            <p:cNvSpPr txBox="1"/>
-            <p:nvPr/>
-          </p:nvSpPr>
-          <p:spPr>
-            <a:xfrm rot="16200000">
-              <a:off x="609644" y="5342365"/>
+              <a:off x="898063" y="4958311"/>
               <a:ext cx="361665" cy="215444"/>
             </a:xfrm>
             <a:prstGeom prst="rect">
@@ -4981,97 +5433,17 @@
                 <a:rPr lang="en-US" sz="800" dirty="0">
                   <a:latin typeface="Helvetica" pitchFamily="2" charset="0"/>
                 </a:rPr>
-                <a:t>HF</a:t>
-              </a:r>
-            </a:p>
-          </p:txBody>
-        </p:sp>
-        <p:cxnSp>
-          <p:nvCxnSpPr>
-            <p:cNvPr id="20" name="Straight Connector 19">
-              <a:extLst>
-                <a:ext uri="{FF2B5EF4-FFF2-40B4-BE49-F238E27FC236}">
-                  <a16:creationId xmlns:a16="http://schemas.microsoft.com/office/drawing/2014/main" id="{5276D36B-91EB-4F2D-AC7D-1DA02A19A556}"/>
-                </a:ext>
-              </a:extLst>
-            </p:cNvPr>
-            <p:cNvCxnSpPr>
-              <a:cxnSpLocks/>
-            </p:cNvCxnSpPr>
-            <p:nvPr/>
-          </p:nvCxnSpPr>
-          <p:spPr>
-            <a:xfrm>
-              <a:off x="874462" y="5424664"/>
-              <a:ext cx="0" cy="124987"/>
-            </a:xfrm>
-            <a:prstGeom prst="line">
-              <a:avLst/>
-            </a:prstGeom>
-            <a:ln w="12700">
-              <a:solidFill>
-                <a:schemeClr val="tx1"/>
-              </a:solidFill>
-            </a:ln>
-          </p:spPr>
-          <p:style>
-            <a:lnRef idx="1">
-              <a:schemeClr val="accent1"/>
-            </a:lnRef>
-            <a:fillRef idx="0">
-              <a:schemeClr val="accent1"/>
-            </a:fillRef>
-            <a:effectRef idx="0">
-              <a:schemeClr val="accent1"/>
-            </a:effectRef>
-            <a:fontRef idx="minor">
-              <a:schemeClr val="tx1"/>
-            </a:fontRef>
-          </p:style>
-        </p:cxnSp>
-        <p:sp>
-          <p:nvSpPr>
-            <p:cNvPr id="22" name="TextBox 21">
-              <a:extLst>
-                <a:ext uri="{FF2B5EF4-FFF2-40B4-BE49-F238E27FC236}">
-                  <a16:creationId xmlns:a16="http://schemas.microsoft.com/office/drawing/2014/main" id="{5BBA2210-9DD6-46BE-883B-57B76580136B}"/>
-                </a:ext>
-              </a:extLst>
-            </p:cNvPr>
-            <p:cNvSpPr txBox="1"/>
-            <p:nvPr/>
-          </p:nvSpPr>
-          <p:spPr>
-            <a:xfrm rot="16200000">
-              <a:off x="3351564" y="6020484"/>
-              <a:ext cx="361665" cy="215444"/>
-            </a:xfrm>
-            <a:prstGeom prst="rect">
-              <a:avLst/>
-            </a:prstGeom>
-            <a:noFill/>
-          </p:spPr>
-          <p:txBody>
-            <a:bodyPr wrap="square" rtlCol="0">
-              <a:spAutoFit/>
-            </a:bodyPr>
-            <a:lstStyle/>
-            <a:p>
-              <a:r>
-                <a:rPr lang="en-US" sz="800" dirty="0">
-                  <a:latin typeface="Helvetica" pitchFamily="2" charset="0"/>
-                </a:rPr>
-                <a:t>HF</a:t>
+                <a:t>SCBI</a:t>
               </a:r>
             </a:p>
           </p:txBody>
         </p:sp>
         <p:sp>
           <p:nvSpPr>
-            <p:cNvPr id="23" name="Rectangle 22">
+            <p:cNvPr id="29" name="Rectangle 28">
               <a:extLst>
                 <a:ext uri="{FF2B5EF4-FFF2-40B4-BE49-F238E27FC236}">
-                  <a16:creationId xmlns:a16="http://schemas.microsoft.com/office/drawing/2014/main" id="{55173A8E-43FB-481F-AF18-3ED7EA457849}"/>
+                  <a16:creationId xmlns:a16="http://schemas.microsoft.com/office/drawing/2014/main" id="{E78B84E7-3CF5-40B1-8099-7777BCDF812C}"/>
                 </a:ext>
               </a:extLst>
             </p:cNvPr>
@@ -5080,8 +5452,8 @@
           </p:nvSpPr>
           <p:spPr>
             <a:xfrm>
-              <a:off x="1020150" y="1727166"/>
-              <a:ext cx="2078072" cy="434006"/>
+              <a:off x="1334079" y="5084485"/>
+              <a:ext cx="1988516" cy="78979"/>
             </a:xfrm>
             <a:prstGeom prst="rect">
               <a:avLst/>
@@ -5122,10 +5494,10 @@
         </p:sp>
         <p:cxnSp>
           <p:nvCxnSpPr>
-            <p:cNvPr id="24" name="Straight Connector 23">
+            <p:cNvPr id="30" name="Straight Connector 29">
               <a:extLst>
                 <a:ext uri="{FF2B5EF4-FFF2-40B4-BE49-F238E27FC236}">
-                  <a16:creationId xmlns:a16="http://schemas.microsoft.com/office/drawing/2014/main" id="{111264E6-2520-49AD-82E5-092A0941ABE5}"/>
+                  <a16:creationId xmlns:a16="http://schemas.microsoft.com/office/drawing/2014/main" id="{9AEA6C40-AA50-4404-8556-DAFD5BFF4747}"/>
                 </a:ext>
               </a:extLst>
             </p:cNvPr>
@@ -5136,8 +5508,8 @@
           </p:nvCxnSpPr>
           <p:spPr>
             <a:xfrm>
-              <a:off x="831545" y="1777869"/>
-              <a:ext cx="0" cy="352122"/>
+              <a:off x="1149593" y="5073500"/>
+              <a:ext cx="5129" cy="100949"/>
             </a:xfrm>
             <a:prstGeom prst="line">
               <a:avLst/>
@@ -5163,516 +5535,44 @@
             </a:fontRef>
           </p:style>
         </p:cxnSp>
-        <p:sp>
-          <p:nvSpPr>
-            <p:cNvPr id="25" name="TextBox 24">
-              <a:extLst>
-                <a:ext uri="{FF2B5EF4-FFF2-40B4-BE49-F238E27FC236}">
-                  <a16:creationId xmlns:a16="http://schemas.microsoft.com/office/drawing/2014/main" id="{AD4EB588-31C5-4B56-89C0-515E302CC901}"/>
-                </a:ext>
-              </a:extLst>
-            </p:cNvPr>
-            <p:cNvSpPr txBox="1"/>
-            <p:nvPr/>
-          </p:nvSpPr>
-          <p:spPr>
-            <a:xfrm rot="16200000">
-              <a:off x="446422" y="1734104"/>
-              <a:ext cx="638692" cy="215444"/>
-            </a:xfrm>
-            <a:prstGeom prst="rect">
-              <a:avLst/>
-            </a:prstGeom>
-            <a:noFill/>
-          </p:spPr>
-          <p:txBody>
-            <a:bodyPr wrap="square" rtlCol="0">
-              <a:spAutoFit/>
-            </a:bodyPr>
-            <a:lstStyle/>
-            <a:p>
-              <a:r>
-                <a:rPr lang="en-US" sz="800" dirty="0">
-                  <a:latin typeface="Helvetica" pitchFamily="2" charset="0"/>
-                </a:rPr>
-                <a:t>SCBI</a:t>
-              </a:r>
-            </a:p>
-          </p:txBody>
-        </p:sp>
-        <p:grpSp>
-          <p:nvGrpSpPr>
-            <p:cNvPr id="13" name="Group 12">
-              <a:extLst>
-                <a:ext uri="{FF2B5EF4-FFF2-40B4-BE49-F238E27FC236}">
-                  <a16:creationId xmlns:a16="http://schemas.microsoft.com/office/drawing/2014/main" id="{1326AFC7-7623-4CAA-8490-45E1D65B553C}"/>
-                </a:ext>
-              </a:extLst>
-            </p:cNvPr>
-            <p:cNvGrpSpPr/>
-            <p:nvPr/>
-          </p:nvGrpSpPr>
-          <p:grpSpPr>
-            <a:xfrm>
-              <a:off x="3207720" y="719875"/>
-              <a:ext cx="3438116" cy="6227992"/>
-              <a:chOff x="3424677" y="761487"/>
-              <a:chExt cx="3438116" cy="6227992"/>
-            </a:xfrm>
-          </p:grpSpPr>
-          <p:grpSp>
-            <p:nvGrpSpPr>
-              <p:cNvPr id="11" name="Group 10">
-                <a:extLst>
-                  <a:ext uri="{FF2B5EF4-FFF2-40B4-BE49-F238E27FC236}">
-                    <a16:creationId xmlns:a16="http://schemas.microsoft.com/office/drawing/2014/main" id="{B68F2675-88AD-471E-A5A1-E3FD587848D7}"/>
-                  </a:ext>
-                </a:extLst>
-              </p:cNvPr>
-              <p:cNvGrpSpPr/>
-              <p:nvPr/>
-            </p:nvGrpSpPr>
-            <p:grpSpPr>
-              <a:xfrm>
-                <a:off x="3448855" y="761487"/>
-                <a:ext cx="3413938" cy="6227992"/>
-                <a:chOff x="3448854" y="761487"/>
-                <a:chExt cx="3413938" cy="6227992"/>
-              </a:xfrm>
-            </p:grpSpPr>
-            <p:pic>
-              <p:nvPicPr>
-                <p:cNvPr id="10" name="Picture 9" descr="A picture containing graphical user interface&#10;&#10;Description automatically generated">
-                  <a:extLst>
-                    <a:ext uri="{FF2B5EF4-FFF2-40B4-BE49-F238E27FC236}">
-                      <a16:creationId xmlns:a16="http://schemas.microsoft.com/office/drawing/2014/main" id="{EB2F46B6-B327-4284-B472-0ADF5F798DA3}"/>
-                    </a:ext>
-                  </a:extLst>
-                </p:cNvPr>
-                <p:cNvPicPr>
-                  <a:picLocks noChangeAspect="1"/>
-                </p:cNvPicPr>
-                <p:nvPr/>
-              </p:nvPicPr>
-              <p:blipFill rotWithShape="1">
-                <a:blip r:embed="rId4"/>
-                <a:srcRect l="12148" t="3122" r="5494" b="8176"/>
-                <a:stretch/>
-              </p:blipFill>
-              <p:spPr>
-                <a:xfrm>
-                  <a:off x="3617352" y="761487"/>
-                  <a:ext cx="2852628" cy="6144768"/>
-                </a:xfrm>
-                <a:prstGeom prst="rect">
-                  <a:avLst/>
-                </a:prstGeom>
-              </p:spPr>
-            </p:pic>
-            <p:grpSp>
-              <p:nvGrpSpPr>
-                <p:cNvPr id="14" name="Group 13">
-                  <a:extLst>
-                    <a:ext uri="{FF2B5EF4-FFF2-40B4-BE49-F238E27FC236}">
-                      <a16:creationId xmlns:a16="http://schemas.microsoft.com/office/drawing/2014/main" id="{C71D9C81-2CDC-0845-8F78-2B540C874A74}"/>
-                    </a:ext>
-                  </a:extLst>
-                </p:cNvPr>
-                <p:cNvGrpSpPr/>
-                <p:nvPr/>
-              </p:nvGrpSpPr>
-              <p:grpSpPr>
-                <a:xfrm>
-                  <a:off x="5950005" y="6309037"/>
-                  <a:ext cx="912787" cy="680442"/>
-                  <a:chOff x="5922424" y="6188740"/>
-                  <a:chExt cx="912787" cy="680442"/>
-                </a:xfrm>
-              </p:grpSpPr>
-              <p:pic>
-                <p:nvPicPr>
-                  <p:cNvPr id="15" name="Picture 14">
-                    <a:extLst>
-                      <a:ext uri="{FF2B5EF4-FFF2-40B4-BE49-F238E27FC236}">
-                        <a16:creationId xmlns:a16="http://schemas.microsoft.com/office/drawing/2014/main" id="{734A9B20-B9BE-C048-85BC-4D6865AE6D01}"/>
-                      </a:ext>
-                    </a:extLst>
-                  </p:cNvPr>
-                  <p:cNvPicPr>
-                    <a:picLocks noChangeAspect="1"/>
-                  </p:cNvPicPr>
-                  <p:nvPr/>
-                </p:nvPicPr>
-                <p:blipFill>
-                  <a:blip r:embed="rId5"/>
-                  <a:stretch>
-                    <a:fillRect/>
-                  </a:stretch>
-                </p:blipFill>
-                <p:spPr>
-                  <a:xfrm>
-                    <a:off x="5922424" y="6188740"/>
-                    <a:ext cx="912787" cy="680442"/>
-                  </a:xfrm>
-                  <a:prstGeom prst="rect">
-                    <a:avLst/>
-                  </a:prstGeom>
-                </p:spPr>
-              </p:pic>
-              <p:sp>
-                <p:nvSpPr>
-                  <p:cNvPr id="16" name="Rectangle 15">
-                    <a:extLst>
-                      <a:ext uri="{FF2B5EF4-FFF2-40B4-BE49-F238E27FC236}">
-                        <a16:creationId xmlns:a16="http://schemas.microsoft.com/office/drawing/2014/main" id="{CD6E4E81-4536-F24B-86D6-24D3C0A52C4B}"/>
-                      </a:ext>
-                    </a:extLst>
-                  </p:cNvPr>
-                  <p:cNvSpPr/>
-                  <p:nvPr/>
-                </p:nvSpPr>
-                <p:spPr>
-                  <a:xfrm>
-                    <a:off x="6172419" y="6490907"/>
-                    <a:ext cx="129989" cy="121278"/>
-                  </a:xfrm>
-                  <a:prstGeom prst="rect">
-                    <a:avLst/>
-                  </a:prstGeom>
-                  <a:solidFill>
-                    <a:schemeClr val="bg1"/>
-                  </a:solidFill>
-                  <a:ln>
-                    <a:solidFill>
-                      <a:schemeClr val="bg1"/>
-                    </a:solidFill>
-                  </a:ln>
-                </p:spPr>
-                <p:style>
-                  <a:lnRef idx="2">
-                    <a:schemeClr val="accent1">
-                      <a:shade val="50000"/>
-                    </a:schemeClr>
-                  </a:lnRef>
-                  <a:fillRef idx="1">
-                    <a:schemeClr val="accent1"/>
-                  </a:fillRef>
-                  <a:effectRef idx="0">
-                    <a:schemeClr val="accent1"/>
-                  </a:effectRef>
-                  <a:fontRef idx="minor">
-                    <a:schemeClr val="lt1"/>
-                  </a:fontRef>
-                </p:style>
-                <p:txBody>
-                  <a:bodyPr rtlCol="0" anchor="ctr"/>
-                  <a:lstStyle/>
-                  <a:p>
-                    <a:pPr algn="ctr"/>
-                    <a:r>
-                      <a:rPr lang="en-US" sz="900" dirty="0">
-                        <a:solidFill>
-                          <a:schemeClr val="tx1"/>
-                        </a:solidFill>
-                      </a:rPr>
-                      <a:t>*</a:t>
-                    </a:r>
-                  </a:p>
-                </p:txBody>
-              </p:sp>
-            </p:grpSp>
-            <p:sp>
-              <p:nvSpPr>
-                <p:cNvPr id="18" name="Rectangle 17">
-                  <a:extLst>
-                    <a:ext uri="{FF2B5EF4-FFF2-40B4-BE49-F238E27FC236}">
-                      <a16:creationId xmlns:a16="http://schemas.microsoft.com/office/drawing/2014/main" id="{94D313B5-25D4-4FD4-A0EB-7E2027946522}"/>
-                    </a:ext>
-                  </a:extLst>
-                </p:cNvPr>
-                <p:cNvSpPr/>
-                <p:nvPr/>
-              </p:nvSpPr>
-              <p:spPr>
-                <a:xfrm>
-                  <a:off x="3817486" y="6077293"/>
-                  <a:ext cx="2063499" cy="172347"/>
-                </a:xfrm>
-                <a:prstGeom prst="rect">
-                  <a:avLst/>
-                </a:prstGeom>
-                <a:noFill/>
-                <a:ln>
-                  <a:solidFill>
-                    <a:schemeClr val="tx1"/>
-                  </a:solidFill>
-                </a:ln>
-              </p:spPr>
-              <p:style>
-                <a:lnRef idx="2">
-                  <a:schemeClr val="accent1">
-                    <a:shade val="50000"/>
-                  </a:schemeClr>
-                </a:lnRef>
-                <a:fillRef idx="1">
-                  <a:schemeClr val="accent1"/>
-                </a:fillRef>
-                <a:effectRef idx="0">
-                  <a:schemeClr val="accent1"/>
-                </a:effectRef>
-                <a:fontRef idx="minor">
-                  <a:schemeClr val="lt1"/>
-                </a:fontRef>
-              </p:style>
-              <p:txBody>
-                <a:bodyPr rtlCol="0" anchor="ctr"/>
-                <a:lstStyle/>
-                <a:p>
-                  <a:pPr algn="ctr"/>
-                  <a:endParaRPr lang="en-US" sz="1000" dirty="0">
-                    <a:latin typeface="Helvetica" pitchFamily="2" charset="0"/>
-                  </a:endParaRPr>
-                </a:p>
-              </p:txBody>
-            </p:sp>
-            <p:cxnSp>
-              <p:nvCxnSpPr>
-                <p:cNvPr id="21" name="Straight Connector 20">
-                  <a:extLst>
-                    <a:ext uri="{FF2B5EF4-FFF2-40B4-BE49-F238E27FC236}">
-                      <a16:creationId xmlns:a16="http://schemas.microsoft.com/office/drawing/2014/main" id="{9A39C502-BC8C-45C7-97B1-8E2138FD37A1}"/>
-                    </a:ext>
-                  </a:extLst>
-                </p:cNvPr>
-                <p:cNvCxnSpPr>
-                  <a:cxnSpLocks/>
-                </p:cNvCxnSpPr>
-                <p:nvPr/>
-              </p:nvCxnSpPr>
-              <p:spPr>
-                <a:xfrm>
-                  <a:off x="3617352" y="6077294"/>
-                  <a:ext cx="0" cy="152916"/>
-                </a:xfrm>
-                <a:prstGeom prst="line">
-                  <a:avLst/>
-                </a:prstGeom>
-                <a:ln w="12700">
-                  <a:solidFill>
-                    <a:schemeClr val="tx1"/>
-                  </a:solidFill>
-                </a:ln>
-              </p:spPr>
-              <p:style>
-                <a:lnRef idx="1">
-                  <a:schemeClr val="accent1"/>
-                </a:lnRef>
-                <a:fillRef idx="0">
-                  <a:schemeClr val="accent1"/>
-                </a:fillRef>
-                <a:effectRef idx="0">
-                  <a:schemeClr val="accent1"/>
-                </a:effectRef>
-                <a:fontRef idx="minor">
-                  <a:schemeClr val="tx1"/>
-                </a:fontRef>
-              </p:style>
-            </p:cxnSp>
-            <p:grpSp>
-              <p:nvGrpSpPr>
-                <p:cNvPr id="26" name="Group 25">
-                  <a:extLst>
-                    <a:ext uri="{FF2B5EF4-FFF2-40B4-BE49-F238E27FC236}">
-                      <a16:creationId xmlns:a16="http://schemas.microsoft.com/office/drawing/2014/main" id="{748DDA4F-DFDC-4F15-8E4A-D56A72AD8836}"/>
-                    </a:ext>
-                  </a:extLst>
-                </p:cNvPr>
-                <p:cNvGrpSpPr/>
-                <p:nvPr/>
-              </p:nvGrpSpPr>
-              <p:grpSpPr>
-                <a:xfrm>
-                  <a:off x="3448854" y="1820952"/>
-                  <a:ext cx="2432132" cy="680442"/>
-                  <a:chOff x="971174" y="4885200"/>
-                  <a:chExt cx="2351421" cy="361665"/>
-                </a:xfrm>
-              </p:grpSpPr>
-              <p:sp>
-                <p:nvSpPr>
-                  <p:cNvPr id="28" name="TextBox 27">
-                    <a:extLst>
-                      <a:ext uri="{FF2B5EF4-FFF2-40B4-BE49-F238E27FC236}">
-                        <a16:creationId xmlns:a16="http://schemas.microsoft.com/office/drawing/2014/main" id="{14F97EFB-148F-48D8-A67E-DBF4924CF454}"/>
-                      </a:ext>
-                    </a:extLst>
-                  </p:cNvPr>
-                  <p:cNvSpPr txBox="1"/>
-                  <p:nvPr/>
-                </p:nvSpPr>
-                <p:spPr>
-                  <a:xfrm rot="16200000">
-                    <a:off x="898063" y="4958311"/>
-                    <a:ext cx="361665" cy="215444"/>
-                  </a:xfrm>
-                  <a:prstGeom prst="rect">
-                    <a:avLst/>
-                  </a:prstGeom>
-                  <a:noFill/>
-                </p:spPr>
-                <p:txBody>
-                  <a:bodyPr wrap="square" rtlCol="0">
-                    <a:spAutoFit/>
-                  </a:bodyPr>
-                  <a:lstStyle/>
-                  <a:p>
-                    <a:r>
-                      <a:rPr lang="en-US" sz="800" dirty="0">
-                        <a:latin typeface="Helvetica" pitchFamily="2" charset="0"/>
-                      </a:rPr>
-                      <a:t>SCBI</a:t>
-                    </a:r>
-                  </a:p>
-                </p:txBody>
-              </p:sp>
-              <p:sp>
-                <p:nvSpPr>
-                  <p:cNvPr id="29" name="Rectangle 28">
-                    <a:extLst>
-                      <a:ext uri="{FF2B5EF4-FFF2-40B4-BE49-F238E27FC236}">
-                        <a16:creationId xmlns:a16="http://schemas.microsoft.com/office/drawing/2014/main" id="{E78B84E7-3CF5-40B1-8099-7777BCDF812C}"/>
-                      </a:ext>
-                    </a:extLst>
-                  </p:cNvPr>
-                  <p:cNvSpPr/>
-                  <p:nvPr/>
-                </p:nvSpPr>
-                <p:spPr>
-                  <a:xfrm>
-                    <a:off x="1334079" y="5084485"/>
-                    <a:ext cx="1988516" cy="78979"/>
-                  </a:xfrm>
-                  <a:prstGeom prst="rect">
-                    <a:avLst/>
-                  </a:prstGeom>
-                  <a:noFill/>
-                  <a:ln>
-                    <a:solidFill>
-                      <a:schemeClr val="tx1"/>
-                    </a:solidFill>
-                  </a:ln>
-                </p:spPr>
-                <p:style>
-                  <a:lnRef idx="2">
-                    <a:schemeClr val="accent1">
-                      <a:shade val="50000"/>
-                    </a:schemeClr>
-                  </a:lnRef>
-                  <a:fillRef idx="1">
-                    <a:schemeClr val="accent1"/>
-                  </a:fillRef>
-                  <a:effectRef idx="0">
-                    <a:schemeClr val="accent1"/>
-                  </a:effectRef>
-                  <a:fontRef idx="minor">
-                    <a:schemeClr val="lt1"/>
-                  </a:fontRef>
-                </p:style>
-                <p:txBody>
-                  <a:bodyPr rtlCol="0" anchor="ctr"/>
-                  <a:lstStyle/>
-                  <a:p>
-                    <a:pPr algn="ctr"/>
-                    <a:endParaRPr lang="en-US" sz="1000">
-                      <a:latin typeface="Helvetica" pitchFamily="2" charset="0"/>
-                    </a:endParaRPr>
-                  </a:p>
-                </p:txBody>
-              </p:sp>
-              <p:cxnSp>
-                <p:nvCxnSpPr>
-                  <p:cNvPr id="30" name="Straight Connector 29">
-                    <a:extLst>
-                      <a:ext uri="{FF2B5EF4-FFF2-40B4-BE49-F238E27FC236}">
-                        <a16:creationId xmlns:a16="http://schemas.microsoft.com/office/drawing/2014/main" id="{9AEA6C40-AA50-4404-8556-DAFD5BFF4747}"/>
-                      </a:ext>
-                    </a:extLst>
-                  </p:cNvPr>
-                  <p:cNvCxnSpPr>
-                    <a:cxnSpLocks/>
-                  </p:cNvCxnSpPr>
-                  <p:nvPr/>
-                </p:nvCxnSpPr>
-                <p:spPr>
-                  <a:xfrm>
-                    <a:off x="1149593" y="5073500"/>
-                    <a:ext cx="5129" cy="100949"/>
-                  </a:xfrm>
-                  <a:prstGeom prst="line">
-                    <a:avLst/>
-                  </a:prstGeom>
-                  <a:ln w="12700">
-                    <a:solidFill>
-                      <a:schemeClr val="tx1"/>
-                    </a:solidFill>
-                  </a:ln>
-                </p:spPr>
-                <p:style>
-                  <a:lnRef idx="1">
-                    <a:schemeClr val="accent1"/>
-                  </a:lnRef>
-                  <a:fillRef idx="0">
-                    <a:schemeClr val="accent1"/>
-                  </a:fillRef>
-                  <a:effectRef idx="0">
-                    <a:schemeClr val="accent1"/>
-                  </a:effectRef>
-                  <a:fontRef idx="minor">
-                    <a:schemeClr val="tx1"/>
-                  </a:fontRef>
-                </p:style>
-              </p:cxnSp>
-            </p:grpSp>
-          </p:grpSp>
-          <p:sp>
-            <p:nvSpPr>
-              <p:cNvPr id="33" name="TextBox 32">
-                <a:extLst>
-                  <a:ext uri="{FF2B5EF4-FFF2-40B4-BE49-F238E27FC236}">
-                    <a16:creationId xmlns:a16="http://schemas.microsoft.com/office/drawing/2014/main" id="{55E6B07D-1202-47E5-8A17-9DDDF5CE9668}"/>
-                  </a:ext>
-                </a:extLst>
-              </p:cNvPr>
-              <p:cNvSpPr txBox="1"/>
-              <p:nvPr/>
-            </p:nvSpPr>
-            <p:spPr>
-              <a:xfrm rot="16200000">
-                <a:off x="3351566" y="6020484"/>
-                <a:ext cx="361665" cy="215444"/>
-              </a:xfrm>
-              <a:prstGeom prst="rect">
-                <a:avLst/>
-              </a:prstGeom>
-              <a:noFill/>
-            </p:spPr>
-            <p:txBody>
-              <a:bodyPr wrap="square" rtlCol="0">
-                <a:spAutoFit/>
-              </a:bodyPr>
-              <a:lstStyle/>
-              <a:p>
-                <a:r>
-                  <a:rPr lang="en-US" sz="800" dirty="0">
-                    <a:latin typeface="Helvetica" pitchFamily="2" charset="0"/>
-                  </a:rPr>
-                  <a:t>HF</a:t>
-                </a:r>
-              </a:p>
-            </p:txBody>
-          </p:sp>
-        </p:grpSp>
       </p:grpSp>
+      <p:sp>
+        <p:nvSpPr>
+          <p:cNvPr id="33" name="TextBox 32">
+            <a:extLst>
+              <a:ext uri="{FF2B5EF4-FFF2-40B4-BE49-F238E27FC236}">
+                <a16:creationId xmlns:a16="http://schemas.microsoft.com/office/drawing/2014/main" id="{55E6B07D-1202-47E5-8A17-9DDDF5CE9668}"/>
+              </a:ext>
+            </a:extLst>
+          </p:cNvPr>
+          <p:cNvSpPr txBox="1"/>
+          <p:nvPr/>
+        </p:nvSpPr>
+        <p:spPr>
+          <a:xfrm rot="16200000">
+            <a:off x="3130641" y="5938424"/>
+            <a:ext cx="361665" cy="215444"/>
+          </a:xfrm>
+          <a:prstGeom prst="rect">
+            <a:avLst/>
+          </a:prstGeom>
+          <a:noFill/>
+        </p:spPr>
+        <p:txBody>
+          <a:bodyPr wrap="square" rtlCol="0">
+            <a:spAutoFit/>
+          </a:bodyPr>
+          <a:lstStyle/>
+          <a:p>
+            <a:r>
+              <a:rPr lang="en-US" sz="800" dirty="0">
+                <a:latin typeface="Helvetica" pitchFamily="2" charset="0"/>
+              </a:rPr>
+              <a:t>HF</a:t>
+            </a:r>
+          </a:p>
+        </p:txBody>
+      </p:sp>
     </p:spTree>
     <p:extLst>
       <p:ext uri="{BB962C8B-B14F-4D97-AF65-F5344CB8AC3E}">

--- a/doc/manuscript/tables_figures/tree_rings_figs.pptx
+++ b/doc/manuscript/tables_figures/tree_rings_figs.pptx
@@ -5,11 +5,12 @@
     <p:sldMasterId id="2147483660" r:id="rId1"/>
   </p:sldMasterIdLst>
   <p:notesMasterIdLst>
-    <p:notesMasterId r:id="rId4"/>
+    <p:notesMasterId r:id="rId5"/>
   </p:notesMasterIdLst>
   <p:sldIdLst>
     <p:sldId id="256" r:id="rId2"/>
     <p:sldId id="257" r:id="rId3"/>
+    <p:sldId id="258" r:id="rId4"/>
   </p:sldIdLst>
   <p:sldSz cx="6858000" cy="9144000" type="letter"/>
   <p:notesSz cx="6858000" cy="9144000"/>
@@ -198,7 +199,7 @@
           <a:p>
             <a:fld id="{F70F5402-B2D4-AF48-9284-8FD064B6E26D}" type="datetimeFigureOut">
               <a:rPr lang="en-US" smtClean="0"/>
-              <a:t>10/15/2021</a:t>
+              <a:t>10/16/2021</a:t>
             </a:fld>
             <a:endParaRPr lang="en-US"/>
           </a:p>
@@ -553,6 +554,94 @@
 </p:notes>
 </file>
 
+<file path=ppt/notesSlides/notesSlide2.xml><?xml version="1.0" encoding="utf-8"?>
+<p:notes xmlns:a="http://schemas.openxmlformats.org/drawingml/2006/main" xmlns:r="http://schemas.openxmlformats.org/officeDocument/2006/relationships" xmlns:p="http://schemas.openxmlformats.org/presentationml/2006/main">
+  <p:cSld>
+    <p:spTree>
+      <p:nvGrpSpPr>
+        <p:cNvPr id="1" name=""/>
+        <p:cNvGrpSpPr/>
+        <p:nvPr/>
+      </p:nvGrpSpPr>
+      <p:grpSpPr>
+        <a:xfrm>
+          <a:off x="0" y="0"/>
+          <a:ext cx="0" cy="0"/>
+          <a:chOff x="0" y="0"/>
+          <a:chExt cx="0" cy="0"/>
+        </a:xfrm>
+      </p:grpSpPr>
+      <p:sp>
+        <p:nvSpPr>
+          <p:cNvPr id="2" name="Slide Image Placeholder 1"/>
+          <p:cNvSpPr>
+            <a:spLocks noGrp="1" noRot="1" noChangeAspect="1"/>
+          </p:cNvSpPr>
+          <p:nvPr>
+            <p:ph type="sldImg"/>
+          </p:nvPr>
+        </p:nvSpPr>
+        <p:spPr/>
+      </p:sp>
+      <p:sp>
+        <p:nvSpPr>
+          <p:cNvPr id="3" name="Notes Placeholder 2"/>
+          <p:cNvSpPr>
+            <a:spLocks noGrp="1"/>
+          </p:cNvSpPr>
+          <p:nvPr>
+            <p:ph type="body" idx="1"/>
+          </p:nvPr>
+        </p:nvSpPr>
+        <p:spPr/>
+        <p:txBody>
+          <a:bodyPr/>
+          <a:lstStyle/>
+          <a:p>
+            <a:r>
+              <a:rPr lang="en-US" dirty="0" err="1"/>
+              <a:t>Tmin</a:t>
+            </a:r>
+            <a:endParaRPr lang="en-US" dirty="0"/>
+          </a:p>
+        </p:txBody>
+      </p:sp>
+      <p:sp>
+        <p:nvSpPr>
+          <p:cNvPr id="4" name="Slide Number Placeholder 3"/>
+          <p:cNvSpPr>
+            <a:spLocks noGrp="1"/>
+          </p:cNvSpPr>
+          <p:nvPr>
+            <p:ph type="sldNum" sz="quarter" idx="5"/>
+          </p:nvPr>
+        </p:nvSpPr>
+        <p:spPr/>
+        <p:txBody>
+          <a:bodyPr/>
+          <a:lstStyle/>
+          <a:p>
+            <a:fld id="{FE3AC72C-182E-4D4A-8A75-D61D1B14A8CC}" type="slidenum">
+              <a:rPr lang="en-US" smtClean="0"/>
+              <a:t>3</a:t>
+            </a:fld>
+            <a:endParaRPr lang="en-US"/>
+          </a:p>
+        </p:txBody>
+      </p:sp>
+    </p:spTree>
+    <p:extLst>
+      <p:ext uri="{BB962C8B-B14F-4D97-AF65-F5344CB8AC3E}">
+        <p14:creationId xmlns:p14="http://schemas.microsoft.com/office/powerpoint/2010/main" val="818212685"/>
+      </p:ext>
+    </p:extLst>
+  </p:cSld>
+  <p:clrMapOvr>
+    <a:masterClrMapping/>
+  </p:clrMapOvr>
+</p:notes>
+</file>
+
 <file path=ppt/slideLayouts/slideLayout1.xml><?xml version="1.0" encoding="utf-8"?>
 <p:sldLayout xmlns:a="http://schemas.openxmlformats.org/drawingml/2006/main" xmlns:r="http://schemas.openxmlformats.org/officeDocument/2006/relationships" xmlns:p="http://schemas.openxmlformats.org/presentationml/2006/main" type="title" preserve="1">
   <p:cSld name="Title Slide">
@@ -684,7 +773,7 @@
           <a:p>
             <a:fld id="{7323833B-5180-444D-893E-57F1CEBFA0E4}" type="datetimeFigureOut">
               <a:rPr lang="en-US" smtClean="0"/>
-              <a:t>10/15/2021</a:t>
+              <a:t>10/16/2021</a:t>
             </a:fld>
             <a:endParaRPr lang="en-US"/>
           </a:p>
@@ -854,7 +943,7 @@
           <a:p>
             <a:fld id="{7323833B-5180-444D-893E-57F1CEBFA0E4}" type="datetimeFigureOut">
               <a:rPr lang="en-US" smtClean="0"/>
-              <a:t>10/15/2021</a:t>
+              <a:t>10/16/2021</a:t>
             </a:fld>
             <a:endParaRPr lang="en-US"/>
           </a:p>
@@ -1034,7 +1123,7 @@
           <a:p>
             <a:fld id="{7323833B-5180-444D-893E-57F1CEBFA0E4}" type="datetimeFigureOut">
               <a:rPr lang="en-US" smtClean="0"/>
-              <a:t>10/15/2021</a:t>
+              <a:t>10/16/2021</a:t>
             </a:fld>
             <a:endParaRPr lang="en-US"/>
           </a:p>
@@ -1204,7 +1293,7 @@
           <a:p>
             <a:fld id="{7323833B-5180-444D-893E-57F1CEBFA0E4}" type="datetimeFigureOut">
               <a:rPr lang="en-US" smtClean="0"/>
-              <a:t>10/15/2021</a:t>
+              <a:t>10/16/2021</a:t>
             </a:fld>
             <a:endParaRPr lang="en-US"/>
           </a:p>
@@ -1448,7 +1537,7 @@
           <a:p>
             <a:fld id="{7323833B-5180-444D-893E-57F1CEBFA0E4}" type="datetimeFigureOut">
               <a:rPr lang="en-US" smtClean="0"/>
-              <a:t>10/15/2021</a:t>
+              <a:t>10/16/2021</a:t>
             </a:fld>
             <a:endParaRPr lang="en-US"/>
           </a:p>
@@ -1680,7 +1769,7 @@
           <a:p>
             <a:fld id="{7323833B-5180-444D-893E-57F1CEBFA0E4}" type="datetimeFigureOut">
               <a:rPr lang="en-US" smtClean="0"/>
-              <a:t>10/15/2021</a:t>
+              <a:t>10/16/2021</a:t>
             </a:fld>
             <a:endParaRPr lang="en-US"/>
           </a:p>
@@ -2047,7 +2136,7 @@
           <a:p>
             <a:fld id="{7323833B-5180-444D-893E-57F1CEBFA0E4}" type="datetimeFigureOut">
               <a:rPr lang="en-US" smtClean="0"/>
-              <a:t>10/15/2021</a:t>
+              <a:t>10/16/2021</a:t>
             </a:fld>
             <a:endParaRPr lang="en-US"/>
           </a:p>
@@ -2165,7 +2254,7 @@
           <a:p>
             <a:fld id="{7323833B-5180-444D-893E-57F1CEBFA0E4}" type="datetimeFigureOut">
               <a:rPr lang="en-US" smtClean="0"/>
-              <a:t>10/15/2021</a:t>
+              <a:t>10/16/2021</a:t>
             </a:fld>
             <a:endParaRPr lang="en-US"/>
           </a:p>
@@ -2260,7 +2349,7 @@
           <a:p>
             <a:fld id="{7323833B-5180-444D-893E-57F1CEBFA0E4}" type="datetimeFigureOut">
               <a:rPr lang="en-US" smtClean="0"/>
-              <a:t>10/15/2021</a:t>
+              <a:t>10/16/2021</a:t>
             </a:fld>
             <a:endParaRPr lang="en-US"/>
           </a:p>
@@ -2537,7 +2626,7 @@
           <a:p>
             <a:fld id="{7323833B-5180-444D-893E-57F1CEBFA0E4}" type="datetimeFigureOut">
               <a:rPr lang="en-US" smtClean="0"/>
-              <a:t>10/15/2021</a:t>
+              <a:t>10/16/2021</a:t>
             </a:fld>
             <a:endParaRPr lang="en-US"/>
           </a:p>
@@ -2794,7 +2883,7 @@
           <a:p>
             <a:fld id="{7323833B-5180-444D-893E-57F1CEBFA0E4}" type="datetimeFigureOut">
               <a:rPr lang="en-US" smtClean="0"/>
-              <a:t>10/15/2021</a:t>
+              <a:t>10/16/2021</a:t>
             </a:fld>
             <a:endParaRPr lang="en-US"/>
           </a:p>
@@ -3007,7 +3096,7 @@
           <a:p>
             <a:fld id="{7323833B-5180-444D-893E-57F1CEBFA0E4}" type="datetimeFigureOut">
               <a:rPr lang="en-US" smtClean="0"/>
-              <a:t>10/15/2021</a:t>
+              <a:t>10/16/2021</a:t>
             </a:fld>
             <a:endParaRPr lang="en-US"/>
           </a:p>
@@ -5577,6 +5666,1111 @@
     <p:extLst>
       <p:ext uri="{BB962C8B-B14F-4D97-AF65-F5344CB8AC3E}">
         <p14:creationId xmlns:p14="http://schemas.microsoft.com/office/powerpoint/2010/main" val="2229695250"/>
+      </p:ext>
+    </p:extLst>
+  </p:cSld>
+  <p:clrMapOvr>
+    <a:masterClrMapping/>
+  </p:clrMapOvr>
+</p:sld>
+</file>
+
+<file path=ppt/slides/slide3.xml><?xml version="1.0" encoding="utf-8"?>
+<p:sld xmlns:a="http://schemas.openxmlformats.org/drawingml/2006/main" xmlns:r="http://schemas.openxmlformats.org/officeDocument/2006/relationships" xmlns:p="http://schemas.openxmlformats.org/presentationml/2006/main">
+  <p:cSld>
+    <p:spTree>
+      <p:nvGrpSpPr>
+        <p:cNvPr id="1" name=""/>
+        <p:cNvGrpSpPr/>
+        <p:nvPr/>
+      </p:nvGrpSpPr>
+      <p:grpSpPr>
+        <a:xfrm>
+          <a:off x="0" y="0"/>
+          <a:ext cx="0" cy="0"/>
+          <a:chOff x="0" y="0"/>
+          <a:chExt cx="0" cy="0"/>
+        </a:xfrm>
+      </p:grpSpPr>
+      <p:sp>
+        <p:nvSpPr>
+          <p:cNvPr id="6" name="Rectangle 5">
+            <a:extLst>
+              <a:ext uri="{FF2B5EF4-FFF2-40B4-BE49-F238E27FC236}">
+                <a16:creationId xmlns:a16="http://schemas.microsoft.com/office/drawing/2014/main" id="{2827099A-799C-4D2C-AD9D-F9A8D8DA4D6D}"/>
+              </a:ext>
+            </a:extLst>
+          </p:cNvPr>
+          <p:cNvSpPr/>
+          <p:nvPr/>
+        </p:nvSpPr>
+        <p:spPr>
+          <a:xfrm>
+            <a:off x="-120977" y="59767"/>
+            <a:ext cx="7151427" cy="7937970"/>
+          </a:xfrm>
+          <a:prstGeom prst="rect">
+            <a:avLst/>
+          </a:prstGeom>
+          <a:solidFill>
+            <a:schemeClr val="bg1"/>
+          </a:solidFill>
+          <a:ln>
+            <a:solidFill>
+              <a:schemeClr val="bg1"/>
+            </a:solidFill>
+          </a:ln>
+        </p:spPr>
+        <p:style>
+          <a:lnRef idx="2">
+            <a:schemeClr val="accent1">
+              <a:shade val="50000"/>
+            </a:schemeClr>
+          </a:lnRef>
+          <a:fillRef idx="1">
+            <a:schemeClr val="accent1"/>
+          </a:fillRef>
+          <a:effectRef idx="0">
+            <a:schemeClr val="accent1"/>
+          </a:effectRef>
+          <a:fontRef idx="minor">
+            <a:schemeClr val="lt1"/>
+          </a:fontRef>
+        </p:style>
+        <p:txBody>
+          <a:bodyPr rtlCol="0" anchor="ctr"/>
+          <a:lstStyle/>
+          <a:p>
+            <a:pPr algn="ctr"/>
+            <a:endParaRPr lang="en-US"/>
+          </a:p>
+        </p:txBody>
+      </p:sp>
+      <p:pic>
+        <p:nvPicPr>
+          <p:cNvPr id="10" name="Picture 9" descr="Calendar&#10;&#10;Description automatically generated">
+            <a:extLst>
+              <a:ext uri="{FF2B5EF4-FFF2-40B4-BE49-F238E27FC236}">
+                <a16:creationId xmlns:a16="http://schemas.microsoft.com/office/drawing/2014/main" id="{222AD4B6-4B95-4995-ABFA-6FA8F3AE27BE}"/>
+              </a:ext>
+            </a:extLst>
+          </p:cNvPr>
+          <p:cNvPicPr>
+            <a:picLocks noChangeAspect="1"/>
+          </p:cNvPicPr>
+          <p:nvPr/>
+        </p:nvPicPr>
+        <p:blipFill rotWithShape="1">
+          <a:blip r:embed="rId3"/>
+          <a:srcRect l="11957" t="3404" r="4007" b="8401"/>
+          <a:stretch/>
+        </p:blipFill>
+        <p:spPr>
+          <a:xfrm>
+            <a:off x="3380966" y="699740"/>
+            <a:ext cx="2927485" cy="6144768"/>
+          </a:xfrm>
+          <a:prstGeom prst="rect">
+            <a:avLst/>
+          </a:prstGeom>
+        </p:spPr>
+      </p:pic>
+      <p:pic>
+        <p:nvPicPr>
+          <p:cNvPr id="5" name="Picture 4" descr="A picture containing chart&#10;&#10;Description automatically generated">
+            <a:extLst>
+              <a:ext uri="{FF2B5EF4-FFF2-40B4-BE49-F238E27FC236}">
+                <a16:creationId xmlns:a16="http://schemas.microsoft.com/office/drawing/2014/main" id="{A3145CBF-53F0-4AB5-AFC3-23C5EC4DFDB5}"/>
+              </a:ext>
+            </a:extLst>
+          </p:cNvPr>
+          <p:cNvPicPr>
+            <a:picLocks noChangeAspect="1"/>
+          </p:cNvPicPr>
+          <p:nvPr/>
+        </p:nvPicPr>
+        <p:blipFill rotWithShape="1">
+          <a:blip r:embed="rId4"/>
+          <a:srcRect l="12186" t="3702" r="20649" b="7939"/>
+          <a:stretch/>
+        </p:blipFill>
+        <p:spPr>
+          <a:xfrm>
+            <a:off x="866124" y="738282"/>
+            <a:ext cx="2331967" cy="6135624"/>
+          </a:xfrm>
+          <a:prstGeom prst="rect">
+            <a:avLst/>
+          </a:prstGeom>
+        </p:spPr>
+      </p:pic>
+      <p:sp>
+        <p:nvSpPr>
+          <p:cNvPr id="8" name="TextBox 7">
+            <a:extLst>
+              <a:ext uri="{FF2B5EF4-FFF2-40B4-BE49-F238E27FC236}">
+                <a16:creationId xmlns:a16="http://schemas.microsoft.com/office/drawing/2014/main" id="{B2960B18-C375-1844-B59E-B66AAF22394A}"/>
+              </a:ext>
+            </a:extLst>
+          </p:cNvPr>
+          <p:cNvSpPr txBox="1"/>
+          <p:nvPr/>
+        </p:nvSpPr>
+        <p:spPr>
+          <a:xfrm>
+            <a:off x="3532396" y="427058"/>
+            <a:ext cx="2238459" cy="246221"/>
+          </a:xfrm>
+          <a:prstGeom prst="rect">
+            <a:avLst/>
+          </a:prstGeom>
+          <a:solidFill>
+            <a:schemeClr val="bg1"/>
+          </a:solidFill>
+        </p:spPr>
+        <p:txBody>
+          <a:bodyPr wrap="square" rtlCol="0">
+            <a:spAutoFit/>
+          </a:bodyPr>
+          <a:lstStyle/>
+          <a:p>
+            <a:pPr algn="ctr"/>
+            <a:r>
+              <a:rPr lang="en-US" sz="1000" dirty="0">
+                <a:latin typeface="Helvetica" pitchFamily="2" charset="0"/>
+              </a:rPr>
+              <a:t>Diffuse porous</a:t>
+            </a:r>
+          </a:p>
+        </p:txBody>
+      </p:sp>
+      <p:sp>
+        <p:nvSpPr>
+          <p:cNvPr id="27" name="TextBox 26">
+            <a:extLst>
+              <a:ext uri="{FF2B5EF4-FFF2-40B4-BE49-F238E27FC236}">
+                <a16:creationId xmlns:a16="http://schemas.microsoft.com/office/drawing/2014/main" id="{B2491FE7-9723-CD46-9B89-7050774C27C9}"/>
+              </a:ext>
+            </a:extLst>
+          </p:cNvPr>
+          <p:cNvSpPr txBox="1"/>
+          <p:nvPr/>
+        </p:nvSpPr>
+        <p:spPr>
+          <a:xfrm rot="16200000">
+            <a:off x="-11890" y="3727558"/>
+            <a:ext cx="1403921" cy="246221"/>
+          </a:xfrm>
+          <a:prstGeom prst="rect">
+            <a:avLst/>
+          </a:prstGeom>
+          <a:noFill/>
+        </p:spPr>
+        <p:txBody>
+          <a:bodyPr wrap="square" rtlCol="0">
+            <a:spAutoFit/>
+          </a:bodyPr>
+          <a:lstStyle/>
+          <a:p>
+            <a:r>
+              <a:rPr lang="en-US" sz="1000" b="1" dirty="0">
+                <a:latin typeface="Helvetica" pitchFamily="2" charset="0"/>
+              </a:rPr>
+              <a:t>Chronology number</a:t>
+            </a:r>
+          </a:p>
+        </p:txBody>
+      </p:sp>
+      <p:sp>
+        <p:nvSpPr>
+          <p:cNvPr id="34" name="Down Arrow 33">
+            <a:extLst>
+              <a:ext uri="{FF2B5EF4-FFF2-40B4-BE49-F238E27FC236}">
+                <a16:creationId xmlns:a16="http://schemas.microsoft.com/office/drawing/2014/main" id="{F1B13D42-2553-8148-87B1-32BA355FB23F}"/>
+              </a:ext>
+            </a:extLst>
+          </p:cNvPr>
+          <p:cNvSpPr/>
+          <p:nvPr/>
+        </p:nvSpPr>
+        <p:spPr>
+          <a:xfrm rot="10800000">
+            <a:off x="204338" y="1216598"/>
+            <a:ext cx="362618" cy="5495925"/>
+          </a:xfrm>
+          <a:prstGeom prst="downArrow">
+            <a:avLst/>
+          </a:prstGeom>
+          <a:gradFill>
+            <a:gsLst>
+              <a:gs pos="0">
+                <a:schemeClr val="accent1">
+                  <a:lumMod val="40000"/>
+                  <a:lumOff val="60000"/>
+                </a:schemeClr>
+              </a:gs>
+              <a:gs pos="100000">
+                <a:srgbClr val="C00000"/>
+              </a:gs>
+            </a:gsLst>
+            <a:lin ang="5400000" scaled="1"/>
+          </a:gradFill>
+          <a:ln>
+            <a:solidFill>
+              <a:schemeClr val="tx1"/>
+            </a:solidFill>
+          </a:ln>
+        </p:spPr>
+        <p:style>
+          <a:lnRef idx="2">
+            <a:schemeClr val="accent1">
+              <a:shade val="50000"/>
+            </a:schemeClr>
+          </a:lnRef>
+          <a:fillRef idx="1">
+            <a:schemeClr val="accent1"/>
+          </a:fillRef>
+          <a:effectRef idx="0">
+            <a:schemeClr val="accent1"/>
+          </a:effectRef>
+          <a:fontRef idx="minor">
+            <a:schemeClr val="lt1"/>
+          </a:fontRef>
+        </p:style>
+        <p:txBody>
+          <a:bodyPr vert="vert" rtlCol="0" anchor="ctr"/>
+          <a:lstStyle/>
+          <a:p>
+            <a:pPr algn="ctr"/>
+            <a:r>
+              <a:rPr lang="en-US" sz="1000" dirty="0">
+                <a:solidFill>
+                  <a:schemeClr val="bg1"/>
+                </a:solidFill>
+                <a:latin typeface="Helvetica" pitchFamily="2" charset="0"/>
+              </a:rPr>
+              <a:t>April </a:t>
+            </a:r>
+            <a:r>
+              <a:rPr lang="en-US" sz="1000" i="1" dirty="0">
+                <a:solidFill>
+                  <a:schemeClr val="bg1"/>
+                </a:solidFill>
+                <a:latin typeface="Helvetica" pitchFamily="2" charset="0"/>
+              </a:rPr>
+              <a:t>T</a:t>
+            </a:r>
+            <a:r>
+              <a:rPr lang="en-US" sz="1000" baseline="-25000" dirty="0">
+                <a:solidFill>
+                  <a:schemeClr val="bg1"/>
+                </a:solidFill>
+                <a:latin typeface="Helvetica" pitchFamily="2" charset="0"/>
+              </a:rPr>
+              <a:t>max</a:t>
+            </a:r>
+            <a:endParaRPr lang="en-US" sz="1000" dirty="0">
+              <a:solidFill>
+                <a:schemeClr val="bg1"/>
+              </a:solidFill>
+              <a:latin typeface="Helvetica" pitchFamily="2" charset="0"/>
+            </a:endParaRPr>
+          </a:p>
+        </p:txBody>
+      </p:sp>
+      <p:sp>
+        <p:nvSpPr>
+          <p:cNvPr id="35" name="TextBox 34">
+            <a:extLst>
+              <a:ext uri="{FF2B5EF4-FFF2-40B4-BE49-F238E27FC236}">
+                <a16:creationId xmlns:a16="http://schemas.microsoft.com/office/drawing/2014/main" id="{65F0C768-21DB-D44F-AEAE-24F169336050}"/>
+              </a:ext>
+            </a:extLst>
+          </p:cNvPr>
+          <p:cNvSpPr txBox="1"/>
+          <p:nvPr/>
+        </p:nvSpPr>
+        <p:spPr>
+          <a:xfrm>
+            <a:off x="918421" y="1313608"/>
+            <a:ext cx="278722" cy="246221"/>
+          </a:xfrm>
+          <a:prstGeom prst="rect">
+            <a:avLst/>
+          </a:prstGeom>
+          <a:noFill/>
+        </p:spPr>
+        <p:txBody>
+          <a:bodyPr wrap="square" rtlCol="0">
+            <a:spAutoFit/>
+          </a:bodyPr>
+          <a:lstStyle/>
+          <a:p>
+            <a:r>
+              <a:rPr lang="en-US" sz="1000" dirty="0">
+                <a:solidFill>
+                  <a:schemeClr val="bg1"/>
+                </a:solidFill>
+                <a:latin typeface="Helvetica" pitchFamily="2" charset="0"/>
+              </a:rPr>
+              <a:t>+</a:t>
+            </a:r>
+          </a:p>
+        </p:txBody>
+      </p:sp>
+      <p:sp>
+        <p:nvSpPr>
+          <p:cNvPr id="36" name="TextBox 35">
+            <a:extLst>
+              <a:ext uri="{FF2B5EF4-FFF2-40B4-BE49-F238E27FC236}">
+                <a16:creationId xmlns:a16="http://schemas.microsoft.com/office/drawing/2014/main" id="{E66F3C2C-0438-704F-8115-C4DD961551A2}"/>
+              </a:ext>
+            </a:extLst>
+          </p:cNvPr>
+          <p:cNvSpPr txBox="1"/>
+          <p:nvPr/>
+        </p:nvSpPr>
+        <p:spPr>
+          <a:xfrm>
+            <a:off x="908687" y="7751516"/>
+            <a:ext cx="278722" cy="246221"/>
+          </a:xfrm>
+          <a:prstGeom prst="rect">
+            <a:avLst/>
+          </a:prstGeom>
+          <a:noFill/>
+        </p:spPr>
+        <p:txBody>
+          <a:bodyPr wrap="square" rtlCol="0">
+            <a:spAutoFit/>
+          </a:bodyPr>
+          <a:lstStyle/>
+          <a:p>
+            <a:r>
+              <a:rPr lang="en-US" sz="1000" dirty="0">
+                <a:solidFill>
+                  <a:schemeClr val="bg1"/>
+                </a:solidFill>
+                <a:latin typeface="Helvetica" pitchFamily="2" charset="0"/>
+              </a:rPr>
+              <a:t>-</a:t>
+            </a:r>
+          </a:p>
+        </p:txBody>
+      </p:sp>
+      <p:sp>
+        <p:nvSpPr>
+          <p:cNvPr id="7" name="TextBox 6">
+            <a:extLst>
+              <a:ext uri="{FF2B5EF4-FFF2-40B4-BE49-F238E27FC236}">
+                <a16:creationId xmlns:a16="http://schemas.microsoft.com/office/drawing/2014/main" id="{8194A473-9ED4-A64B-A417-3BC1BA03E003}"/>
+              </a:ext>
+            </a:extLst>
+          </p:cNvPr>
+          <p:cNvSpPr txBox="1"/>
+          <p:nvPr/>
+        </p:nvSpPr>
+        <p:spPr>
+          <a:xfrm>
+            <a:off x="1088216" y="471912"/>
+            <a:ext cx="1831340" cy="246221"/>
+          </a:xfrm>
+          <a:prstGeom prst="rect">
+            <a:avLst/>
+          </a:prstGeom>
+          <a:solidFill>
+            <a:schemeClr val="bg1"/>
+          </a:solidFill>
+        </p:spPr>
+        <p:txBody>
+          <a:bodyPr wrap="square" rtlCol="0">
+            <a:spAutoFit/>
+          </a:bodyPr>
+          <a:lstStyle/>
+          <a:p>
+            <a:pPr algn="ctr"/>
+            <a:r>
+              <a:rPr lang="en-US" sz="1000" dirty="0">
+                <a:latin typeface="Helvetica" pitchFamily="2" charset="0"/>
+              </a:rPr>
+              <a:t>Ring porous</a:t>
+            </a:r>
+          </a:p>
+        </p:txBody>
+      </p:sp>
+      <p:sp>
+        <p:nvSpPr>
+          <p:cNvPr id="17" name="Rectangle 16">
+            <a:extLst>
+              <a:ext uri="{FF2B5EF4-FFF2-40B4-BE49-F238E27FC236}">
+                <a16:creationId xmlns:a16="http://schemas.microsoft.com/office/drawing/2014/main" id="{F1AB3D8F-661B-4BC4-88E1-2742AA06D2AE}"/>
+              </a:ext>
+            </a:extLst>
+          </p:cNvPr>
+          <p:cNvSpPr/>
+          <p:nvPr/>
+        </p:nvSpPr>
+        <p:spPr>
+          <a:xfrm>
+            <a:off x="1060423" y="5365684"/>
+            <a:ext cx="2081821" cy="91949"/>
+          </a:xfrm>
+          <a:prstGeom prst="rect">
+            <a:avLst/>
+          </a:prstGeom>
+          <a:noFill/>
+          <a:ln>
+            <a:solidFill>
+              <a:schemeClr val="tx1"/>
+            </a:solidFill>
+          </a:ln>
+        </p:spPr>
+        <p:style>
+          <a:lnRef idx="2">
+            <a:schemeClr val="accent1">
+              <a:shade val="50000"/>
+            </a:schemeClr>
+          </a:lnRef>
+          <a:fillRef idx="1">
+            <a:schemeClr val="accent1"/>
+          </a:fillRef>
+          <a:effectRef idx="0">
+            <a:schemeClr val="accent1"/>
+          </a:effectRef>
+          <a:fontRef idx="minor">
+            <a:schemeClr val="lt1"/>
+          </a:fontRef>
+        </p:style>
+        <p:txBody>
+          <a:bodyPr rtlCol="0" anchor="ctr"/>
+          <a:lstStyle/>
+          <a:p>
+            <a:pPr algn="ctr"/>
+            <a:endParaRPr lang="en-US" sz="1000" dirty="0">
+              <a:latin typeface="Helvetica" pitchFamily="2" charset="0"/>
+            </a:endParaRPr>
+          </a:p>
+        </p:txBody>
+      </p:sp>
+      <p:sp>
+        <p:nvSpPr>
+          <p:cNvPr id="19" name="TextBox 18">
+            <a:extLst>
+              <a:ext uri="{FF2B5EF4-FFF2-40B4-BE49-F238E27FC236}">
+                <a16:creationId xmlns:a16="http://schemas.microsoft.com/office/drawing/2014/main" id="{D0707454-4F2C-43EC-88FB-E277C6C27CC1}"/>
+              </a:ext>
+            </a:extLst>
+          </p:cNvPr>
+          <p:cNvSpPr txBox="1"/>
+          <p:nvPr/>
+        </p:nvSpPr>
+        <p:spPr>
+          <a:xfrm rot="16200000">
+            <a:off x="609644" y="5260479"/>
+            <a:ext cx="361665" cy="215444"/>
+          </a:xfrm>
+          <a:prstGeom prst="rect">
+            <a:avLst/>
+          </a:prstGeom>
+          <a:noFill/>
+        </p:spPr>
+        <p:txBody>
+          <a:bodyPr wrap="square" rtlCol="0">
+            <a:spAutoFit/>
+          </a:bodyPr>
+          <a:lstStyle/>
+          <a:p>
+            <a:r>
+              <a:rPr lang="en-US" sz="800" dirty="0">
+                <a:latin typeface="Helvetica" pitchFamily="2" charset="0"/>
+              </a:rPr>
+              <a:t>HF</a:t>
+            </a:r>
+          </a:p>
+        </p:txBody>
+      </p:sp>
+      <p:cxnSp>
+        <p:nvCxnSpPr>
+          <p:cNvPr id="20" name="Straight Connector 19">
+            <a:extLst>
+              <a:ext uri="{FF2B5EF4-FFF2-40B4-BE49-F238E27FC236}">
+                <a16:creationId xmlns:a16="http://schemas.microsoft.com/office/drawing/2014/main" id="{5276D36B-91EB-4F2D-AC7D-1DA02A19A556}"/>
+              </a:ext>
+            </a:extLst>
+          </p:cNvPr>
+          <p:cNvCxnSpPr>
+            <a:cxnSpLocks/>
+          </p:cNvCxnSpPr>
+          <p:nvPr/>
+        </p:nvCxnSpPr>
+        <p:spPr>
+          <a:xfrm>
+            <a:off x="874462" y="5342778"/>
+            <a:ext cx="0" cy="124987"/>
+          </a:xfrm>
+          <a:prstGeom prst="line">
+            <a:avLst/>
+          </a:prstGeom>
+          <a:ln w="12700">
+            <a:solidFill>
+              <a:schemeClr val="tx1"/>
+            </a:solidFill>
+          </a:ln>
+        </p:spPr>
+        <p:style>
+          <a:lnRef idx="1">
+            <a:schemeClr val="accent1"/>
+          </a:lnRef>
+          <a:fillRef idx="0">
+            <a:schemeClr val="accent1"/>
+          </a:fillRef>
+          <a:effectRef idx="0">
+            <a:schemeClr val="accent1"/>
+          </a:effectRef>
+          <a:fontRef idx="minor">
+            <a:schemeClr val="tx1"/>
+          </a:fontRef>
+        </p:style>
+      </p:cxnSp>
+      <p:sp>
+        <p:nvSpPr>
+          <p:cNvPr id="23" name="Rectangle 22">
+            <a:extLst>
+              <a:ext uri="{FF2B5EF4-FFF2-40B4-BE49-F238E27FC236}">
+                <a16:creationId xmlns:a16="http://schemas.microsoft.com/office/drawing/2014/main" id="{55173A8E-43FB-481F-AF18-3ED7EA457849}"/>
+              </a:ext>
+            </a:extLst>
+          </p:cNvPr>
+          <p:cNvSpPr/>
+          <p:nvPr/>
+        </p:nvSpPr>
+        <p:spPr>
+          <a:xfrm>
+            <a:off x="1057782" y="1702958"/>
+            <a:ext cx="2078072" cy="393064"/>
+          </a:xfrm>
+          <a:prstGeom prst="rect">
+            <a:avLst/>
+          </a:prstGeom>
+          <a:noFill/>
+          <a:ln>
+            <a:solidFill>
+              <a:schemeClr val="tx1"/>
+            </a:solidFill>
+          </a:ln>
+        </p:spPr>
+        <p:style>
+          <a:lnRef idx="2">
+            <a:schemeClr val="accent1">
+              <a:shade val="50000"/>
+            </a:schemeClr>
+          </a:lnRef>
+          <a:fillRef idx="1">
+            <a:schemeClr val="accent1"/>
+          </a:fillRef>
+          <a:effectRef idx="0">
+            <a:schemeClr val="accent1"/>
+          </a:effectRef>
+          <a:fontRef idx="minor">
+            <a:schemeClr val="lt1"/>
+          </a:fontRef>
+        </p:style>
+        <p:txBody>
+          <a:bodyPr rtlCol="0" anchor="ctr"/>
+          <a:lstStyle/>
+          <a:p>
+            <a:pPr algn="ctr"/>
+            <a:endParaRPr lang="en-US" sz="1000">
+              <a:latin typeface="Helvetica" pitchFamily="2" charset="0"/>
+            </a:endParaRPr>
+          </a:p>
+        </p:txBody>
+      </p:sp>
+      <p:cxnSp>
+        <p:nvCxnSpPr>
+          <p:cNvPr id="24" name="Straight Connector 23">
+            <a:extLst>
+              <a:ext uri="{FF2B5EF4-FFF2-40B4-BE49-F238E27FC236}">
+                <a16:creationId xmlns:a16="http://schemas.microsoft.com/office/drawing/2014/main" id="{111264E6-2520-49AD-82E5-092A0941ABE5}"/>
+              </a:ext>
+            </a:extLst>
+          </p:cNvPr>
+          <p:cNvCxnSpPr>
+            <a:cxnSpLocks/>
+          </p:cNvCxnSpPr>
+          <p:nvPr/>
+        </p:nvCxnSpPr>
+        <p:spPr>
+          <a:xfrm>
+            <a:off x="831545" y="1723429"/>
+            <a:ext cx="0" cy="352122"/>
+          </a:xfrm>
+          <a:prstGeom prst="line">
+            <a:avLst/>
+          </a:prstGeom>
+          <a:ln w="12700">
+            <a:solidFill>
+              <a:schemeClr val="tx1"/>
+            </a:solidFill>
+          </a:ln>
+        </p:spPr>
+        <p:style>
+          <a:lnRef idx="1">
+            <a:schemeClr val="accent1"/>
+          </a:lnRef>
+          <a:fillRef idx="0">
+            <a:schemeClr val="accent1"/>
+          </a:fillRef>
+          <a:effectRef idx="0">
+            <a:schemeClr val="accent1"/>
+          </a:effectRef>
+          <a:fontRef idx="minor">
+            <a:schemeClr val="tx1"/>
+          </a:fontRef>
+        </p:style>
+      </p:cxnSp>
+      <p:sp>
+        <p:nvSpPr>
+          <p:cNvPr id="25" name="TextBox 24">
+            <a:extLst>
+              <a:ext uri="{FF2B5EF4-FFF2-40B4-BE49-F238E27FC236}">
+                <a16:creationId xmlns:a16="http://schemas.microsoft.com/office/drawing/2014/main" id="{AD4EB588-31C5-4B56-89C0-515E302CC901}"/>
+              </a:ext>
+            </a:extLst>
+          </p:cNvPr>
+          <p:cNvSpPr txBox="1"/>
+          <p:nvPr/>
+        </p:nvSpPr>
+        <p:spPr>
+          <a:xfrm rot="16200000">
+            <a:off x="442430" y="1683200"/>
+            <a:ext cx="638692" cy="215444"/>
+          </a:xfrm>
+          <a:prstGeom prst="rect">
+            <a:avLst/>
+          </a:prstGeom>
+          <a:noFill/>
+        </p:spPr>
+        <p:txBody>
+          <a:bodyPr wrap="square" rtlCol="0">
+            <a:spAutoFit/>
+          </a:bodyPr>
+          <a:lstStyle/>
+          <a:p>
+            <a:r>
+              <a:rPr lang="en-US" sz="800" dirty="0">
+                <a:latin typeface="Helvetica" pitchFamily="2" charset="0"/>
+              </a:rPr>
+              <a:t>SCBI</a:t>
+            </a:r>
+          </a:p>
+        </p:txBody>
+      </p:sp>
+      <p:grpSp>
+        <p:nvGrpSpPr>
+          <p:cNvPr id="14" name="Group 13">
+            <a:extLst>
+              <a:ext uri="{FF2B5EF4-FFF2-40B4-BE49-F238E27FC236}">
+                <a16:creationId xmlns:a16="http://schemas.microsoft.com/office/drawing/2014/main" id="{C71D9C81-2CDC-0845-8F78-2B540C874A74}"/>
+              </a:ext>
+            </a:extLst>
+          </p:cNvPr>
+          <p:cNvGrpSpPr/>
+          <p:nvPr/>
+        </p:nvGrpSpPr>
+        <p:grpSpPr>
+          <a:xfrm>
+            <a:off x="5733049" y="6185539"/>
+            <a:ext cx="912787" cy="680442"/>
+            <a:chOff x="5922424" y="6188740"/>
+            <a:chExt cx="912787" cy="680442"/>
+          </a:xfrm>
+        </p:grpSpPr>
+        <p:pic>
+          <p:nvPicPr>
+            <p:cNvPr id="15" name="Picture 14">
+              <a:extLst>
+                <a:ext uri="{FF2B5EF4-FFF2-40B4-BE49-F238E27FC236}">
+                  <a16:creationId xmlns:a16="http://schemas.microsoft.com/office/drawing/2014/main" id="{734A9B20-B9BE-C048-85BC-4D6865AE6D01}"/>
+                </a:ext>
+              </a:extLst>
+            </p:cNvPr>
+            <p:cNvPicPr>
+              <a:picLocks noChangeAspect="1"/>
+            </p:cNvPicPr>
+            <p:nvPr/>
+          </p:nvPicPr>
+          <p:blipFill>
+            <a:blip r:embed="rId5"/>
+            <a:stretch>
+              <a:fillRect/>
+            </a:stretch>
+          </p:blipFill>
+          <p:spPr>
+            <a:xfrm>
+              <a:off x="5922424" y="6188740"/>
+              <a:ext cx="912787" cy="680442"/>
+            </a:xfrm>
+            <a:prstGeom prst="rect">
+              <a:avLst/>
+            </a:prstGeom>
+          </p:spPr>
+        </p:pic>
+        <p:sp>
+          <p:nvSpPr>
+            <p:cNvPr id="16" name="Rectangle 15">
+              <a:extLst>
+                <a:ext uri="{FF2B5EF4-FFF2-40B4-BE49-F238E27FC236}">
+                  <a16:creationId xmlns:a16="http://schemas.microsoft.com/office/drawing/2014/main" id="{CD6E4E81-4536-F24B-86D6-24D3C0A52C4B}"/>
+                </a:ext>
+              </a:extLst>
+            </p:cNvPr>
+            <p:cNvSpPr/>
+            <p:nvPr/>
+          </p:nvSpPr>
+          <p:spPr>
+            <a:xfrm>
+              <a:off x="6172419" y="6490907"/>
+              <a:ext cx="129989" cy="121278"/>
+            </a:xfrm>
+            <a:prstGeom prst="rect">
+              <a:avLst/>
+            </a:prstGeom>
+            <a:solidFill>
+              <a:schemeClr val="bg1"/>
+            </a:solidFill>
+            <a:ln>
+              <a:solidFill>
+                <a:schemeClr val="bg1"/>
+              </a:solidFill>
+            </a:ln>
+          </p:spPr>
+          <p:style>
+            <a:lnRef idx="2">
+              <a:schemeClr val="accent1">
+                <a:shade val="50000"/>
+              </a:schemeClr>
+            </a:lnRef>
+            <a:fillRef idx="1">
+              <a:schemeClr val="accent1"/>
+            </a:fillRef>
+            <a:effectRef idx="0">
+              <a:schemeClr val="accent1"/>
+            </a:effectRef>
+            <a:fontRef idx="minor">
+              <a:schemeClr val="lt1"/>
+            </a:fontRef>
+          </p:style>
+          <p:txBody>
+            <a:bodyPr rtlCol="0" anchor="ctr"/>
+            <a:lstStyle/>
+            <a:p>
+              <a:pPr algn="ctr"/>
+              <a:r>
+                <a:rPr lang="en-US" sz="900" dirty="0">
+                  <a:solidFill>
+                    <a:schemeClr val="tx1"/>
+                  </a:solidFill>
+                </a:rPr>
+                <a:t>*</a:t>
+              </a:r>
+            </a:p>
+          </p:txBody>
+        </p:sp>
+      </p:grpSp>
+      <p:sp>
+        <p:nvSpPr>
+          <p:cNvPr id="18" name="Rectangle 17">
+            <a:extLst>
+              <a:ext uri="{FF2B5EF4-FFF2-40B4-BE49-F238E27FC236}">
+                <a16:creationId xmlns:a16="http://schemas.microsoft.com/office/drawing/2014/main" id="{94D313B5-25D4-4FD4-A0EB-7E2027946522}"/>
+              </a:ext>
+            </a:extLst>
+          </p:cNvPr>
+          <p:cNvSpPr/>
+          <p:nvPr/>
+        </p:nvSpPr>
+        <p:spPr>
+          <a:xfrm>
+            <a:off x="3596085" y="6030350"/>
+            <a:ext cx="2063499" cy="172347"/>
+          </a:xfrm>
+          <a:prstGeom prst="rect">
+            <a:avLst/>
+          </a:prstGeom>
+          <a:noFill/>
+          <a:ln>
+            <a:solidFill>
+              <a:schemeClr val="tx1"/>
+            </a:solidFill>
+          </a:ln>
+        </p:spPr>
+        <p:style>
+          <a:lnRef idx="2">
+            <a:schemeClr val="accent1">
+              <a:shade val="50000"/>
+            </a:schemeClr>
+          </a:lnRef>
+          <a:fillRef idx="1">
+            <a:schemeClr val="accent1"/>
+          </a:fillRef>
+          <a:effectRef idx="0">
+            <a:schemeClr val="accent1"/>
+          </a:effectRef>
+          <a:fontRef idx="minor">
+            <a:schemeClr val="lt1"/>
+          </a:fontRef>
+        </p:style>
+        <p:txBody>
+          <a:bodyPr rtlCol="0" anchor="ctr"/>
+          <a:lstStyle/>
+          <a:p>
+            <a:pPr algn="ctr"/>
+            <a:endParaRPr lang="en-US" sz="1000" dirty="0">
+              <a:latin typeface="Helvetica" pitchFamily="2" charset="0"/>
+            </a:endParaRPr>
+          </a:p>
+        </p:txBody>
+      </p:sp>
+      <p:cxnSp>
+        <p:nvCxnSpPr>
+          <p:cNvPr id="21" name="Straight Connector 20">
+            <a:extLst>
+              <a:ext uri="{FF2B5EF4-FFF2-40B4-BE49-F238E27FC236}">
+                <a16:creationId xmlns:a16="http://schemas.microsoft.com/office/drawing/2014/main" id="{9A39C502-BC8C-45C7-97B1-8E2138FD37A1}"/>
+              </a:ext>
+            </a:extLst>
+          </p:cNvPr>
+          <p:cNvCxnSpPr>
+            <a:cxnSpLocks/>
+          </p:cNvCxnSpPr>
+          <p:nvPr/>
+        </p:nvCxnSpPr>
+        <p:spPr>
+          <a:xfrm>
+            <a:off x="3400396" y="6042930"/>
+            <a:ext cx="0" cy="152916"/>
+          </a:xfrm>
+          <a:prstGeom prst="line">
+            <a:avLst/>
+          </a:prstGeom>
+          <a:ln w="12700">
+            <a:solidFill>
+              <a:schemeClr val="tx1"/>
+            </a:solidFill>
+          </a:ln>
+        </p:spPr>
+        <p:style>
+          <a:lnRef idx="1">
+            <a:schemeClr val="accent1"/>
+          </a:lnRef>
+          <a:fillRef idx="0">
+            <a:schemeClr val="accent1"/>
+          </a:fillRef>
+          <a:effectRef idx="0">
+            <a:schemeClr val="accent1"/>
+          </a:effectRef>
+          <a:fontRef idx="minor">
+            <a:schemeClr val="tx1"/>
+          </a:fontRef>
+        </p:style>
+      </p:cxnSp>
+      <p:grpSp>
+        <p:nvGrpSpPr>
+          <p:cNvPr id="26" name="Group 25">
+            <a:extLst>
+              <a:ext uri="{FF2B5EF4-FFF2-40B4-BE49-F238E27FC236}">
+                <a16:creationId xmlns:a16="http://schemas.microsoft.com/office/drawing/2014/main" id="{748DDA4F-DFDC-4F15-8E4A-D56A72AD8836}"/>
+              </a:ext>
+            </a:extLst>
+          </p:cNvPr>
+          <p:cNvGrpSpPr/>
+          <p:nvPr/>
+        </p:nvGrpSpPr>
+        <p:grpSpPr>
+          <a:xfrm>
+            <a:off x="3231898" y="1735330"/>
+            <a:ext cx="2432132" cy="680442"/>
+            <a:chOff x="971174" y="4885200"/>
+            <a:chExt cx="2351421" cy="361665"/>
+          </a:xfrm>
+        </p:grpSpPr>
+        <p:sp>
+          <p:nvSpPr>
+            <p:cNvPr id="28" name="TextBox 27">
+              <a:extLst>
+                <a:ext uri="{FF2B5EF4-FFF2-40B4-BE49-F238E27FC236}">
+                  <a16:creationId xmlns:a16="http://schemas.microsoft.com/office/drawing/2014/main" id="{14F97EFB-148F-48D8-A67E-DBF4924CF454}"/>
+                </a:ext>
+              </a:extLst>
+            </p:cNvPr>
+            <p:cNvSpPr txBox="1"/>
+            <p:nvPr/>
+          </p:nvSpPr>
+          <p:spPr>
+            <a:xfrm rot="16200000">
+              <a:off x="898063" y="4958311"/>
+              <a:ext cx="361665" cy="215444"/>
+            </a:xfrm>
+            <a:prstGeom prst="rect">
+              <a:avLst/>
+            </a:prstGeom>
+            <a:noFill/>
+          </p:spPr>
+          <p:txBody>
+            <a:bodyPr wrap="square" rtlCol="0">
+              <a:spAutoFit/>
+            </a:bodyPr>
+            <a:lstStyle/>
+            <a:p>
+              <a:r>
+                <a:rPr lang="en-US" sz="800" dirty="0">
+                  <a:latin typeface="Helvetica" pitchFamily="2" charset="0"/>
+                </a:rPr>
+                <a:t>SCBI</a:t>
+              </a:r>
+            </a:p>
+          </p:txBody>
+        </p:sp>
+        <p:sp>
+          <p:nvSpPr>
+            <p:cNvPr id="29" name="Rectangle 28">
+              <a:extLst>
+                <a:ext uri="{FF2B5EF4-FFF2-40B4-BE49-F238E27FC236}">
+                  <a16:creationId xmlns:a16="http://schemas.microsoft.com/office/drawing/2014/main" id="{E78B84E7-3CF5-40B1-8099-7777BCDF812C}"/>
+                </a:ext>
+              </a:extLst>
+            </p:cNvPr>
+            <p:cNvSpPr/>
+            <p:nvPr/>
+          </p:nvSpPr>
+          <p:spPr>
+            <a:xfrm>
+              <a:off x="1334079" y="5084485"/>
+              <a:ext cx="1988516" cy="78979"/>
+            </a:xfrm>
+            <a:prstGeom prst="rect">
+              <a:avLst/>
+            </a:prstGeom>
+            <a:noFill/>
+            <a:ln>
+              <a:solidFill>
+                <a:schemeClr val="tx1"/>
+              </a:solidFill>
+            </a:ln>
+          </p:spPr>
+          <p:style>
+            <a:lnRef idx="2">
+              <a:schemeClr val="accent1">
+                <a:shade val="50000"/>
+              </a:schemeClr>
+            </a:lnRef>
+            <a:fillRef idx="1">
+              <a:schemeClr val="accent1"/>
+            </a:fillRef>
+            <a:effectRef idx="0">
+              <a:schemeClr val="accent1"/>
+            </a:effectRef>
+            <a:fontRef idx="minor">
+              <a:schemeClr val="lt1"/>
+            </a:fontRef>
+          </p:style>
+          <p:txBody>
+            <a:bodyPr rtlCol="0" anchor="ctr"/>
+            <a:lstStyle/>
+            <a:p>
+              <a:pPr algn="ctr"/>
+              <a:endParaRPr lang="en-US" sz="1000">
+                <a:latin typeface="Helvetica" pitchFamily="2" charset="0"/>
+              </a:endParaRPr>
+            </a:p>
+          </p:txBody>
+        </p:sp>
+        <p:cxnSp>
+          <p:nvCxnSpPr>
+            <p:cNvPr id="30" name="Straight Connector 29">
+              <a:extLst>
+                <a:ext uri="{FF2B5EF4-FFF2-40B4-BE49-F238E27FC236}">
+                  <a16:creationId xmlns:a16="http://schemas.microsoft.com/office/drawing/2014/main" id="{9AEA6C40-AA50-4404-8556-DAFD5BFF4747}"/>
+                </a:ext>
+              </a:extLst>
+            </p:cNvPr>
+            <p:cNvCxnSpPr>
+              <a:cxnSpLocks/>
+            </p:cNvCxnSpPr>
+            <p:nvPr/>
+          </p:nvCxnSpPr>
+          <p:spPr>
+            <a:xfrm>
+              <a:off x="1149593" y="5073500"/>
+              <a:ext cx="5129" cy="100949"/>
+            </a:xfrm>
+            <a:prstGeom prst="line">
+              <a:avLst/>
+            </a:prstGeom>
+            <a:ln w="12700">
+              <a:solidFill>
+                <a:schemeClr val="tx1"/>
+              </a:solidFill>
+            </a:ln>
+          </p:spPr>
+          <p:style>
+            <a:lnRef idx="1">
+              <a:schemeClr val="accent1"/>
+            </a:lnRef>
+            <a:fillRef idx="0">
+              <a:schemeClr val="accent1"/>
+            </a:fillRef>
+            <a:effectRef idx="0">
+              <a:schemeClr val="accent1"/>
+            </a:effectRef>
+            <a:fontRef idx="minor">
+              <a:schemeClr val="tx1"/>
+            </a:fontRef>
+          </p:style>
+        </p:cxnSp>
+      </p:grpSp>
+      <p:sp>
+        <p:nvSpPr>
+          <p:cNvPr id="33" name="TextBox 32">
+            <a:extLst>
+              <a:ext uri="{FF2B5EF4-FFF2-40B4-BE49-F238E27FC236}">
+                <a16:creationId xmlns:a16="http://schemas.microsoft.com/office/drawing/2014/main" id="{55E6B07D-1202-47E5-8A17-9DDDF5CE9668}"/>
+              </a:ext>
+            </a:extLst>
+          </p:cNvPr>
+          <p:cNvSpPr txBox="1"/>
+          <p:nvPr/>
+        </p:nvSpPr>
+        <p:spPr>
+          <a:xfrm rot="16200000">
+            <a:off x="3140446" y="5981550"/>
+            <a:ext cx="361665" cy="215444"/>
+          </a:xfrm>
+          <a:prstGeom prst="rect">
+            <a:avLst/>
+          </a:prstGeom>
+          <a:noFill/>
+        </p:spPr>
+        <p:txBody>
+          <a:bodyPr wrap="square" rtlCol="0">
+            <a:spAutoFit/>
+          </a:bodyPr>
+          <a:lstStyle/>
+          <a:p>
+            <a:r>
+              <a:rPr lang="en-US" sz="800" dirty="0">
+                <a:latin typeface="Helvetica" pitchFamily="2" charset="0"/>
+              </a:rPr>
+              <a:t>HF</a:t>
+            </a:r>
+          </a:p>
+        </p:txBody>
+      </p:sp>
+    </p:spTree>
+    <p:extLst>
+      <p:ext uri="{BB962C8B-B14F-4D97-AF65-F5344CB8AC3E}">
+        <p14:creationId xmlns:p14="http://schemas.microsoft.com/office/powerpoint/2010/main" val="1425390447"/>
       </p:ext>
     </p:extLst>
   </p:cSld>

--- a/doc/manuscript/tables_figures/tree_rings_figs.pptx
+++ b/doc/manuscript/tables_figures/tree_rings_figs.pptx
@@ -199,7 +199,7 @@
           <a:p>
             <a:fld id="{F70F5402-B2D4-AF48-9284-8FD064B6E26D}" type="datetimeFigureOut">
               <a:rPr lang="en-US" smtClean="0"/>
-              <a:t>10/16/2021</a:t>
+              <a:t>10/20/21</a:t>
             </a:fld>
             <a:endParaRPr lang="en-US"/>
           </a:p>
@@ -773,7 +773,7 @@
           <a:p>
             <a:fld id="{7323833B-5180-444D-893E-57F1CEBFA0E4}" type="datetimeFigureOut">
               <a:rPr lang="en-US" smtClean="0"/>
-              <a:t>10/16/2021</a:t>
+              <a:t>10/20/21</a:t>
             </a:fld>
             <a:endParaRPr lang="en-US"/>
           </a:p>
@@ -943,7 +943,7 @@
           <a:p>
             <a:fld id="{7323833B-5180-444D-893E-57F1CEBFA0E4}" type="datetimeFigureOut">
               <a:rPr lang="en-US" smtClean="0"/>
-              <a:t>10/16/2021</a:t>
+              <a:t>10/20/21</a:t>
             </a:fld>
             <a:endParaRPr lang="en-US"/>
           </a:p>
@@ -1123,7 +1123,7 @@
           <a:p>
             <a:fld id="{7323833B-5180-444D-893E-57F1CEBFA0E4}" type="datetimeFigureOut">
               <a:rPr lang="en-US" smtClean="0"/>
-              <a:t>10/16/2021</a:t>
+              <a:t>10/20/21</a:t>
             </a:fld>
             <a:endParaRPr lang="en-US"/>
           </a:p>
@@ -1293,7 +1293,7 @@
           <a:p>
             <a:fld id="{7323833B-5180-444D-893E-57F1CEBFA0E4}" type="datetimeFigureOut">
               <a:rPr lang="en-US" smtClean="0"/>
-              <a:t>10/16/2021</a:t>
+              <a:t>10/20/21</a:t>
             </a:fld>
             <a:endParaRPr lang="en-US"/>
           </a:p>
@@ -1537,7 +1537,7 @@
           <a:p>
             <a:fld id="{7323833B-5180-444D-893E-57F1CEBFA0E4}" type="datetimeFigureOut">
               <a:rPr lang="en-US" smtClean="0"/>
-              <a:t>10/16/2021</a:t>
+              <a:t>10/20/21</a:t>
             </a:fld>
             <a:endParaRPr lang="en-US"/>
           </a:p>
@@ -1769,7 +1769,7 @@
           <a:p>
             <a:fld id="{7323833B-5180-444D-893E-57F1CEBFA0E4}" type="datetimeFigureOut">
               <a:rPr lang="en-US" smtClean="0"/>
-              <a:t>10/16/2021</a:t>
+              <a:t>10/20/21</a:t>
             </a:fld>
             <a:endParaRPr lang="en-US"/>
           </a:p>
@@ -2136,7 +2136,7 @@
           <a:p>
             <a:fld id="{7323833B-5180-444D-893E-57F1CEBFA0E4}" type="datetimeFigureOut">
               <a:rPr lang="en-US" smtClean="0"/>
-              <a:t>10/16/2021</a:t>
+              <a:t>10/20/21</a:t>
             </a:fld>
             <a:endParaRPr lang="en-US"/>
           </a:p>
@@ -2254,7 +2254,7 @@
           <a:p>
             <a:fld id="{7323833B-5180-444D-893E-57F1CEBFA0E4}" type="datetimeFigureOut">
               <a:rPr lang="en-US" smtClean="0"/>
-              <a:t>10/16/2021</a:t>
+              <a:t>10/20/21</a:t>
             </a:fld>
             <a:endParaRPr lang="en-US"/>
           </a:p>
@@ -2349,7 +2349,7 @@
           <a:p>
             <a:fld id="{7323833B-5180-444D-893E-57F1CEBFA0E4}" type="datetimeFigureOut">
               <a:rPr lang="en-US" smtClean="0"/>
-              <a:t>10/16/2021</a:t>
+              <a:t>10/20/21</a:t>
             </a:fld>
             <a:endParaRPr lang="en-US"/>
           </a:p>
@@ -2626,7 +2626,7 @@
           <a:p>
             <a:fld id="{7323833B-5180-444D-893E-57F1CEBFA0E4}" type="datetimeFigureOut">
               <a:rPr lang="en-US" smtClean="0"/>
-              <a:t>10/16/2021</a:t>
+              <a:t>10/20/21</a:t>
             </a:fld>
             <a:endParaRPr lang="en-US"/>
           </a:p>
@@ -2883,7 +2883,7 @@
           <a:p>
             <a:fld id="{7323833B-5180-444D-893E-57F1CEBFA0E4}" type="datetimeFigureOut">
               <a:rPr lang="en-US" smtClean="0"/>
-              <a:t>10/16/2021</a:t>
+              <a:t>10/20/21</a:t>
             </a:fld>
             <a:endParaRPr lang="en-US"/>
           </a:p>
@@ -3096,7 +3096,7 @@
           <a:p>
             <a:fld id="{7323833B-5180-444D-893E-57F1CEBFA0E4}" type="datetimeFigureOut">
               <a:rPr lang="en-US" smtClean="0"/>
-              <a:t>10/16/2021</a:t>
+              <a:t>10/20/21</a:t>
             </a:fld>
             <a:endParaRPr lang="en-US"/>
           </a:p>
